--- a/FinalReport/AWGADemo.pptx
+++ b/FinalReport/AWGADemo.pptx
@@ -145,6 +145,10 @@
 </p:cmAuthorLst>
 </file>
 
+<file path=ppt/revisionInfo.xml><?xml version="1.0" encoding="utf-8"?>
+<p1510:revInfo xmlns:a="http://schemas.openxmlformats.org/drawingml/2006/main" xmlns:r="http://schemas.openxmlformats.org/officeDocument/2006/relationships" xmlns:p1510="http://schemas.microsoft.com/office/powerpoint/2015/10/main"/>
+</file>
+
 <file path=ppt/notesMasters/notesMaster1.xml><?xml version="1.0" encoding="utf-8"?>
 <p:notesMaster xmlns:a="http://schemas.openxmlformats.org/drawingml/2006/main" xmlns:r="http://schemas.openxmlformats.org/officeDocument/2006/relationships" xmlns:p="http://schemas.openxmlformats.org/presentationml/2006/main">
   <p:cSld>
@@ -227,7 +231,7 @@
           <a:p>
             <a:fld id="{966C1C76-48F6-4369-8696-15EAB0F9D95D}" type="datetimeFigureOut">
               <a:rPr lang="en-US" smtClean="0"/>
-              <a:t>12/3/2017</a:t>
+              <a:t>12/6/2017</a:t>
             </a:fld>
             <a:endParaRPr lang="en-US"/>
           </a:p>
@@ -707,7 +711,7 @@
           <a:p>
             <a:fld id="{380B5943-9FF7-410E-85CC-7B3300C0AEEF}" type="datetimeFigureOut">
               <a:rPr lang="en-US" smtClean="0"/>
-              <a:t>12/3/2017</a:t>
+              <a:t>12/6/2017</a:t>
             </a:fld>
             <a:endParaRPr lang="en-US"/>
           </a:p>
@@ -875,7 +879,7 @@
           <a:p>
             <a:fld id="{380B5943-9FF7-410E-85CC-7B3300C0AEEF}" type="datetimeFigureOut">
               <a:rPr lang="en-US" smtClean="0"/>
-              <a:t>12/3/2017</a:t>
+              <a:t>12/6/2017</a:t>
             </a:fld>
             <a:endParaRPr lang="en-US"/>
           </a:p>
@@ -1053,7 +1057,7 @@
           <a:p>
             <a:fld id="{380B5943-9FF7-410E-85CC-7B3300C0AEEF}" type="datetimeFigureOut">
               <a:rPr lang="en-US" smtClean="0"/>
-              <a:t>12/3/2017</a:t>
+              <a:t>12/6/2017</a:t>
             </a:fld>
             <a:endParaRPr lang="en-US"/>
           </a:p>
@@ -1221,7 +1225,7 @@
           <a:p>
             <a:fld id="{380B5943-9FF7-410E-85CC-7B3300C0AEEF}" type="datetimeFigureOut">
               <a:rPr lang="en-US" smtClean="0"/>
-              <a:t>12/3/2017</a:t>
+              <a:t>12/6/2017</a:t>
             </a:fld>
             <a:endParaRPr lang="en-US"/>
           </a:p>
@@ -1466,7 +1470,7 @@
           <a:p>
             <a:fld id="{380B5943-9FF7-410E-85CC-7B3300C0AEEF}" type="datetimeFigureOut">
               <a:rPr lang="en-US" smtClean="0"/>
-              <a:t>12/3/2017</a:t>
+              <a:t>12/6/2017</a:t>
             </a:fld>
             <a:endParaRPr lang="en-US"/>
           </a:p>
@@ -1695,7 +1699,7 @@
           <a:p>
             <a:fld id="{380B5943-9FF7-410E-85CC-7B3300C0AEEF}" type="datetimeFigureOut">
               <a:rPr lang="en-US" smtClean="0"/>
-              <a:t>12/3/2017</a:t>
+              <a:t>12/6/2017</a:t>
             </a:fld>
             <a:endParaRPr lang="en-US"/>
           </a:p>
@@ -2059,7 +2063,7 @@
           <a:p>
             <a:fld id="{380B5943-9FF7-410E-85CC-7B3300C0AEEF}" type="datetimeFigureOut">
               <a:rPr lang="en-US" smtClean="0"/>
-              <a:t>12/3/2017</a:t>
+              <a:t>12/6/2017</a:t>
             </a:fld>
             <a:endParaRPr lang="en-US"/>
           </a:p>
@@ -2176,7 +2180,7 @@
           <a:p>
             <a:fld id="{380B5943-9FF7-410E-85CC-7B3300C0AEEF}" type="datetimeFigureOut">
               <a:rPr lang="en-US" smtClean="0"/>
-              <a:t>12/3/2017</a:t>
+              <a:t>12/6/2017</a:t>
             </a:fld>
             <a:endParaRPr lang="en-US"/>
           </a:p>
@@ -2271,7 +2275,7 @@
           <a:p>
             <a:fld id="{380B5943-9FF7-410E-85CC-7B3300C0AEEF}" type="datetimeFigureOut">
               <a:rPr lang="en-US" smtClean="0"/>
-              <a:t>12/3/2017</a:t>
+              <a:t>12/6/2017</a:t>
             </a:fld>
             <a:endParaRPr lang="en-US"/>
           </a:p>
@@ -2546,7 +2550,7 @@
           <a:p>
             <a:fld id="{380B5943-9FF7-410E-85CC-7B3300C0AEEF}" type="datetimeFigureOut">
               <a:rPr lang="en-US" smtClean="0"/>
-              <a:t>12/3/2017</a:t>
+              <a:t>12/6/2017</a:t>
             </a:fld>
             <a:endParaRPr lang="en-US"/>
           </a:p>
@@ -2798,7 +2802,7 @@
           <a:p>
             <a:fld id="{380B5943-9FF7-410E-85CC-7B3300C0AEEF}" type="datetimeFigureOut">
               <a:rPr lang="en-US" smtClean="0"/>
-              <a:t>12/3/2017</a:t>
+              <a:t>12/6/2017</a:t>
             </a:fld>
             <a:endParaRPr lang="en-US"/>
           </a:p>
@@ -3009,7 +3013,7 @@
           <a:p>
             <a:fld id="{380B5943-9FF7-410E-85CC-7B3300C0AEEF}" type="datetimeFigureOut">
               <a:rPr lang="en-US" smtClean="0"/>
-              <a:t>12/3/2017</a:t>
+              <a:t>12/6/2017</a:t>
             </a:fld>
             <a:endParaRPr lang="en-US"/>
           </a:p>
@@ -6066,6 +6070,26 @@
             </a:r>
           </a:p>
           <a:p>
+            <a:pPr lvl="1">
+              <a:lnSpc>
+                <a:spcPct val="70000"/>
+              </a:lnSpc>
+            </a:pPr>
+            <a:r>
+              <a:rPr lang="en-US" dirty="0">
+                <a:solidFill>
+                  <a:schemeClr val="bg1"/>
+                </a:solidFill>
+              </a:rPr>
+              <a:t>	</a:t>
+            </a:r>
+            <a:endParaRPr lang="en-US" b="1" dirty="0">
+              <a:solidFill>
+                <a:schemeClr val="bg1"/>
+              </a:solidFill>
+            </a:endParaRPr>
+          </a:p>
+          <a:p>
             <a:pPr>
               <a:lnSpc>
                 <a:spcPct val="70000"/>
@@ -6370,12 +6394,93 @@
           </a:bodyPr>
           <a:lstStyle/>
           <a:p>
+            <a:pPr marL="0" indent="0">
+              <a:lnSpc>
+                <a:spcPct val="70000"/>
+              </a:lnSpc>
+              <a:buNone/>
+            </a:pPr>
+            <a:endParaRPr lang="en-US" b="1" dirty="0">
+              <a:solidFill>
+                <a:schemeClr val="bg1"/>
+              </a:solidFill>
+            </a:endParaRPr>
+          </a:p>
+          <a:p>
             <a:pPr>
               <a:lnSpc>
                 <a:spcPct val="70000"/>
               </a:lnSpc>
             </a:pPr>
-            <a:endParaRPr lang="en-US" sz="1900" dirty="0">
+            <a:r>
+              <a:rPr lang="en-US" b="1" dirty="0">
+                <a:solidFill>
+                  <a:schemeClr val="bg1"/>
+                </a:solidFill>
+              </a:rPr>
+              <a:t>Collaboration is hard</a:t>
+            </a:r>
+          </a:p>
+          <a:p>
+            <a:pPr lvl="1">
+              <a:lnSpc>
+                <a:spcPct val="70000"/>
+              </a:lnSpc>
+            </a:pPr>
+            <a:r>
+              <a:rPr lang="en-US" dirty="0">
+                <a:solidFill>
+                  <a:schemeClr val="bg1"/>
+                </a:solidFill>
+              </a:rPr>
+              <a:t>Group Dynamics.</a:t>
+            </a:r>
+          </a:p>
+          <a:p>
+            <a:pPr lvl="1">
+              <a:lnSpc>
+                <a:spcPct val="70000"/>
+              </a:lnSpc>
+            </a:pPr>
+            <a:r>
+              <a:rPr lang="en-US" dirty="0">
+                <a:solidFill>
+                  <a:schemeClr val="bg1"/>
+                </a:solidFill>
+              </a:rPr>
+              <a:t>Appreciating the work of others when you might accomplish the same thing differently.</a:t>
+            </a:r>
+          </a:p>
+          <a:p>
+            <a:pPr lvl="1">
+              <a:lnSpc>
+                <a:spcPct val="70000"/>
+              </a:lnSpc>
+            </a:pPr>
+            <a:r>
+              <a:rPr lang="en-US" dirty="0">
+                <a:solidFill>
+                  <a:schemeClr val="bg1"/>
+                </a:solidFill>
+              </a:rPr>
+              <a:t>Merging files that have been </a:t>
+            </a:r>
+            <a:r>
+              <a:rPr lang="en-US">
+                <a:solidFill>
+                  <a:schemeClr val="bg1"/>
+                </a:solidFill>
+              </a:rPr>
+              <a:t>edited independently.</a:t>
+            </a:r>
+            <a:br>
+              <a:rPr lang="en-US" b="1" dirty="0">
+                <a:solidFill>
+                  <a:schemeClr val="bg1"/>
+                </a:solidFill>
+              </a:rPr>
+            </a:br>
+            <a:endParaRPr lang="en-US" b="1" dirty="0">
               <a:solidFill>
                 <a:schemeClr val="bg1"/>
               </a:solidFill>
@@ -6393,7 +6498,7 @@
                   <a:schemeClr val="bg1"/>
                 </a:solidFill>
               </a:rPr>
-              <a:t>Describe lessons learned</a:t>
+              <a:t>New tools (ex: Git) can be difficult to adopt.</a:t>
             </a:r>
             <a:endParaRPr lang="en-US" dirty="0">
               <a:solidFill>

--- a/FinalReport/AWGADemo.pptx
+++ b/FinalReport/AWGADemo.pptx
@@ -5,7 +5,7 @@
     <p:sldMasterId id="2147483648" r:id="rId1"/>
   </p:sldMasterIdLst>
   <p:notesMasterIdLst>
-    <p:notesMasterId r:id="rId11"/>
+    <p:notesMasterId r:id="rId12"/>
   </p:notesMasterIdLst>
   <p:sldIdLst>
     <p:sldId id="256" r:id="rId2"/>
@@ -15,8 +15,9 @@
     <p:sldId id="259" r:id="rId6"/>
     <p:sldId id="260" r:id="rId7"/>
     <p:sldId id="262" r:id="rId8"/>
-    <p:sldId id="263" r:id="rId9"/>
-    <p:sldId id="265" r:id="rId10"/>
+    <p:sldId id="266" r:id="rId9"/>
+    <p:sldId id="263" r:id="rId10"/>
+    <p:sldId id="265" r:id="rId11"/>
   </p:sldIdLst>
   <p:sldSz cx="12192000" cy="6858000"/>
   <p:notesSz cx="6858000" cy="9144000"/>
@@ -231,7 +232,7 @@
           <a:p>
             <a:fld id="{966C1C76-48F6-4369-8696-15EAB0F9D95D}" type="datetimeFigureOut">
               <a:rPr lang="en-US" smtClean="0"/>
-              <a:t>12/6/2017</a:t>
+              <a:t>12/8/2017</a:t>
             </a:fld>
             <a:endParaRPr lang="en-US"/>
           </a:p>
@@ -711,7 +712,7 @@
           <a:p>
             <a:fld id="{380B5943-9FF7-410E-85CC-7B3300C0AEEF}" type="datetimeFigureOut">
               <a:rPr lang="en-US" smtClean="0"/>
-              <a:t>12/6/2017</a:t>
+              <a:t>12/8/2017</a:t>
             </a:fld>
             <a:endParaRPr lang="en-US"/>
           </a:p>
@@ -879,7 +880,7 @@
           <a:p>
             <a:fld id="{380B5943-9FF7-410E-85CC-7B3300C0AEEF}" type="datetimeFigureOut">
               <a:rPr lang="en-US" smtClean="0"/>
-              <a:t>12/6/2017</a:t>
+              <a:t>12/8/2017</a:t>
             </a:fld>
             <a:endParaRPr lang="en-US"/>
           </a:p>
@@ -1057,7 +1058,7 @@
           <a:p>
             <a:fld id="{380B5943-9FF7-410E-85CC-7B3300C0AEEF}" type="datetimeFigureOut">
               <a:rPr lang="en-US" smtClean="0"/>
-              <a:t>12/6/2017</a:t>
+              <a:t>12/8/2017</a:t>
             </a:fld>
             <a:endParaRPr lang="en-US"/>
           </a:p>
@@ -1225,7 +1226,7 @@
           <a:p>
             <a:fld id="{380B5943-9FF7-410E-85CC-7B3300C0AEEF}" type="datetimeFigureOut">
               <a:rPr lang="en-US" smtClean="0"/>
-              <a:t>12/6/2017</a:t>
+              <a:t>12/8/2017</a:t>
             </a:fld>
             <a:endParaRPr lang="en-US"/>
           </a:p>
@@ -1470,7 +1471,7 @@
           <a:p>
             <a:fld id="{380B5943-9FF7-410E-85CC-7B3300C0AEEF}" type="datetimeFigureOut">
               <a:rPr lang="en-US" smtClean="0"/>
-              <a:t>12/6/2017</a:t>
+              <a:t>12/8/2017</a:t>
             </a:fld>
             <a:endParaRPr lang="en-US"/>
           </a:p>
@@ -1699,7 +1700,7 @@
           <a:p>
             <a:fld id="{380B5943-9FF7-410E-85CC-7B3300C0AEEF}" type="datetimeFigureOut">
               <a:rPr lang="en-US" smtClean="0"/>
-              <a:t>12/6/2017</a:t>
+              <a:t>12/8/2017</a:t>
             </a:fld>
             <a:endParaRPr lang="en-US"/>
           </a:p>
@@ -2063,7 +2064,7 @@
           <a:p>
             <a:fld id="{380B5943-9FF7-410E-85CC-7B3300C0AEEF}" type="datetimeFigureOut">
               <a:rPr lang="en-US" smtClean="0"/>
-              <a:t>12/6/2017</a:t>
+              <a:t>12/8/2017</a:t>
             </a:fld>
             <a:endParaRPr lang="en-US"/>
           </a:p>
@@ -2180,7 +2181,7 @@
           <a:p>
             <a:fld id="{380B5943-9FF7-410E-85CC-7B3300C0AEEF}" type="datetimeFigureOut">
               <a:rPr lang="en-US" smtClean="0"/>
-              <a:t>12/6/2017</a:t>
+              <a:t>12/8/2017</a:t>
             </a:fld>
             <a:endParaRPr lang="en-US"/>
           </a:p>
@@ -2275,7 +2276,7 @@
           <a:p>
             <a:fld id="{380B5943-9FF7-410E-85CC-7B3300C0AEEF}" type="datetimeFigureOut">
               <a:rPr lang="en-US" smtClean="0"/>
-              <a:t>12/6/2017</a:t>
+              <a:t>12/8/2017</a:t>
             </a:fld>
             <a:endParaRPr lang="en-US"/>
           </a:p>
@@ -2550,7 +2551,7 @@
           <a:p>
             <a:fld id="{380B5943-9FF7-410E-85CC-7B3300C0AEEF}" type="datetimeFigureOut">
               <a:rPr lang="en-US" smtClean="0"/>
-              <a:t>12/6/2017</a:t>
+              <a:t>12/8/2017</a:t>
             </a:fld>
             <a:endParaRPr lang="en-US"/>
           </a:p>
@@ -2802,7 +2803,7 @@
           <a:p>
             <a:fld id="{380B5943-9FF7-410E-85CC-7B3300C0AEEF}" type="datetimeFigureOut">
               <a:rPr lang="en-US" smtClean="0"/>
-              <a:t>12/6/2017</a:t>
+              <a:t>12/8/2017</a:t>
             </a:fld>
             <a:endParaRPr lang="en-US"/>
           </a:p>
@@ -3013,7 +3014,7 @@
           <a:p>
             <a:fld id="{380B5943-9FF7-410E-85CC-7B3300C0AEEF}" type="datetimeFigureOut">
               <a:rPr lang="en-US" smtClean="0"/>
-              <a:t>12/6/2017</a:t>
+              <a:t>12/8/2017</a:t>
             </a:fld>
             <a:endParaRPr lang="en-US"/>
           </a:p>
@@ -3440,7 +3441,7 @@
         </p:blipFill>
         <p:spPr>
           <a:xfrm>
-            <a:off x="9446959" y="3231439"/>
+            <a:off x="9361088" y="4145839"/>
             <a:ext cx="2485896" cy="1910303"/>
           </a:xfrm>
           <a:prstGeom prst="rect">
@@ -3902,8 +3903,44 @@
         </p:blipFill>
         <p:spPr>
           <a:xfrm>
-            <a:off x="9712203" y="434885"/>
+            <a:off x="9626331" y="527035"/>
             <a:ext cx="1955409" cy="1955409"/>
+          </a:xfrm>
+          <a:prstGeom prst="rect">
+            <a:avLst/>
+          </a:prstGeom>
+        </p:spPr>
+      </p:pic>
+      <p:pic>
+        <p:nvPicPr>
+          <p:cNvPr id="5" name="Picture 4" descr="A close up of a logo&#10;&#10;Description generated with high confidence">
+            <a:extLst>
+              <a:ext uri="{FF2B5EF4-FFF2-40B4-BE49-F238E27FC236}">
+                <a16:creationId xmlns:a16="http://schemas.microsoft.com/office/drawing/2014/main" id="{10F0B0D5-1F99-404B-A28D-1F9141AE0D58}"/>
+              </a:ext>
+            </a:extLst>
+          </p:cNvPr>
+          <p:cNvPicPr>
+            <a:picLocks noChangeAspect="1"/>
+          </p:cNvPicPr>
+          <p:nvPr/>
+        </p:nvPicPr>
+        <p:blipFill>
+          <a:blip r:embed="rId5">
+            <a:extLst>
+              <a:ext uri="{28A0092B-C50C-407E-A947-70E740481C1C}">
+                <a14:useLocalDpi xmlns:a14="http://schemas.microsoft.com/office/drawing/2010/main" val="0"/>
+              </a:ext>
+            </a:extLst>
+          </a:blip>
+          <a:stretch>
+            <a:fillRect/>
+          </a:stretch>
+        </p:blipFill>
+        <p:spPr>
+          <a:xfrm>
+            <a:off x="9185180" y="2841190"/>
+            <a:ext cx="2837709" cy="945903"/>
           </a:xfrm>
           <a:prstGeom prst="rect">
             <a:avLst/>
@@ -3923,228 +3960,7 @@
 </p:sld>
 </file>
 
-<file path=ppt/slides/slide2.xml><?xml version="1.0" encoding="utf-8"?>
-<p:sld xmlns:a="http://schemas.openxmlformats.org/drawingml/2006/main" xmlns:r="http://schemas.openxmlformats.org/officeDocument/2006/relationships" xmlns:p="http://schemas.openxmlformats.org/presentationml/2006/main">
-  <p:cSld>
-    <p:spTree>
-      <p:nvGrpSpPr>
-        <p:cNvPr id="1" name=""/>
-        <p:cNvGrpSpPr/>
-        <p:nvPr/>
-      </p:nvGrpSpPr>
-      <p:grpSpPr>
-        <a:xfrm>
-          <a:off x="0" y="0"/>
-          <a:ext cx="0" cy="0"/>
-          <a:chOff x="0" y="0"/>
-          <a:chExt cx="0" cy="0"/>
-        </a:xfrm>
-      </p:grpSpPr>
-      <p:sp>
-        <p:nvSpPr>
-          <p:cNvPr id="5" name="Rectangle 7"/>
-          <p:cNvSpPr>
-            <a:spLocks noGrp="1" noRot="1" noChangeAspect="1" noMove="1" noResize="1" noEditPoints="1" noAdjustHandles="1" noChangeArrowheads="1" noChangeShapeType="1" noTextEdit="1"/>
-          </p:cNvSpPr>
-          <p:nvPr>
-            <p:extLst>
-              <p:ext uri="{386F3935-93C4-4BCD-93E2-E3B085C9AB24}">
-                <p16:designElem xmlns:p16="http://schemas.microsoft.com/office/powerpoint/2015/main" val="1"/>
-              </p:ext>
-            </p:extLst>
-          </p:nvPr>
-        </p:nvSpPr>
-        <p:spPr>
-          <a:xfrm>
-            <a:off x="5315061" y="-2"/>
-            <a:ext cx="6876939" cy="6858002"/>
-          </a:xfrm>
-          <a:prstGeom prst="rect">
-            <a:avLst/>
-          </a:prstGeom>
-          <a:solidFill>
-            <a:schemeClr val="tx1">
-              <a:lumMod val="85000"/>
-              <a:lumOff val="15000"/>
-            </a:schemeClr>
-          </a:solidFill>
-          <a:ln>
-            <a:noFill/>
-          </a:ln>
-        </p:spPr>
-        <p:style>
-          <a:lnRef idx="2">
-            <a:schemeClr val="accent1">
-              <a:shade val="50000"/>
-            </a:schemeClr>
-          </a:lnRef>
-          <a:fillRef idx="1">
-            <a:schemeClr val="accent1"/>
-          </a:fillRef>
-          <a:effectRef idx="0">
-            <a:schemeClr val="accent1"/>
-          </a:effectRef>
-          <a:fontRef idx="minor">
-            <a:schemeClr val="lt1"/>
-          </a:fontRef>
-        </p:style>
-        <p:txBody>
-          <a:bodyPr rtlCol="0" anchor="ctr"/>
-          <a:lstStyle/>
-          <a:p>
-            <a:pPr algn="ctr"/>
-            <a:endParaRPr lang="en-US"/>
-          </a:p>
-        </p:txBody>
-      </p:sp>
-      <p:sp>
-        <p:nvSpPr>
-          <p:cNvPr id="2" name="Title 1"/>
-          <p:cNvSpPr>
-            <a:spLocks noGrp="1"/>
-          </p:cNvSpPr>
-          <p:nvPr>
-            <p:ph type="title"/>
-          </p:nvPr>
-        </p:nvSpPr>
-        <p:spPr>
-          <a:xfrm>
-            <a:off x="829781" y="2745736"/>
-            <a:ext cx="3698803" cy="1366528"/>
-          </a:xfrm>
-          <a:solidFill>
-            <a:schemeClr val="bg1">
-              <a:alpha val="50000"/>
-            </a:schemeClr>
-          </a:solidFill>
-          <a:ln w="25400" cap="sq">
-            <a:solidFill>
-              <a:schemeClr val="tx1"/>
-            </a:solidFill>
-            <a:miter lim="800000"/>
-          </a:ln>
-        </p:spPr>
-        <p:txBody>
-          <a:bodyPr>
-            <a:normAutofit/>
-          </a:bodyPr>
-          <a:lstStyle/>
-          <a:p>
-            <a:pPr algn="ctr"/>
-            <a:r>
-              <a:rPr lang="en-US" sz="3200"/>
-              <a:t>Overview</a:t>
-            </a:r>
-          </a:p>
-        </p:txBody>
-      </p:sp>
-      <p:sp>
-        <p:nvSpPr>
-          <p:cNvPr id="3" name="Content Placeholder 2"/>
-          <p:cNvSpPr>
-            <a:spLocks noGrp="1"/>
-          </p:cNvSpPr>
-          <p:nvPr>
-            <p:ph idx="1"/>
-          </p:nvPr>
-        </p:nvSpPr>
-        <p:spPr>
-          <a:xfrm>
-            <a:off x="6049182" y="802638"/>
-            <a:ext cx="5408696" cy="5252722"/>
-          </a:xfrm>
-        </p:spPr>
-        <p:txBody>
-          <a:bodyPr anchor="ctr">
-            <a:normAutofit/>
-          </a:bodyPr>
-          <a:lstStyle/>
-          <a:p>
-            <a:r>
-              <a:rPr lang="en-US" sz="2400" dirty="0">
-                <a:solidFill>
-                  <a:schemeClr val="bg1"/>
-                </a:solidFill>
-              </a:rPr>
-              <a:t>Background Information/Objectives</a:t>
-            </a:r>
-          </a:p>
-          <a:p>
-            <a:r>
-              <a:rPr lang="en-US" sz="2400" dirty="0">
-                <a:solidFill>
-                  <a:schemeClr val="bg1"/>
-                </a:solidFill>
-              </a:rPr>
-              <a:t>Project Challenges</a:t>
-            </a:r>
-          </a:p>
-          <a:p>
-            <a:r>
-              <a:rPr lang="en-US" sz="2400" dirty="0">
-                <a:solidFill>
-                  <a:schemeClr val="bg1"/>
-                </a:solidFill>
-              </a:rPr>
-              <a:t>Development Process Assessment</a:t>
-            </a:r>
-          </a:p>
-          <a:p>
-            <a:r>
-              <a:rPr lang="en-US" sz="2400" dirty="0">
-                <a:solidFill>
-                  <a:schemeClr val="bg1"/>
-                </a:solidFill>
-              </a:rPr>
-              <a:t>Goals vs. Accomplishments.</a:t>
-            </a:r>
-          </a:p>
-          <a:p>
-            <a:r>
-              <a:rPr lang="en-US" sz="2400" dirty="0">
-                <a:solidFill>
-                  <a:schemeClr val="bg1"/>
-                </a:solidFill>
-              </a:rPr>
-              <a:t>Testing Process and Results</a:t>
-            </a:r>
-          </a:p>
-          <a:p>
-            <a:r>
-              <a:rPr lang="en-US" sz="2400" dirty="0">
-                <a:solidFill>
-                  <a:schemeClr val="bg1"/>
-                </a:solidFill>
-              </a:rPr>
-              <a:t>Lessons Learned</a:t>
-            </a:r>
-          </a:p>
-          <a:p>
-            <a:r>
-              <a:rPr lang="en-US" sz="2400" dirty="0">
-                <a:solidFill>
-                  <a:schemeClr val="bg1"/>
-                </a:solidFill>
-              </a:rPr>
-              <a:t>Application Demonstration</a:t>
-            </a:r>
-          </a:p>
-        </p:txBody>
-      </p:sp>
-    </p:spTree>
-    <p:extLst>
-      <p:ext uri="{BB962C8B-B14F-4D97-AF65-F5344CB8AC3E}">
-        <p14:creationId xmlns:p14="http://schemas.microsoft.com/office/powerpoint/2010/main" val="2269431488"/>
-      </p:ext>
-    </p:extLst>
-  </p:cSld>
-  <p:clrMapOvr>
-    <a:masterClrMapping/>
-  </p:clrMapOvr>
-</p:sld>
-</file>
-
-<file path=ppt/slides/slide3.xml><?xml version="1.0" encoding="utf-8"?>
+<file path=ppt/slides/slide10.xml><?xml version="1.0" encoding="utf-8"?>
 <p:sld xmlns:a="http://schemas.openxmlformats.org/drawingml/2006/main" xmlns:r="http://schemas.openxmlformats.org/officeDocument/2006/relationships" xmlns:p="http://schemas.openxmlformats.org/presentationml/2006/main">
   <p:cSld>
     <p:spTree>
@@ -4163,10 +3979,10 @@
       </p:grpSpPr>
       <p:pic>
         <p:nvPicPr>
-          <p:cNvPr id="5" name="Picture 4">
+          <p:cNvPr id="6" name="Picture 5">
             <a:extLst>
               <a:ext uri="{FF2B5EF4-FFF2-40B4-BE49-F238E27FC236}">
-                <a16:creationId xmlns:a16="http://schemas.microsoft.com/office/drawing/2014/main" id="{2856A574-EF44-46E5-8599-B774CCFB1AB1}"/>
+                <a16:creationId xmlns:a16="http://schemas.microsoft.com/office/drawing/2014/main" id="{7ECC7342-DBBC-48A7-84D0-E7DF4329AAC4}"/>
               </a:ext>
             </a:extLst>
           </p:cNvPr>
@@ -4355,7 +4171,7 @@
           <a:p>
             <a:r>
               <a:rPr lang="en-US" dirty="0"/>
-              <a:t>Background Information and Objectives</a:t>
+              <a:t>Application Demonstration</a:t>
             </a:r>
           </a:p>
         </p:txBody>
@@ -4373,7 +4189,7 @@
         <p:spPr>
           <a:xfrm>
             <a:off x="328028" y="1919912"/>
-            <a:ext cx="8526803" cy="4572963"/>
+            <a:ext cx="7196015" cy="4572963"/>
           </a:xfrm>
         </p:spPr>
         <p:txBody>
@@ -4387,7 +4203,7 @@
                 <a:spcPct val="70000"/>
               </a:lnSpc>
             </a:pPr>
-            <a:endParaRPr lang="en-US" sz="1900" b="1" dirty="0">
+            <a:endParaRPr lang="en-US" sz="1900" dirty="0">
               <a:solidFill>
                 <a:schemeClr val="bg1"/>
               </a:solidFill>
@@ -4400,27 +4216,12 @@
               </a:lnSpc>
             </a:pPr>
             <a:r>
-              <a:rPr lang="en-US" b="1" dirty="0">
-                <a:solidFill>
-                  <a:schemeClr val="bg1"/>
-                </a:solidFill>
-              </a:rPr>
-              <a:t>Problem:</a:t>
-            </a:r>
-          </a:p>
-          <a:p>
-            <a:pPr lvl="1">
-              <a:lnSpc>
-                <a:spcPct val="70000"/>
-              </a:lnSpc>
-            </a:pPr>
-            <a:r>
               <a:rPr lang="en-US" dirty="0">
                 <a:solidFill>
                   <a:schemeClr val="bg1"/>
                 </a:solidFill>
               </a:rPr>
-              <a:t>Tournament structure creation and accounting tasks are laborious and error-prone when done manually.</a:t>
+              <a:t>Add “Members”</a:t>
             </a:r>
             <a:br>
               <a:rPr lang="en-US" dirty="0">
@@ -4436,165 +4237,24 @@
             </a:endParaRPr>
           </a:p>
           <a:p>
-            <a:pPr>
+            <a:pPr marL="0" indent="0">
               <a:lnSpc>
                 <a:spcPct val="70000"/>
               </a:lnSpc>
+              <a:buNone/>
             </a:pPr>
-            <a:r>
-              <a:rPr lang="en-US" b="1" dirty="0">
-                <a:solidFill>
-                  <a:schemeClr val="bg1"/>
-                </a:solidFill>
-              </a:rPr>
-              <a:t>Solution: </a:t>
-            </a:r>
-            <a:r>
-              <a:rPr lang="en-US" dirty="0">
-                <a:solidFill>
-                  <a:schemeClr val="bg1"/>
-                </a:solidFill>
-              </a:rPr>
-              <a:t>Automation of tasks -  </a:t>
-            </a:r>
-            <a:endParaRPr lang="en-US" b="1" dirty="0">
+            <a:endParaRPr lang="en-US" sz="1900" dirty="0">
               <a:solidFill>
                 <a:schemeClr val="bg1"/>
               </a:solidFill>
             </a:endParaRPr>
           </a:p>
-          <a:p>
-            <a:pPr lvl="1">
-              <a:lnSpc>
-                <a:spcPct val="70000"/>
-              </a:lnSpc>
-            </a:pPr>
-            <a:r>
-              <a:rPr lang="en-US" dirty="0">
-                <a:solidFill>
-                  <a:schemeClr val="bg1"/>
-                </a:solidFill>
-              </a:rPr>
-              <a:t>Construct balanced teams by player handicap.</a:t>
-            </a:r>
-          </a:p>
-          <a:p>
-            <a:pPr lvl="1">
-              <a:lnSpc>
-                <a:spcPct val="70000"/>
-              </a:lnSpc>
-            </a:pPr>
-            <a:r>
-              <a:rPr lang="en-US" dirty="0">
-                <a:solidFill>
-                  <a:schemeClr val="bg1"/>
-                </a:solidFill>
-              </a:rPr>
-              <a:t>Creation of unique player matchups across all rounds.</a:t>
-            </a:r>
-          </a:p>
-          <a:p>
-            <a:pPr lvl="1">
-              <a:lnSpc>
-                <a:spcPct val="70000"/>
-              </a:lnSpc>
-            </a:pPr>
-            <a:r>
-              <a:rPr lang="en-US" dirty="0">
-                <a:solidFill>
-                  <a:schemeClr val="bg1"/>
-                </a:solidFill>
-              </a:rPr>
-              <a:t>Track player points and putts for each round.</a:t>
-            </a:r>
-          </a:p>
-          <a:p>
-            <a:pPr lvl="1">
-              <a:lnSpc>
-                <a:spcPct val="70000"/>
-              </a:lnSpc>
-            </a:pPr>
-            <a:r>
-              <a:rPr lang="en-US" dirty="0">
-                <a:solidFill>
-                  <a:schemeClr val="bg1"/>
-                </a:solidFill>
-              </a:rPr>
-              <a:t>Allow denoting of substitutes in scores.</a:t>
-            </a:r>
-          </a:p>
-          <a:p>
-            <a:pPr lvl="1">
-              <a:lnSpc>
-                <a:spcPct val="70000"/>
-              </a:lnSpc>
-            </a:pPr>
-            <a:r>
-              <a:rPr lang="en-US" dirty="0">
-                <a:solidFill>
-                  <a:schemeClr val="bg1"/>
-                </a:solidFill>
-              </a:rPr>
-              <a:t>Determine final tournament winners.</a:t>
-            </a:r>
-          </a:p>
-          <a:p>
-            <a:pPr lvl="1">
-              <a:lnSpc>
-                <a:spcPct val="70000"/>
-              </a:lnSpc>
-            </a:pPr>
-            <a:r>
-              <a:rPr lang="en-US" dirty="0">
-                <a:solidFill>
-                  <a:schemeClr val="bg1"/>
-                </a:solidFill>
-              </a:rPr>
-              <a:t>Maintain records of previous tournament data.</a:t>
-            </a:r>
-          </a:p>
-          <a:p>
-            <a:pPr lvl="2">
-              <a:lnSpc>
-                <a:spcPct val="70000"/>
-              </a:lnSpc>
-            </a:pPr>
-            <a:endParaRPr lang="en-US" dirty="0">
-              <a:solidFill>
-                <a:schemeClr val="bg1"/>
-              </a:solidFill>
-            </a:endParaRPr>
-          </a:p>
-          <a:p>
-            <a:pPr lvl="2">
-              <a:lnSpc>
-                <a:spcPct val="70000"/>
-              </a:lnSpc>
-            </a:pPr>
-            <a:endParaRPr lang="en-US" dirty="0">
-              <a:solidFill>
-                <a:schemeClr val="bg1"/>
-              </a:solidFill>
-            </a:endParaRPr>
-          </a:p>
-          <a:p>
-            <a:pPr lvl="2">
-              <a:lnSpc>
-                <a:spcPct val="70000"/>
-              </a:lnSpc>
-            </a:pPr>
-            <a:endParaRPr lang="en-US" dirty="0">
-              <a:solidFill>
-                <a:schemeClr val="bg1"/>
-              </a:solidFill>
-            </a:endParaRPr>
-          </a:p>
         </p:txBody>
       </p:sp>
     </p:spTree>
     <p:extLst>
       <p:ext uri="{BB962C8B-B14F-4D97-AF65-F5344CB8AC3E}">
-        <p14:creationId xmlns:p14="http://schemas.microsoft.com/office/powerpoint/2010/main" val="2149300098"/>
+        <p14:creationId xmlns:p14="http://schemas.microsoft.com/office/powerpoint/2010/main" val="2854582628"/>
       </p:ext>
     </p:extLst>
   </p:cSld>
@@ -4604,7 +4264,228 @@
 </p:sld>
 </file>
 
-<file path=ppt/slides/slide4.xml><?xml version="1.0" encoding="utf-8"?>
+<file path=ppt/slides/slide2.xml><?xml version="1.0" encoding="utf-8"?>
+<p:sld xmlns:a="http://schemas.openxmlformats.org/drawingml/2006/main" xmlns:r="http://schemas.openxmlformats.org/officeDocument/2006/relationships" xmlns:p="http://schemas.openxmlformats.org/presentationml/2006/main">
+  <p:cSld>
+    <p:spTree>
+      <p:nvGrpSpPr>
+        <p:cNvPr id="1" name=""/>
+        <p:cNvGrpSpPr/>
+        <p:nvPr/>
+      </p:nvGrpSpPr>
+      <p:grpSpPr>
+        <a:xfrm>
+          <a:off x="0" y="0"/>
+          <a:ext cx="0" cy="0"/>
+          <a:chOff x="0" y="0"/>
+          <a:chExt cx="0" cy="0"/>
+        </a:xfrm>
+      </p:grpSpPr>
+      <p:sp>
+        <p:nvSpPr>
+          <p:cNvPr id="5" name="Rectangle 7"/>
+          <p:cNvSpPr>
+            <a:spLocks noGrp="1" noRot="1" noChangeAspect="1" noMove="1" noResize="1" noEditPoints="1" noAdjustHandles="1" noChangeArrowheads="1" noChangeShapeType="1" noTextEdit="1"/>
+          </p:cNvSpPr>
+          <p:nvPr>
+            <p:extLst>
+              <p:ext uri="{386F3935-93C4-4BCD-93E2-E3B085C9AB24}">
+                <p16:designElem xmlns:p16="http://schemas.microsoft.com/office/powerpoint/2015/main" val="1"/>
+              </p:ext>
+            </p:extLst>
+          </p:nvPr>
+        </p:nvSpPr>
+        <p:spPr>
+          <a:xfrm>
+            <a:off x="5315061" y="-2"/>
+            <a:ext cx="6876939" cy="6858002"/>
+          </a:xfrm>
+          <a:prstGeom prst="rect">
+            <a:avLst/>
+          </a:prstGeom>
+          <a:solidFill>
+            <a:schemeClr val="tx1">
+              <a:lumMod val="85000"/>
+              <a:lumOff val="15000"/>
+            </a:schemeClr>
+          </a:solidFill>
+          <a:ln>
+            <a:noFill/>
+          </a:ln>
+        </p:spPr>
+        <p:style>
+          <a:lnRef idx="2">
+            <a:schemeClr val="accent1">
+              <a:shade val="50000"/>
+            </a:schemeClr>
+          </a:lnRef>
+          <a:fillRef idx="1">
+            <a:schemeClr val="accent1"/>
+          </a:fillRef>
+          <a:effectRef idx="0">
+            <a:schemeClr val="accent1"/>
+          </a:effectRef>
+          <a:fontRef idx="minor">
+            <a:schemeClr val="lt1"/>
+          </a:fontRef>
+        </p:style>
+        <p:txBody>
+          <a:bodyPr rtlCol="0" anchor="ctr"/>
+          <a:lstStyle/>
+          <a:p>
+            <a:pPr algn="ctr"/>
+            <a:endParaRPr lang="en-US"/>
+          </a:p>
+        </p:txBody>
+      </p:sp>
+      <p:sp>
+        <p:nvSpPr>
+          <p:cNvPr id="2" name="Title 1"/>
+          <p:cNvSpPr>
+            <a:spLocks noGrp="1"/>
+          </p:cNvSpPr>
+          <p:nvPr>
+            <p:ph type="title"/>
+          </p:nvPr>
+        </p:nvSpPr>
+        <p:spPr>
+          <a:xfrm>
+            <a:off x="829781" y="2745736"/>
+            <a:ext cx="3698803" cy="1366528"/>
+          </a:xfrm>
+          <a:solidFill>
+            <a:schemeClr val="bg1">
+              <a:alpha val="50000"/>
+            </a:schemeClr>
+          </a:solidFill>
+          <a:ln w="25400" cap="sq">
+            <a:solidFill>
+              <a:schemeClr val="tx1"/>
+            </a:solidFill>
+            <a:miter lim="800000"/>
+          </a:ln>
+        </p:spPr>
+        <p:txBody>
+          <a:bodyPr>
+            <a:normAutofit/>
+          </a:bodyPr>
+          <a:lstStyle/>
+          <a:p>
+            <a:pPr algn="ctr"/>
+            <a:r>
+              <a:rPr lang="en-US" sz="3200"/>
+              <a:t>Overview</a:t>
+            </a:r>
+          </a:p>
+        </p:txBody>
+      </p:sp>
+      <p:sp>
+        <p:nvSpPr>
+          <p:cNvPr id="3" name="Content Placeholder 2"/>
+          <p:cNvSpPr>
+            <a:spLocks noGrp="1"/>
+          </p:cNvSpPr>
+          <p:nvPr>
+            <p:ph idx="1"/>
+          </p:nvPr>
+        </p:nvSpPr>
+        <p:spPr>
+          <a:xfrm>
+            <a:off x="6049182" y="802638"/>
+            <a:ext cx="5408696" cy="5252722"/>
+          </a:xfrm>
+        </p:spPr>
+        <p:txBody>
+          <a:bodyPr anchor="ctr">
+            <a:normAutofit/>
+          </a:bodyPr>
+          <a:lstStyle/>
+          <a:p>
+            <a:r>
+              <a:rPr lang="en-US" sz="2400" dirty="0">
+                <a:solidFill>
+                  <a:schemeClr val="bg1"/>
+                </a:solidFill>
+              </a:rPr>
+              <a:t>Background Information/Objectives</a:t>
+            </a:r>
+          </a:p>
+          <a:p>
+            <a:r>
+              <a:rPr lang="en-US" sz="2400" dirty="0">
+                <a:solidFill>
+                  <a:schemeClr val="bg1"/>
+                </a:solidFill>
+              </a:rPr>
+              <a:t>Project Challenges</a:t>
+            </a:r>
+          </a:p>
+          <a:p>
+            <a:r>
+              <a:rPr lang="en-US" sz="2400" dirty="0">
+                <a:solidFill>
+                  <a:schemeClr val="bg1"/>
+                </a:solidFill>
+              </a:rPr>
+              <a:t>Development Process Assessment</a:t>
+            </a:r>
+          </a:p>
+          <a:p>
+            <a:r>
+              <a:rPr lang="en-US" sz="2400" dirty="0">
+                <a:solidFill>
+                  <a:schemeClr val="bg1"/>
+                </a:solidFill>
+              </a:rPr>
+              <a:t>Goals vs. Accomplishments.</a:t>
+            </a:r>
+          </a:p>
+          <a:p>
+            <a:r>
+              <a:rPr lang="en-US" sz="2400" dirty="0">
+                <a:solidFill>
+                  <a:schemeClr val="bg1"/>
+                </a:solidFill>
+              </a:rPr>
+              <a:t>Testing Process and Results</a:t>
+            </a:r>
+          </a:p>
+          <a:p>
+            <a:r>
+              <a:rPr lang="en-US" sz="2400" dirty="0">
+                <a:solidFill>
+                  <a:schemeClr val="bg1"/>
+                </a:solidFill>
+              </a:rPr>
+              <a:t>Lessons Learned</a:t>
+            </a:r>
+          </a:p>
+          <a:p>
+            <a:r>
+              <a:rPr lang="en-US" sz="2400" dirty="0">
+                <a:solidFill>
+                  <a:schemeClr val="bg1"/>
+                </a:solidFill>
+              </a:rPr>
+              <a:t>Application Demonstration</a:t>
+            </a:r>
+          </a:p>
+        </p:txBody>
+      </p:sp>
+    </p:spTree>
+    <p:extLst>
+      <p:ext uri="{BB962C8B-B14F-4D97-AF65-F5344CB8AC3E}">
+        <p14:creationId xmlns:p14="http://schemas.microsoft.com/office/powerpoint/2010/main" val="2269431488"/>
+      </p:ext>
+    </p:extLst>
+  </p:cSld>
+  <p:clrMapOvr>
+    <a:masterClrMapping/>
+  </p:clrMapOvr>
+</p:sld>
+</file>
+
+<file path=ppt/slides/slide3.xml><?xml version="1.0" encoding="utf-8"?>
 <p:sld xmlns:a="http://schemas.openxmlformats.org/drawingml/2006/main" xmlns:r="http://schemas.openxmlformats.org/officeDocument/2006/relationships" xmlns:p="http://schemas.openxmlformats.org/presentationml/2006/main">
   <p:cSld>
     <p:spTree>
@@ -4623,10 +4504,10 @@
       </p:grpSpPr>
       <p:pic>
         <p:nvPicPr>
-          <p:cNvPr id="6" name="Picture 5">
+          <p:cNvPr id="5" name="Picture 4">
             <a:extLst>
               <a:ext uri="{FF2B5EF4-FFF2-40B4-BE49-F238E27FC236}">
-                <a16:creationId xmlns:a16="http://schemas.microsoft.com/office/drawing/2014/main" id="{DB4BCD7D-C053-4655-9884-FE0F886B3DE5}"/>
+                <a16:creationId xmlns:a16="http://schemas.microsoft.com/office/drawing/2014/main" id="{2856A574-EF44-46E5-8599-B774CCFB1AB1}"/>
               </a:ext>
             </a:extLst>
           </p:cNvPr>
@@ -4815,7 +4696,7 @@
           <a:p>
             <a:r>
               <a:rPr lang="en-US" dirty="0"/>
-              <a:t>Project Challenges</a:t>
+              <a:t>Background Information and Objectives</a:t>
             </a:r>
           </a:p>
         </p:txBody>
@@ -4833,7 +4714,7 @@
         <p:spPr>
           <a:xfrm>
             <a:off x="328028" y="1919912"/>
-            <a:ext cx="8284526" cy="4572963"/>
+            <a:ext cx="8526803" cy="4572963"/>
           </a:xfrm>
         </p:spPr>
         <p:txBody>
@@ -4847,26 +4728,26 @@
                 <a:spcPct val="70000"/>
               </a:lnSpc>
             </a:pPr>
-            <a:r>
-              <a:rPr lang="en-US" b="1" dirty="0">
-                <a:solidFill>
-                  <a:schemeClr val="bg1"/>
-                </a:solidFill>
-              </a:rPr>
-              <a:t>Challenges experienced during the development process:</a:t>
-            </a:r>
-            <a:br>
-              <a:rPr lang="en-US" b="1" dirty="0">
-                <a:solidFill>
-                  <a:schemeClr val="bg1"/>
-                </a:solidFill>
-              </a:rPr>
-            </a:br>
-            <a:endParaRPr lang="en-US" b="1" dirty="0">
+            <a:endParaRPr lang="en-US" sz="1900" b="1" dirty="0">
               <a:solidFill>
                 <a:schemeClr val="bg1"/>
               </a:solidFill>
             </a:endParaRPr>
+          </a:p>
+          <a:p>
+            <a:pPr>
+              <a:lnSpc>
+                <a:spcPct val="70000"/>
+              </a:lnSpc>
+            </a:pPr>
+            <a:r>
+              <a:rPr lang="en-US" b="1" dirty="0">
+                <a:solidFill>
+                  <a:schemeClr val="bg1"/>
+                </a:solidFill>
+              </a:rPr>
+              <a:t>Problem:</a:t>
+            </a:r>
           </a:p>
           <a:p>
             <a:pPr lvl="1">
@@ -4880,22 +4761,7 @@
                   <a:schemeClr val="bg1"/>
                 </a:solidFill>
               </a:rPr>
-              <a:t>Learning curve of unfamiliar technologies</a:t>
-            </a:r>
-          </a:p>
-          <a:p>
-            <a:pPr lvl="2">
-              <a:lnSpc>
-                <a:spcPct val="70000"/>
-              </a:lnSpc>
-            </a:pPr>
-            <a:r>
-              <a:rPr lang="en-US" dirty="0">
-                <a:solidFill>
-                  <a:schemeClr val="bg1"/>
-                </a:solidFill>
-              </a:rPr>
-              <a:t>Git, C#, Windows Forms Development, SQL, etc.</a:t>
+              <a:t>A yearly tournament is held, but event structure creation and accounting tasks are laborious and error-prone when done manually.</a:t>
             </a:r>
             <a:br>
               <a:rPr lang="en-US" dirty="0">
@@ -4911,6 +4777,34 @@
             </a:endParaRPr>
           </a:p>
           <a:p>
+            <a:pPr>
+              <a:lnSpc>
+                <a:spcPct val="70000"/>
+              </a:lnSpc>
+            </a:pPr>
+            <a:r>
+              <a:rPr lang="en-US" b="1" dirty="0">
+                <a:solidFill>
+                  <a:schemeClr val="bg1"/>
+                </a:solidFill>
+              </a:rPr>
+              <a:t>Solution: </a:t>
+            </a:r>
+            <a:r>
+              <a:rPr lang="en-US" dirty="0">
+                <a:solidFill>
+                  <a:schemeClr val="bg1"/>
+                </a:solidFill>
+              </a:rPr>
+              <a:t>Automation of tasks -  </a:t>
+            </a:r>
+            <a:endParaRPr lang="en-US" b="1" dirty="0">
+              <a:solidFill>
+                <a:schemeClr val="bg1"/>
+              </a:solidFill>
+            </a:endParaRPr>
+          </a:p>
+          <a:p>
             <a:pPr lvl="1">
               <a:lnSpc>
                 <a:spcPct val="70000"/>
@@ -4922,50 +4816,8 @@
                   <a:schemeClr val="bg1"/>
                 </a:solidFill>
               </a:rPr>
-              <a:t>Coding with multiple cooks in the kitchen</a:t>
-            </a:r>
-          </a:p>
-          <a:p>
-            <a:pPr lvl="2">
-              <a:lnSpc>
-                <a:spcPct val="70000"/>
-              </a:lnSpc>
-            </a:pPr>
-            <a:r>
-              <a:rPr lang="en-US" dirty="0">
-                <a:solidFill>
-                  <a:schemeClr val="bg1"/>
-                </a:solidFill>
-              </a:rPr>
-              <a:t>Readability, abstraction, and merging.</a:t>
-            </a:r>
-          </a:p>
-          <a:p>
-            <a:pPr lvl="2">
-              <a:lnSpc>
-                <a:spcPct val="70000"/>
-              </a:lnSpc>
-            </a:pPr>
-            <a:r>
-              <a:rPr lang="en-US" dirty="0">
-                <a:solidFill>
-                  <a:schemeClr val="bg1"/>
-                </a:solidFill>
-              </a:rPr>
-              <a:t>Working on assumptions. Ex: My component requires your component, but development is parallel.</a:t>
-            </a:r>
-            <a:br>
-              <a:rPr lang="en-US" dirty="0">
-                <a:solidFill>
-                  <a:schemeClr val="bg1"/>
-                </a:solidFill>
-              </a:rPr>
-            </a:br>
-            <a:endParaRPr lang="en-US" dirty="0">
-              <a:solidFill>
-                <a:schemeClr val="bg1"/>
-              </a:solidFill>
-            </a:endParaRPr>
+              <a:t>Construct balanced teams by player handicap.</a:t>
+            </a:r>
           </a:p>
           <a:p>
             <a:pPr lvl="1">
@@ -4979,11 +4831,11 @@
                   <a:schemeClr val="bg1"/>
                 </a:solidFill>
               </a:rPr>
-              <a:t>Coordination with client</a:t>
-            </a:r>
-          </a:p>
-          <a:p>
-            <a:pPr lvl="2">
+              <a:t>Creation of unique player matchups across all rounds.</a:t>
+            </a:r>
+          </a:p>
+          <a:p>
+            <a:pPr lvl="1">
               <a:lnSpc>
                 <a:spcPct val="70000"/>
               </a:lnSpc>
@@ -4994,11 +4846,11 @@
                   <a:schemeClr val="bg1"/>
                 </a:solidFill>
               </a:rPr>
-              <a:t>Client doesn’t speak the same “language”.</a:t>
-            </a:r>
-          </a:p>
-          <a:p>
-            <a:pPr lvl="2">
+              <a:t>Track player points and putts for each round.</a:t>
+            </a:r>
+          </a:p>
+          <a:p>
+            <a:pPr lvl="1">
               <a:lnSpc>
                 <a:spcPct val="70000"/>
               </a:lnSpc>
@@ -5009,7 +4861,37 @@
                   <a:schemeClr val="bg1"/>
                 </a:solidFill>
               </a:rPr>
-              <a:t>Not always responsive</a:t>
+              <a:t>Allow denoting of substitutes in scores.</a:t>
+            </a:r>
+          </a:p>
+          <a:p>
+            <a:pPr lvl="1">
+              <a:lnSpc>
+                <a:spcPct val="70000"/>
+              </a:lnSpc>
+            </a:pPr>
+            <a:r>
+              <a:rPr lang="en-US" dirty="0">
+                <a:solidFill>
+                  <a:schemeClr val="bg1"/>
+                </a:solidFill>
+              </a:rPr>
+              <a:t>Determine final tournament winners.</a:t>
+            </a:r>
+          </a:p>
+          <a:p>
+            <a:pPr lvl="1">
+              <a:lnSpc>
+                <a:spcPct val="70000"/>
+              </a:lnSpc>
+            </a:pPr>
+            <a:r>
+              <a:rPr lang="en-US" dirty="0">
+                <a:solidFill>
+                  <a:schemeClr val="bg1"/>
+                </a:solidFill>
+              </a:rPr>
+              <a:t>Maintain records of previous tournament data.</a:t>
             </a:r>
           </a:p>
           <a:p>
@@ -5025,26 +4907,35 @@
             </a:endParaRPr>
           </a:p>
           <a:p>
-            <a:pPr lvl="1">
+            <a:pPr lvl="2">
               <a:lnSpc>
                 <a:spcPct val="70000"/>
               </a:lnSpc>
             </a:pPr>
-            <a:r>
-              <a:rPr lang="en-US" dirty="0">
-                <a:solidFill>
-                  <a:schemeClr val="bg1"/>
-                </a:solidFill>
-              </a:rPr>
-              <a:t>Estimation of development time</a:t>
-            </a:r>
+            <a:endParaRPr lang="en-US" dirty="0">
+              <a:solidFill>
+                <a:schemeClr val="bg1"/>
+              </a:solidFill>
+            </a:endParaRPr>
+          </a:p>
+          <a:p>
+            <a:pPr lvl="2">
+              <a:lnSpc>
+                <a:spcPct val="70000"/>
+              </a:lnSpc>
+            </a:pPr>
+            <a:endParaRPr lang="en-US" dirty="0">
+              <a:solidFill>
+                <a:schemeClr val="bg1"/>
+              </a:solidFill>
+            </a:endParaRPr>
           </a:p>
         </p:txBody>
       </p:sp>
     </p:spTree>
     <p:extLst>
       <p:ext uri="{BB962C8B-B14F-4D97-AF65-F5344CB8AC3E}">
-        <p14:creationId xmlns:p14="http://schemas.microsoft.com/office/powerpoint/2010/main" val="1168881960"/>
+        <p14:creationId xmlns:p14="http://schemas.microsoft.com/office/powerpoint/2010/main" val="2149300098"/>
       </p:ext>
     </p:extLst>
   </p:cSld>
@@ -5054,7 +4945,7 @@
 </p:sld>
 </file>
 
-<file path=ppt/slides/slide5.xml><?xml version="1.0" encoding="utf-8"?>
+<file path=ppt/slides/slide4.xml><?xml version="1.0" encoding="utf-8"?>
 <p:sld xmlns:a="http://schemas.openxmlformats.org/drawingml/2006/main" xmlns:r="http://schemas.openxmlformats.org/officeDocument/2006/relationships" xmlns:p="http://schemas.openxmlformats.org/presentationml/2006/main">
   <p:cSld>
     <p:spTree>
@@ -5076,7 +4967,7 @@
           <p:cNvPr id="6" name="Picture 5">
             <a:extLst>
               <a:ext uri="{FF2B5EF4-FFF2-40B4-BE49-F238E27FC236}">
-                <a16:creationId xmlns:a16="http://schemas.microsoft.com/office/drawing/2014/main" id="{A62DA6CE-B1F7-4395-967A-FE55F98AC80D}"/>
+                <a16:creationId xmlns:a16="http://schemas.microsoft.com/office/drawing/2014/main" id="{DB4BCD7D-C053-4655-9884-FE0F886B3DE5}"/>
               </a:ext>
             </a:extLst>
           </p:cNvPr>
@@ -5265,7 +5156,7 @@
           <a:p>
             <a:r>
               <a:rPr lang="en-US" dirty="0"/>
-              <a:t>Development Process Assessment</a:t>
+              <a:t>Project Challenges</a:t>
             </a:r>
           </a:p>
         </p:txBody>
@@ -5283,7 +5174,7 @@
         <p:spPr>
           <a:xfrm>
             <a:off x="328028" y="1919912"/>
-            <a:ext cx="7196015" cy="4572963"/>
+            <a:ext cx="8284526" cy="4572963"/>
           </a:xfrm>
         </p:spPr>
         <p:txBody>
@@ -5297,7 +5188,37 @@
                 <a:spcPct val="70000"/>
               </a:lnSpc>
             </a:pPr>
-            <a:endParaRPr lang="en-US" sz="1900" dirty="0">
+            <a:r>
+              <a:rPr lang="en-US" b="1" dirty="0">
+                <a:solidFill>
+                  <a:schemeClr val="bg1"/>
+                </a:solidFill>
+              </a:rPr>
+              <a:t>Learning curve of unfamiliar technologies</a:t>
+            </a:r>
+          </a:p>
+          <a:p>
+            <a:pPr lvl="1">
+              <a:lnSpc>
+                <a:spcPct val="70000"/>
+              </a:lnSpc>
+            </a:pPr>
+            <a:r>
+              <a:rPr lang="en-US" dirty="0">
+                <a:solidFill>
+                  <a:schemeClr val="bg1"/>
+                </a:solidFill>
+              </a:rPr>
+              <a:t>Git, C#, Windows Forms Development, SQL, etc.</a:t>
+            </a:r>
+            <a:br>
+              <a:rPr lang="en-US" dirty="0">
+                <a:solidFill>
+                  <a:schemeClr val="bg1"/>
+                </a:solidFill>
+              </a:rPr>
+            </a:br>
+            <a:endParaRPr lang="en-US" dirty="0">
               <a:solidFill>
                 <a:schemeClr val="bg1"/>
               </a:solidFill>
@@ -5315,8 +5236,45 @@
                   <a:schemeClr val="bg1"/>
                 </a:solidFill>
               </a:rPr>
-              <a:t>Describe our development process</a:t>
-            </a:r>
+              <a:t>Collaborative Development</a:t>
+            </a:r>
+          </a:p>
+          <a:p>
+            <a:pPr lvl="1">
+              <a:lnSpc>
+                <a:spcPct val="70000"/>
+              </a:lnSpc>
+            </a:pPr>
+            <a:r>
+              <a:rPr lang="en-US" dirty="0">
+                <a:solidFill>
+                  <a:schemeClr val="bg1"/>
+                </a:solidFill>
+              </a:rPr>
+              <a:t>Readability, abstraction, and merging.</a:t>
+            </a:r>
+          </a:p>
+          <a:p>
+            <a:pPr lvl="1">
+              <a:lnSpc>
+                <a:spcPct val="70000"/>
+              </a:lnSpc>
+            </a:pPr>
+            <a:r>
+              <a:rPr lang="en-US" dirty="0">
+                <a:solidFill>
+                  <a:schemeClr val="bg1"/>
+                </a:solidFill>
+              </a:rPr>
+              <a:t>Working on assumptions. Ex: My component requires your component, but development is parallel.</a:t>
+            </a:r>
+            <a:br>
+              <a:rPr lang="en-US" dirty="0">
+                <a:solidFill>
+                  <a:schemeClr val="bg1"/>
+                </a:solidFill>
+              </a:rPr>
+            </a:br>
             <a:endParaRPr lang="en-US" dirty="0">
               <a:solidFill>
                 <a:schemeClr val="bg1"/>
@@ -5324,24 +5282,83 @@
             </a:endParaRPr>
           </a:p>
           <a:p>
-            <a:pPr marL="0" indent="0">
+            <a:pPr>
               <a:lnSpc>
                 <a:spcPct val="70000"/>
               </a:lnSpc>
-              <a:buNone/>
             </a:pPr>
-            <a:endParaRPr lang="en-US" sz="1900" dirty="0">
+            <a:r>
+              <a:rPr lang="en-US" b="1" dirty="0">
+                <a:solidFill>
+                  <a:schemeClr val="bg1"/>
+                </a:solidFill>
+              </a:rPr>
+              <a:t>Coordination with client</a:t>
+            </a:r>
+          </a:p>
+          <a:p>
+            <a:pPr lvl="1">
+              <a:lnSpc>
+                <a:spcPct val="70000"/>
+              </a:lnSpc>
+            </a:pPr>
+            <a:r>
+              <a:rPr lang="en-US" dirty="0">
+                <a:solidFill>
+                  <a:schemeClr val="bg1"/>
+                </a:solidFill>
+              </a:rPr>
+              <a:t>Client doesn’t speak the same “language”.</a:t>
+            </a:r>
+          </a:p>
+          <a:p>
+            <a:pPr lvl="1">
+              <a:lnSpc>
+                <a:spcPct val="70000"/>
+              </a:lnSpc>
+            </a:pPr>
+            <a:r>
+              <a:rPr lang="en-US" dirty="0">
+                <a:solidFill>
+                  <a:schemeClr val="bg1"/>
+                </a:solidFill>
+              </a:rPr>
+              <a:t>Not always responsive</a:t>
+            </a:r>
+          </a:p>
+          <a:p>
+            <a:pPr lvl="2">
+              <a:lnSpc>
+                <a:spcPct val="70000"/>
+              </a:lnSpc>
+            </a:pPr>
+            <a:endParaRPr lang="en-US" dirty="0">
               <a:solidFill>
                 <a:schemeClr val="bg1"/>
               </a:solidFill>
             </a:endParaRPr>
           </a:p>
+          <a:p>
+            <a:pPr>
+              <a:lnSpc>
+                <a:spcPct val="70000"/>
+              </a:lnSpc>
+            </a:pPr>
+            <a:r>
+              <a:rPr lang="en-US" b="1" dirty="0">
+                <a:solidFill>
+                  <a:schemeClr val="bg1"/>
+                </a:solidFill>
+              </a:rPr>
+              <a:t>Estimation of development time</a:t>
+            </a:r>
+          </a:p>
         </p:txBody>
       </p:sp>
     </p:spTree>
     <p:extLst>
       <p:ext uri="{BB962C8B-B14F-4D97-AF65-F5344CB8AC3E}">
-        <p14:creationId xmlns:p14="http://schemas.microsoft.com/office/powerpoint/2010/main" val="2110206877"/>
+        <p14:creationId xmlns:p14="http://schemas.microsoft.com/office/powerpoint/2010/main" val="1168881960"/>
       </p:ext>
     </p:extLst>
   </p:cSld>
@@ -5351,7 +5368,7 @@
 </p:sld>
 </file>
 
-<file path=ppt/slides/slide6.xml><?xml version="1.0" encoding="utf-8"?>
+<file path=ppt/slides/slide5.xml><?xml version="1.0" encoding="utf-8"?>
 <p:sld xmlns:a="http://schemas.openxmlformats.org/drawingml/2006/main" xmlns:r="http://schemas.openxmlformats.org/officeDocument/2006/relationships" xmlns:p="http://schemas.openxmlformats.org/presentationml/2006/main">
   <p:cSld>
     <p:spTree>
@@ -5373,7 +5390,7 @@
           <p:cNvPr id="6" name="Picture 5">
             <a:extLst>
               <a:ext uri="{FF2B5EF4-FFF2-40B4-BE49-F238E27FC236}">
-                <a16:creationId xmlns:a16="http://schemas.microsoft.com/office/drawing/2014/main" id="{2DCBE260-C400-4A5B-A472-F56A3EF488C7}"/>
+                <a16:creationId xmlns:a16="http://schemas.microsoft.com/office/drawing/2014/main" id="{A62DA6CE-B1F7-4395-967A-FE55F98AC80D}"/>
               </a:ext>
             </a:extLst>
           </p:cNvPr>
@@ -5562,7 +5579,7 @@
           <a:p>
             <a:r>
               <a:rPr lang="en-US" dirty="0"/>
-              <a:t>Goals vs. Accomplishments</a:t>
+              <a:t>Development Process Assessment</a:t>
             </a:r>
           </a:p>
         </p:txBody>
@@ -5580,7 +5597,7 @@
         <p:spPr>
           <a:xfrm>
             <a:off x="328028" y="1919912"/>
-            <a:ext cx="7682741" cy="4572963"/>
+            <a:ext cx="7196015" cy="4572963"/>
           </a:xfrm>
         </p:spPr>
         <p:txBody>
@@ -5589,193 +5606,36 @@
           </a:bodyPr>
           <a:lstStyle/>
           <a:p>
-            <a:pPr marL="457200" lvl="1" indent="0">
+            <a:pPr>
               <a:lnSpc>
                 <a:spcPct val="70000"/>
               </a:lnSpc>
-              <a:buNone/>
             </a:pPr>
+            <a:endParaRPr lang="en-US" sz="1900" dirty="0">
+              <a:solidFill>
+                <a:schemeClr val="bg1"/>
+              </a:solidFill>
+            </a:endParaRPr>
+          </a:p>
+          <a:p>
+            <a:pPr>
+              <a:lnSpc>
+                <a:spcPct val="70000"/>
+              </a:lnSpc>
+            </a:pPr>
+            <a:r>
+              <a:rPr lang="en-US" b="1" dirty="0">
+                <a:solidFill>
+                  <a:schemeClr val="bg1"/>
+                </a:solidFill>
+              </a:rPr>
+              <a:t>Describe our development process</a:t>
+            </a:r>
             <a:endParaRPr lang="en-US" dirty="0">
               <a:solidFill>
                 <a:schemeClr val="bg1"/>
               </a:solidFill>
             </a:endParaRPr>
-          </a:p>
-          <a:p>
-            <a:pPr>
-              <a:lnSpc>
-                <a:spcPct val="70000"/>
-              </a:lnSpc>
-            </a:pPr>
-            <a:r>
-              <a:rPr lang="en-US" b="1" dirty="0">
-                <a:solidFill>
-                  <a:schemeClr val="bg1"/>
-                </a:solidFill>
-              </a:rPr>
-              <a:t>Completed Goals:</a:t>
-            </a:r>
-          </a:p>
-          <a:p>
-            <a:pPr lvl="1">
-              <a:lnSpc>
-                <a:spcPct val="70000"/>
-              </a:lnSpc>
-              <a:buFont typeface="Wingdings" panose="05000000000000000000" pitchFamily="2" charset="2"/>
-              <a:buChar char="ü"/>
-            </a:pPr>
-            <a:r>
-              <a:rPr lang="en-US" dirty="0">
-                <a:solidFill>
-                  <a:schemeClr val="bg1"/>
-                </a:solidFill>
-              </a:rPr>
-              <a:t>Construct balanced teams by player handicap.</a:t>
-            </a:r>
-          </a:p>
-          <a:p>
-            <a:pPr lvl="1">
-              <a:lnSpc>
-                <a:spcPct val="70000"/>
-              </a:lnSpc>
-              <a:buFont typeface="Wingdings" panose="05000000000000000000" pitchFamily="2" charset="2"/>
-              <a:buChar char="ü"/>
-            </a:pPr>
-            <a:r>
-              <a:rPr lang="en-US" dirty="0">
-                <a:solidFill>
-                  <a:schemeClr val="bg1"/>
-                </a:solidFill>
-              </a:rPr>
-              <a:t>Creation of unique player matchups across all rounds.</a:t>
-            </a:r>
-          </a:p>
-          <a:p>
-            <a:pPr lvl="1">
-              <a:lnSpc>
-                <a:spcPct val="70000"/>
-              </a:lnSpc>
-              <a:buFont typeface="Wingdings" panose="05000000000000000000" pitchFamily="2" charset="2"/>
-              <a:buChar char="ü"/>
-            </a:pPr>
-            <a:r>
-              <a:rPr lang="en-US" dirty="0">
-                <a:solidFill>
-                  <a:schemeClr val="bg1"/>
-                </a:solidFill>
-              </a:rPr>
-              <a:t>Track player points and putts for each round.</a:t>
-            </a:r>
-          </a:p>
-          <a:p>
-            <a:pPr lvl="1">
-              <a:lnSpc>
-                <a:spcPct val="70000"/>
-              </a:lnSpc>
-              <a:buFont typeface="Wingdings" panose="05000000000000000000" pitchFamily="2" charset="2"/>
-              <a:buChar char="ü"/>
-            </a:pPr>
-            <a:r>
-              <a:rPr lang="en-US" dirty="0">
-                <a:solidFill>
-                  <a:schemeClr val="bg1"/>
-                </a:solidFill>
-              </a:rPr>
-              <a:t>Allow denoting of substitutes in scores.</a:t>
-            </a:r>
-          </a:p>
-          <a:p>
-            <a:pPr lvl="1">
-              <a:lnSpc>
-                <a:spcPct val="70000"/>
-              </a:lnSpc>
-              <a:buFont typeface="Wingdings" panose="05000000000000000000" pitchFamily="2" charset="2"/>
-              <a:buChar char="ü"/>
-            </a:pPr>
-            <a:r>
-              <a:rPr lang="en-US" dirty="0">
-                <a:solidFill>
-                  <a:schemeClr val="bg1"/>
-                </a:solidFill>
-              </a:rPr>
-              <a:t>Determine final tournament winners.</a:t>
-            </a:r>
-          </a:p>
-          <a:p>
-            <a:pPr lvl="1">
-              <a:lnSpc>
-                <a:spcPct val="70000"/>
-              </a:lnSpc>
-              <a:buFont typeface="Wingdings" panose="05000000000000000000" pitchFamily="2" charset="2"/>
-              <a:buChar char="ü"/>
-            </a:pPr>
-            <a:r>
-              <a:rPr lang="en-US" dirty="0">
-                <a:solidFill>
-                  <a:schemeClr val="bg1"/>
-                </a:solidFill>
-              </a:rPr>
-              <a:t>Maintain records of previous tournament data.</a:t>
-            </a:r>
-          </a:p>
-          <a:p>
-            <a:pPr lvl="1">
-              <a:lnSpc>
-                <a:spcPct val="70000"/>
-              </a:lnSpc>
-              <a:buFont typeface="Wingdings" panose="05000000000000000000" pitchFamily="2" charset="2"/>
-              <a:buChar char="ü"/>
-            </a:pPr>
-            <a:r>
-              <a:rPr lang="en-US" dirty="0">
-                <a:solidFill>
-                  <a:schemeClr val="bg1"/>
-                </a:solidFill>
-              </a:rPr>
-              <a:t>Happy client.</a:t>
-            </a:r>
-            <a:br>
-              <a:rPr lang="en-US" dirty="0">
-                <a:solidFill>
-                  <a:schemeClr val="bg1"/>
-                </a:solidFill>
-              </a:rPr>
-            </a:br>
-            <a:endParaRPr lang="en-US" dirty="0">
-              <a:solidFill>
-                <a:schemeClr val="bg1"/>
-              </a:solidFill>
-            </a:endParaRPr>
-          </a:p>
-          <a:p>
-            <a:pPr>
-              <a:lnSpc>
-                <a:spcPct val="70000"/>
-              </a:lnSpc>
-            </a:pPr>
-            <a:r>
-              <a:rPr lang="en-US" b="1" dirty="0">
-                <a:solidFill>
-                  <a:schemeClr val="bg1"/>
-                </a:solidFill>
-              </a:rPr>
-              <a:t>Incomplete Goals:</a:t>
-            </a:r>
-          </a:p>
-          <a:p>
-            <a:pPr lvl="1">
-              <a:lnSpc>
-                <a:spcPct val="70000"/>
-              </a:lnSpc>
-            </a:pPr>
-            <a:r>
-              <a:rPr lang="en-US" b="1" dirty="0">
-                <a:solidFill>
-                  <a:schemeClr val="bg1"/>
-                </a:solidFill>
-              </a:rPr>
-              <a:t>None!</a:t>
-            </a:r>
           </a:p>
           <a:p>
             <a:pPr marL="0" indent="0">
@@ -5784,7 +5644,7 @@
               </a:lnSpc>
               <a:buNone/>
             </a:pPr>
-            <a:endParaRPr lang="en-US" sz="2300" dirty="0">
+            <a:endParaRPr lang="en-US" sz="1900" dirty="0">
               <a:solidFill>
                 <a:schemeClr val="bg1"/>
               </a:solidFill>
@@ -5795,7 +5655,7 @@
     </p:spTree>
     <p:extLst>
       <p:ext uri="{BB962C8B-B14F-4D97-AF65-F5344CB8AC3E}">
-        <p14:creationId xmlns:p14="http://schemas.microsoft.com/office/powerpoint/2010/main" val="3964813212"/>
+        <p14:creationId xmlns:p14="http://schemas.microsoft.com/office/powerpoint/2010/main" val="2110206877"/>
       </p:ext>
     </p:extLst>
   </p:cSld>
@@ -5805,7 +5665,7 @@
 </p:sld>
 </file>
 
-<file path=ppt/slides/slide7.xml><?xml version="1.0" encoding="utf-8"?>
+<file path=ppt/slides/slide6.xml><?xml version="1.0" encoding="utf-8"?>
 <p:sld xmlns:a="http://schemas.openxmlformats.org/drawingml/2006/main" xmlns:r="http://schemas.openxmlformats.org/officeDocument/2006/relationships" xmlns:p="http://schemas.openxmlformats.org/presentationml/2006/main">
   <p:cSld>
     <p:spTree>
@@ -5827,7 +5687,7 @@
           <p:cNvPr id="6" name="Picture 5">
             <a:extLst>
               <a:ext uri="{FF2B5EF4-FFF2-40B4-BE49-F238E27FC236}">
-                <a16:creationId xmlns:a16="http://schemas.microsoft.com/office/drawing/2014/main" id="{7ECC7342-DBBC-48A7-84D0-E7DF4329AAC4}"/>
+                <a16:creationId xmlns:a16="http://schemas.microsoft.com/office/drawing/2014/main" id="{2DCBE260-C400-4A5B-A472-F56A3EF488C7}"/>
               </a:ext>
             </a:extLst>
           </p:cNvPr>
@@ -6016,7 +5876,7 @@
           <a:p>
             <a:r>
               <a:rPr lang="en-US" dirty="0"/>
-              <a:t>Testing Process and Results</a:t>
+              <a:t>Goals vs. Accomplishments</a:t>
             </a:r>
           </a:p>
         </p:txBody>
@@ -6034,7 +5894,7 @@
         <p:spPr>
           <a:xfrm>
             <a:off x="328028" y="1919912"/>
-            <a:ext cx="7196015" cy="4572963"/>
+            <a:ext cx="7682741" cy="4572963"/>
           </a:xfrm>
         </p:spPr>
         <p:txBody>
@@ -6043,84 +5903,11 @@
           </a:bodyPr>
           <a:lstStyle/>
           <a:p>
-            <a:pPr>
+            <a:pPr marL="457200" lvl="1" indent="0">
               <a:lnSpc>
                 <a:spcPct val="70000"/>
               </a:lnSpc>
-            </a:pPr>
-            <a:endParaRPr lang="en-US" sz="1900" dirty="0">
-              <a:solidFill>
-                <a:schemeClr val="bg1"/>
-              </a:solidFill>
-            </a:endParaRPr>
-          </a:p>
-          <a:p>
-            <a:pPr>
-              <a:lnSpc>
-                <a:spcPct val="70000"/>
-              </a:lnSpc>
-            </a:pPr>
-            <a:r>
-              <a:rPr lang="en-US" b="1" dirty="0">
-                <a:solidFill>
-                  <a:schemeClr val="bg1"/>
-                </a:solidFill>
-              </a:rPr>
-              <a:t>Negative Testing:</a:t>
-            </a:r>
-          </a:p>
-          <a:p>
-            <a:pPr lvl="1">
-              <a:lnSpc>
-                <a:spcPct val="70000"/>
-              </a:lnSpc>
-            </a:pPr>
-            <a:r>
-              <a:rPr lang="en-US" dirty="0">
-                <a:solidFill>
-                  <a:schemeClr val="bg1"/>
-                </a:solidFill>
-              </a:rPr>
-              <a:t>	</a:t>
-            </a:r>
-            <a:endParaRPr lang="en-US" b="1" dirty="0">
-              <a:solidFill>
-                <a:schemeClr val="bg1"/>
-              </a:solidFill>
-            </a:endParaRPr>
-          </a:p>
-          <a:p>
-            <a:pPr>
-              <a:lnSpc>
-                <a:spcPct val="70000"/>
-              </a:lnSpc>
-            </a:pPr>
-            <a:endParaRPr lang="en-US" b="1" dirty="0">
-              <a:solidFill>
-                <a:schemeClr val="bg1"/>
-              </a:solidFill>
-            </a:endParaRPr>
-          </a:p>
-          <a:p>
-            <a:pPr>
-              <a:lnSpc>
-                <a:spcPct val="70000"/>
-              </a:lnSpc>
-            </a:pPr>
-            <a:r>
-              <a:rPr lang="en-US" b="1" dirty="0">
-                <a:solidFill>
-                  <a:schemeClr val="bg1"/>
-                </a:solidFill>
-              </a:rPr>
-              <a:t>Positive Testing:</a:t>
-            </a:r>
-          </a:p>
-          <a:p>
-            <a:pPr lvl="1">
-              <a:lnSpc>
-                <a:spcPct val="70000"/>
-              </a:lnSpc>
+              <a:buNone/>
             </a:pPr>
             <a:endParaRPr lang="en-US" dirty="0">
               <a:solidFill>
@@ -6129,13 +5916,189 @@
             </a:endParaRPr>
           </a:p>
           <a:p>
+            <a:pPr>
+              <a:lnSpc>
+                <a:spcPct val="70000"/>
+              </a:lnSpc>
+            </a:pPr>
+            <a:r>
+              <a:rPr lang="en-US" b="1" dirty="0">
+                <a:solidFill>
+                  <a:schemeClr val="bg1"/>
+                </a:solidFill>
+              </a:rPr>
+              <a:t>Completed Goals:</a:t>
+            </a:r>
+          </a:p>
+          <a:p>
+            <a:pPr lvl="1">
+              <a:lnSpc>
+                <a:spcPct val="70000"/>
+              </a:lnSpc>
+              <a:buFont typeface="Wingdings" panose="05000000000000000000" pitchFamily="2" charset="2"/>
+              <a:buChar char="ü"/>
+            </a:pPr>
+            <a:r>
+              <a:rPr lang="en-US" dirty="0">
+                <a:solidFill>
+                  <a:schemeClr val="bg1"/>
+                </a:solidFill>
+              </a:rPr>
+              <a:t>Construct balanced teams by player handicap.</a:t>
+            </a:r>
+          </a:p>
+          <a:p>
+            <a:pPr lvl="1">
+              <a:lnSpc>
+                <a:spcPct val="70000"/>
+              </a:lnSpc>
+              <a:buFont typeface="Wingdings" panose="05000000000000000000" pitchFamily="2" charset="2"/>
+              <a:buChar char="ü"/>
+            </a:pPr>
+            <a:r>
+              <a:rPr lang="en-US" dirty="0">
+                <a:solidFill>
+                  <a:schemeClr val="bg1"/>
+                </a:solidFill>
+              </a:rPr>
+              <a:t>Creation of unique player matchups across all rounds.</a:t>
+            </a:r>
+          </a:p>
+          <a:p>
+            <a:pPr lvl="1">
+              <a:lnSpc>
+                <a:spcPct val="70000"/>
+              </a:lnSpc>
+              <a:buFont typeface="Wingdings" panose="05000000000000000000" pitchFamily="2" charset="2"/>
+              <a:buChar char="ü"/>
+            </a:pPr>
+            <a:r>
+              <a:rPr lang="en-US" dirty="0">
+                <a:solidFill>
+                  <a:schemeClr val="bg1"/>
+                </a:solidFill>
+              </a:rPr>
+              <a:t>Track player points and putts for each round.</a:t>
+            </a:r>
+          </a:p>
+          <a:p>
+            <a:pPr lvl="1">
+              <a:lnSpc>
+                <a:spcPct val="70000"/>
+              </a:lnSpc>
+              <a:buFont typeface="Wingdings" panose="05000000000000000000" pitchFamily="2" charset="2"/>
+              <a:buChar char="ü"/>
+            </a:pPr>
+            <a:r>
+              <a:rPr lang="en-US" dirty="0">
+                <a:solidFill>
+                  <a:schemeClr val="bg1"/>
+                </a:solidFill>
+              </a:rPr>
+              <a:t>Allow denoting of substitutes in scores.</a:t>
+            </a:r>
+          </a:p>
+          <a:p>
+            <a:pPr lvl="1">
+              <a:lnSpc>
+                <a:spcPct val="70000"/>
+              </a:lnSpc>
+              <a:buFont typeface="Wingdings" panose="05000000000000000000" pitchFamily="2" charset="2"/>
+              <a:buChar char="ü"/>
+            </a:pPr>
+            <a:r>
+              <a:rPr lang="en-US" dirty="0">
+                <a:solidFill>
+                  <a:schemeClr val="bg1"/>
+                </a:solidFill>
+              </a:rPr>
+              <a:t>Determine final tournament winners.</a:t>
+            </a:r>
+          </a:p>
+          <a:p>
+            <a:pPr lvl="1">
+              <a:lnSpc>
+                <a:spcPct val="70000"/>
+              </a:lnSpc>
+              <a:buFont typeface="Wingdings" panose="05000000000000000000" pitchFamily="2" charset="2"/>
+              <a:buChar char="ü"/>
+            </a:pPr>
+            <a:r>
+              <a:rPr lang="en-US" dirty="0">
+                <a:solidFill>
+                  <a:schemeClr val="bg1"/>
+                </a:solidFill>
+              </a:rPr>
+              <a:t>Maintain records of previous tournament data.</a:t>
+            </a:r>
+          </a:p>
+          <a:p>
+            <a:pPr lvl="1">
+              <a:lnSpc>
+                <a:spcPct val="70000"/>
+              </a:lnSpc>
+              <a:buFont typeface="Wingdings" panose="05000000000000000000" pitchFamily="2" charset="2"/>
+              <a:buChar char="ü"/>
+            </a:pPr>
+            <a:r>
+              <a:rPr lang="en-US" dirty="0">
+                <a:solidFill>
+                  <a:schemeClr val="bg1"/>
+                </a:solidFill>
+              </a:rPr>
+              <a:t>Happy client.</a:t>
+            </a:r>
+            <a:br>
+              <a:rPr lang="en-US" dirty="0">
+                <a:solidFill>
+                  <a:schemeClr val="bg1"/>
+                </a:solidFill>
+              </a:rPr>
+            </a:br>
+            <a:endParaRPr lang="en-US" dirty="0">
+              <a:solidFill>
+                <a:schemeClr val="bg1"/>
+              </a:solidFill>
+            </a:endParaRPr>
+          </a:p>
+          <a:p>
+            <a:pPr>
+              <a:lnSpc>
+                <a:spcPct val="70000"/>
+              </a:lnSpc>
+            </a:pPr>
+            <a:r>
+              <a:rPr lang="en-US" b="1" dirty="0">
+                <a:solidFill>
+                  <a:schemeClr val="bg1"/>
+                </a:solidFill>
+              </a:rPr>
+              <a:t>Incomplete Goals:</a:t>
+            </a:r>
+          </a:p>
+          <a:p>
+            <a:pPr lvl="1">
+              <a:lnSpc>
+                <a:spcPct val="70000"/>
+              </a:lnSpc>
+            </a:pPr>
+            <a:r>
+              <a:rPr lang="en-US" b="1" dirty="0">
+                <a:solidFill>
+                  <a:schemeClr val="bg1"/>
+                </a:solidFill>
+              </a:rPr>
+              <a:t>None!</a:t>
+            </a:r>
+          </a:p>
+          <a:p>
             <a:pPr marL="0" indent="0">
               <a:lnSpc>
                 <a:spcPct val="70000"/>
               </a:lnSpc>
               <a:buNone/>
             </a:pPr>
-            <a:endParaRPr lang="en-US" sz="1900" dirty="0">
+            <a:endParaRPr lang="en-US" sz="2300" dirty="0">
               <a:solidFill>
                 <a:schemeClr val="bg1"/>
               </a:solidFill>
@@ -6146,7 +6109,7 @@
     </p:spTree>
     <p:extLst>
       <p:ext uri="{BB962C8B-B14F-4D97-AF65-F5344CB8AC3E}">
-        <p14:creationId xmlns:p14="http://schemas.microsoft.com/office/powerpoint/2010/main" val="1473689778"/>
+        <p14:creationId xmlns:p14="http://schemas.microsoft.com/office/powerpoint/2010/main" val="3964813212"/>
       </p:ext>
     </p:extLst>
   </p:cSld>
@@ -6156,7 +6119,7 @@
 </p:sld>
 </file>
 
-<file path=ppt/slides/slide8.xml><?xml version="1.0" encoding="utf-8"?>
+<file path=ppt/slides/slide7.xml><?xml version="1.0" encoding="utf-8"?>
 <p:sld xmlns:a="http://schemas.openxmlformats.org/drawingml/2006/main" xmlns:r="http://schemas.openxmlformats.org/officeDocument/2006/relationships" xmlns:p="http://schemas.openxmlformats.org/presentationml/2006/main">
   <p:cSld>
     <p:spTree>
@@ -6367,7 +6330,7 @@
           <a:p>
             <a:r>
               <a:rPr lang="en-US" dirty="0"/>
-              <a:t>Lessons Learned</a:t>
+              <a:t>Testing Process and Results</a:t>
             </a:r>
           </a:p>
         </p:txBody>
@@ -6384,42 +6347,53 @@
         </p:nvSpPr>
         <p:spPr>
           <a:xfrm>
-            <a:off x="328028" y="1919912"/>
-            <a:ext cx="7196015" cy="4572963"/>
+            <a:off x="328027" y="1919912"/>
+            <a:ext cx="7633276" cy="4572963"/>
           </a:xfrm>
         </p:spPr>
         <p:txBody>
           <a:bodyPr anchor="ctr">
-            <a:normAutofit/>
+            <a:normAutofit lnSpcReduction="10000"/>
           </a:bodyPr>
           <a:lstStyle/>
-          <a:p>
-            <a:pPr marL="0" indent="0">
-              <a:lnSpc>
-                <a:spcPct val="70000"/>
-              </a:lnSpc>
-              <a:buNone/>
-            </a:pPr>
-            <a:endParaRPr lang="en-US" b="1" dirty="0">
-              <a:solidFill>
-                <a:schemeClr val="bg1"/>
-              </a:solidFill>
-            </a:endParaRPr>
-          </a:p>
           <a:p>
             <a:pPr>
               <a:lnSpc>
                 <a:spcPct val="70000"/>
               </a:lnSpc>
             </a:pPr>
+            <a:endParaRPr lang="en-US" sz="1900" dirty="0">
+              <a:solidFill>
+                <a:schemeClr val="bg1"/>
+              </a:solidFill>
+            </a:endParaRPr>
+          </a:p>
+          <a:p>
+            <a:pPr>
+              <a:lnSpc>
+                <a:spcPct val="70000"/>
+              </a:lnSpc>
+            </a:pPr>
             <a:r>
               <a:rPr lang="en-US" b="1" dirty="0">
                 <a:solidFill>
                   <a:schemeClr val="bg1"/>
                 </a:solidFill>
               </a:rPr>
-              <a:t>Collaboration is hard</a:t>
-            </a:r>
+              <a:t>Negative Testing was performed:</a:t>
+            </a:r>
+            <a:br>
+              <a:rPr lang="en-US" dirty="0">
+                <a:solidFill>
+                  <a:schemeClr val="bg1"/>
+                </a:solidFill>
+              </a:rPr>
+            </a:br>
+            <a:endParaRPr lang="en-US" dirty="0">
+              <a:solidFill>
+                <a:schemeClr val="bg1"/>
+              </a:solidFill>
+            </a:endParaRPr>
           </a:p>
           <a:p>
             <a:pPr lvl="1">
@@ -6428,13 +6402,33 @@
               </a:lnSpc>
             </a:pPr>
             <a:r>
+              <a:rPr lang="en-US" b="1" dirty="0">
+                <a:solidFill>
+                  <a:schemeClr val="bg1"/>
+                </a:solidFill>
+              </a:rPr>
+              <a:t>Invalid/out of bounds input</a:t>
+            </a:r>
+            <a:r>
               <a:rPr lang="en-US" dirty="0">
                 <a:solidFill>
                   <a:schemeClr val="bg1"/>
                 </a:solidFill>
               </a:rPr>
-              <a:t>Group Dynamics.</a:t>
-            </a:r>
+              <a:t> - Ex: an integer is expected, but a larger number or alphabetic character was received.</a:t>
+            </a:r>
+            <a:br>
+              <a:rPr lang="en-US" dirty="0">
+                <a:solidFill>
+                  <a:schemeClr val="bg1"/>
+                </a:solidFill>
+              </a:rPr>
+            </a:br>
+            <a:endParaRPr lang="en-US" dirty="0">
+              <a:solidFill>
+                <a:schemeClr val="bg1"/>
+              </a:solidFill>
+            </a:endParaRPr>
           </a:p>
           <a:p>
             <a:pPr lvl="1">
@@ -6443,12 +6437,35 @@
               </a:lnSpc>
             </a:pPr>
             <a:r>
+              <a:rPr lang="en-US" b="1" dirty="0">
+                <a:solidFill>
+                  <a:schemeClr val="bg1"/>
+                </a:solidFill>
+              </a:rPr>
+              <a:t>Incomplete input</a:t>
+            </a:r>
+            <a:r>
               <a:rPr lang="en-US" dirty="0">
                 <a:solidFill>
                   <a:schemeClr val="bg1"/>
                 </a:solidFill>
               </a:rPr>
-              <a:t>Appreciating the work of others when you might accomplish the same thing differently.</a:t>
+              <a:t> - Ex: unpopulated required input fields.</a:t>
+            </a:r>
+            <a:br>
+              <a:rPr lang="en-US" dirty="0">
+                <a:solidFill>
+                  <a:schemeClr val="bg1"/>
+                </a:solidFill>
+              </a:rPr>
+            </a:br>
+            <a:r>
+              <a:rPr lang="en-US" dirty="0">
+                <a:solidFill>
+                  <a:schemeClr val="bg1"/>
+                </a:solidFill>
+              </a:rPr>
+              <a:t>	</a:t>
             </a:r>
           </a:p>
           <a:p>
@@ -6458,29 +6475,29 @@
               </a:lnSpc>
             </a:pPr>
             <a:r>
+              <a:rPr lang="en-US" b="1" dirty="0">
+                <a:solidFill>
+                  <a:schemeClr val="bg1"/>
+                </a:solidFill>
+              </a:rPr>
+              <a:t>Out of order operations </a:t>
+            </a:r>
+            <a:r>
               <a:rPr lang="en-US" dirty="0">
                 <a:solidFill>
                   <a:schemeClr val="bg1"/>
                 </a:solidFill>
               </a:rPr>
-              <a:t>Merging files that have been </a:t>
-            </a:r>
-            <a:r>
-              <a:rPr lang="en-US">
-                <a:solidFill>
-                  <a:schemeClr val="bg1"/>
-                </a:solidFill>
-              </a:rPr>
-              <a:t>edited independently.</a:t>
+              <a:t>– Ex: expecting the user to follow processes A, B, then C, but the user attempts B, A, then C.</a:t>
             </a:r>
             <a:br>
-              <a:rPr lang="en-US" b="1" dirty="0">
+              <a:rPr lang="en-US" dirty="0">
                 <a:solidFill>
                   <a:schemeClr val="bg1"/>
                 </a:solidFill>
               </a:rPr>
             </a:br>
-            <a:endParaRPr lang="en-US" b="1" dirty="0">
+            <a:endParaRPr lang="en-US" dirty="0">
               <a:solidFill>
                 <a:schemeClr val="bg1"/>
               </a:solidFill>
@@ -6498,8 +6515,30 @@
                   <a:schemeClr val="bg1"/>
                 </a:solidFill>
               </a:rPr>
-              <a:t>New tools (ex: Git) can be difficult to adopt.</a:t>
-            </a:r>
+              <a:t>Results:</a:t>
+            </a:r>
+          </a:p>
+          <a:p>
+            <a:pPr lvl="1">
+              <a:lnSpc>
+                <a:spcPct val="70000"/>
+              </a:lnSpc>
+            </a:pPr>
+            <a:r>
+              <a:rPr lang="en-US" dirty="0">
+                <a:solidFill>
+                  <a:schemeClr val="bg1"/>
+                </a:solidFill>
+              </a:rPr>
+              <a:t>All pre-conceived user interaction handled gracefully.</a:t>
+            </a:r>
+          </a:p>
+          <a:p>
+            <a:pPr lvl="2">
+              <a:lnSpc>
+                <a:spcPct val="70000"/>
+              </a:lnSpc>
+            </a:pPr>
             <a:endParaRPr lang="en-US" dirty="0">
               <a:solidFill>
                 <a:schemeClr val="bg1"/>
@@ -6524,7 +6563,7 @@
     </p:spTree>
     <p:extLst>
       <p:ext uri="{BB962C8B-B14F-4D97-AF65-F5344CB8AC3E}">
-        <p14:creationId xmlns:p14="http://schemas.microsoft.com/office/powerpoint/2010/main" val="1484214950"/>
+        <p14:creationId xmlns:p14="http://schemas.microsoft.com/office/powerpoint/2010/main" val="1473689778"/>
       </p:ext>
     </p:extLst>
   </p:cSld>
@@ -6534,7 +6573,7 @@
 </p:sld>
 </file>
 
-<file path=ppt/slides/slide9.xml><?xml version="1.0" encoding="utf-8"?>
+<file path=ppt/slides/slide8.xml><?xml version="1.0" encoding="utf-8"?>
 <p:sld xmlns:a="http://schemas.openxmlformats.org/drawingml/2006/main" xmlns:r="http://schemas.openxmlformats.org/officeDocument/2006/relationships" xmlns:p="http://schemas.openxmlformats.org/presentationml/2006/main">
   <p:cSld>
     <p:spTree>
@@ -6579,7 +6618,7 @@
         </p:blipFill>
         <p:spPr>
           <a:xfrm>
-            <a:off x="4441032" y="1690688"/>
+            <a:off x="4468410" y="1690688"/>
             <a:ext cx="7750968" cy="5167312"/>
           </a:xfrm>
           <a:prstGeom prst="rect">
@@ -6745,7 +6784,7 @@
           <a:p>
             <a:r>
               <a:rPr lang="en-US" dirty="0"/>
-              <a:t>Application Demonstration</a:t>
+              <a:t>Testing Process and Results</a:t>
             </a:r>
           </a:p>
         </p:txBody>
@@ -6763,7 +6802,7 @@
         <p:spPr>
           <a:xfrm>
             <a:off x="328028" y="1919912"/>
-            <a:ext cx="7196015" cy="4572963"/>
+            <a:ext cx="7401776" cy="4572963"/>
           </a:xfrm>
         </p:spPr>
         <p:txBody>
@@ -6795,8 +6834,141 @@
                   <a:schemeClr val="bg1"/>
                 </a:solidFill>
               </a:rPr>
-              <a:t>Show Demo</a:t>
-            </a:r>
+              <a:t>Positive Testing was performed:</a:t>
+            </a:r>
+            <a:br>
+              <a:rPr lang="en-US" dirty="0">
+                <a:solidFill>
+                  <a:schemeClr val="bg1"/>
+                </a:solidFill>
+              </a:rPr>
+            </a:br>
+            <a:endParaRPr lang="en-US" dirty="0">
+              <a:solidFill>
+                <a:schemeClr val="bg1"/>
+              </a:solidFill>
+            </a:endParaRPr>
+          </a:p>
+          <a:p>
+            <a:pPr lvl="1">
+              <a:lnSpc>
+                <a:spcPct val="70000"/>
+              </a:lnSpc>
+            </a:pPr>
+            <a:r>
+              <a:rPr lang="en-US" dirty="0">
+                <a:solidFill>
+                  <a:schemeClr val="bg1"/>
+                </a:solidFill>
+              </a:rPr>
+              <a:t>Obtained prior-year tournament data (i.e. players, team/round structure, scores, and final results.</a:t>
+            </a:r>
+            <a:br>
+              <a:rPr lang="en-US" dirty="0">
+                <a:solidFill>
+                  <a:schemeClr val="bg1"/>
+                </a:solidFill>
+              </a:rPr>
+            </a:br>
+            <a:r>
+              <a:rPr lang="en-US" dirty="0">
+                <a:solidFill>
+                  <a:schemeClr val="bg1"/>
+                </a:solidFill>
+              </a:rPr>
+              <a:t>	</a:t>
+            </a:r>
+          </a:p>
+          <a:p>
+            <a:pPr lvl="1">
+              <a:lnSpc>
+                <a:spcPct val="70000"/>
+              </a:lnSpc>
+            </a:pPr>
+            <a:r>
+              <a:rPr lang="en-US" dirty="0">
+                <a:solidFill>
+                  <a:schemeClr val="bg1"/>
+                </a:solidFill>
+              </a:rPr>
+              <a:t>Constructed test tournaments in the application using prior-year data.</a:t>
+            </a:r>
+            <a:br>
+              <a:rPr lang="en-US" dirty="0">
+                <a:solidFill>
+                  <a:schemeClr val="bg1"/>
+                </a:solidFill>
+              </a:rPr>
+            </a:br>
+            <a:endParaRPr lang="en-US" dirty="0">
+              <a:solidFill>
+                <a:schemeClr val="bg1"/>
+              </a:solidFill>
+            </a:endParaRPr>
+          </a:p>
+          <a:p>
+            <a:pPr lvl="1">
+              <a:lnSpc>
+                <a:spcPct val="70000"/>
+              </a:lnSpc>
+            </a:pPr>
+            <a:r>
+              <a:rPr lang="en-US" dirty="0">
+                <a:solidFill>
+                  <a:schemeClr val="bg1"/>
+                </a:solidFill>
+              </a:rPr>
+              <a:t>Ensured application output matched prior-year results.</a:t>
+            </a:r>
+            <a:br>
+              <a:rPr lang="en-US" dirty="0">
+                <a:solidFill>
+                  <a:schemeClr val="bg1"/>
+                </a:solidFill>
+              </a:rPr>
+            </a:br>
+            <a:endParaRPr lang="en-US" dirty="0">
+              <a:solidFill>
+                <a:schemeClr val="bg1"/>
+              </a:solidFill>
+            </a:endParaRPr>
+          </a:p>
+          <a:p>
+            <a:pPr>
+              <a:lnSpc>
+                <a:spcPct val="70000"/>
+              </a:lnSpc>
+            </a:pPr>
+            <a:r>
+              <a:rPr lang="en-US" b="1" dirty="0">
+                <a:solidFill>
+                  <a:schemeClr val="bg1"/>
+                </a:solidFill>
+              </a:rPr>
+              <a:t>Results:</a:t>
+            </a:r>
+          </a:p>
+          <a:p>
+            <a:pPr lvl="1">
+              <a:lnSpc>
+                <a:spcPct val="70000"/>
+              </a:lnSpc>
+            </a:pPr>
+            <a:r>
+              <a:rPr lang="en-US" dirty="0">
+                <a:solidFill>
+                  <a:schemeClr val="bg1"/>
+                </a:solidFill>
+              </a:rPr>
+              <a:t>Application produced expected results.</a:t>
+            </a:r>
+          </a:p>
+          <a:p>
+            <a:pPr lvl="1">
+              <a:lnSpc>
+                <a:spcPct val="70000"/>
+              </a:lnSpc>
+            </a:pPr>
             <a:endParaRPr lang="en-US" dirty="0">
               <a:solidFill>
                 <a:schemeClr val="bg1"/>
@@ -6821,7 +6993,424 @@
     </p:spTree>
     <p:extLst>
       <p:ext uri="{BB962C8B-B14F-4D97-AF65-F5344CB8AC3E}">
-        <p14:creationId xmlns:p14="http://schemas.microsoft.com/office/powerpoint/2010/main" val="2854582628"/>
+        <p14:creationId xmlns:p14="http://schemas.microsoft.com/office/powerpoint/2010/main" val="4154870396"/>
+      </p:ext>
+    </p:extLst>
+  </p:cSld>
+  <p:clrMapOvr>
+    <a:masterClrMapping/>
+  </p:clrMapOvr>
+</p:sld>
+</file>
+
+<file path=ppt/slides/slide9.xml><?xml version="1.0" encoding="utf-8"?>
+<p:sld xmlns:a="http://schemas.openxmlformats.org/drawingml/2006/main" xmlns:r="http://schemas.openxmlformats.org/officeDocument/2006/relationships" xmlns:p="http://schemas.openxmlformats.org/presentationml/2006/main">
+  <p:cSld>
+    <p:spTree>
+      <p:nvGrpSpPr>
+        <p:cNvPr id="1" name=""/>
+        <p:cNvGrpSpPr/>
+        <p:nvPr/>
+      </p:nvGrpSpPr>
+      <p:grpSpPr>
+        <a:xfrm>
+          <a:off x="0" y="0"/>
+          <a:ext cx="0" cy="0"/>
+          <a:chOff x="0" y="0"/>
+          <a:chExt cx="0" cy="0"/>
+        </a:xfrm>
+      </p:grpSpPr>
+      <p:pic>
+        <p:nvPicPr>
+          <p:cNvPr id="6" name="Picture 5">
+            <a:extLst>
+              <a:ext uri="{FF2B5EF4-FFF2-40B4-BE49-F238E27FC236}">
+                <a16:creationId xmlns:a16="http://schemas.microsoft.com/office/drawing/2014/main" id="{7ECC7342-DBBC-48A7-84D0-E7DF4329AAC4}"/>
+              </a:ext>
+            </a:extLst>
+          </p:cNvPr>
+          <p:cNvPicPr>
+            <a:picLocks noChangeAspect="1"/>
+          </p:cNvPicPr>
+          <p:nvPr/>
+        </p:nvPicPr>
+        <p:blipFill>
+          <a:blip r:embed="rId2">
+            <a:extLst>
+              <a:ext uri="{28A0092B-C50C-407E-A947-70E740481C1C}">
+                <a14:useLocalDpi xmlns:a14="http://schemas.microsoft.com/office/drawing/2010/main" val="0"/>
+              </a:ext>
+            </a:extLst>
+          </a:blip>
+          <a:stretch>
+            <a:fillRect/>
+          </a:stretch>
+        </p:blipFill>
+        <p:spPr>
+          <a:xfrm>
+            <a:off x="4441032" y="1690688"/>
+            <a:ext cx="7750968" cy="5167312"/>
+          </a:xfrm>
+          <a:prstGeom prst="rect">
+            <a:avLst/>
+          </a:prstGeom>
+        </p:spPr>
+      </p:pic>
+      <p:sp>
+        <p:nvSpPr>
+          <p:cNvPr id="18" name="Freeform 75"/>
+          <p:cNvSpPr>
+            <a:spLocks noGrp="1" noRot="1" noChangeAspect="1" noMove="1" noResize="1" noEditPoints="1" noAdjustHandles="1" noChangeArrowheads="1" noChangeShapeType="1" noTextEdit="1"/>
+          </p:cNvSpPr>
+          <p:nvPr>
+            <p:extLst>
+              <p:ext uri="{386F3935-93C4-4BCD-93E2-E3B085C9AB24}">
+                <p16:designElem xmlns:p16="http://schemas.microsoft.com/office/powerpoint/2015/main" val="1"/>
+              </p:ext>
+            </p:extLst>
+          </p:nvPr>
+        </p:nvSpPr>
+        <p:spPr>
+          <a:xfrm flipV="1">
+            <a:off x="0" y="1691640"/>
+            <a:ext cx="10052100" cy="5166360"/>
+          </a:xfrm>
+          <a:custGeom>
+            <a:avLst/>
+            <a:gdLst>
+              <a:gd name="connsiteX0" fmla="*/ 0 w 9786594"/>
+              <a:gd name="connsiteY0" fmla="*/ 0 h 5032376"/>
+              <a:gd name="connsiteX1" fmla="*/ 2130696 w 9786594"/>
+              <a:gd name="connsiteY1" fmla="*/ 0 h 5032376"/>
+              <a:gd name="connsiteX2" fmla="*/ 4685057 w 9786594"/>
+              <a:gd name="connsiteY2" fmla="*/ 0 h 5032376"/>
+              <a:gd name="connsiteX3" fmla="*/ 6291520 w 9786594"/>
+              <a:gd name="connsiteY3" fmla="*/ 0 h 5032376"/>
+              <a:gd name="connsiteX4" fmla="*/ 7449885 w 9786594"/>
+              <a:gd name="connsiteY4" fmla="*/ 0 h 5032376"/>
+              <a:gd name="connsiteX5" fmla="*/ 7455943 w 9786594"/>
+              <a:gd name="connsiteY5" fmla="*/ 0 h 5032376"/>
+              <a:gd name="connsiteX6" fmla="*/ 9786594 w 9786594"/>
+              <a:gd name="connsiteY6" fmla="*/ 5032376 h 5032376"/>
+              <a:gd name="connsiteX7" fmla="*/ 0 w 9786594"/>
+              <a:gd name="connsiteY7" fmla="*/ 5032376 h 5032376"/>
+            </a:gdLst>
+            <a:ahLst/>
+            <a:cxnLst>
+              <a:cxn ang="0">
+                <a:pos x="connsiteX0" y="connsiteY0"/>
+              </a:cxn>
+              <a:cxn ang="0">
+                <a:pos x="connsiteX1" y="connsiteY1"/>
+              </a:cxn>
+              <a:cxn ang="0">
+                <a:pos x="connsiteX2" y="connsiteY2"/>
+              </a:cxn>
+              <a:cxn ang="0">
+                <a:pos x="connsiteX3" y="connsiteY3"/>
+              </a:cxn>
+              <a:cxn ang="0">
+                <a:pos x="connsiteX4" y="connsiteY4"/>
+              </a:cxn>
+              <a:cxn ang="0">
+                <a:pos x="connsiteX5" y="connsiteY5"/>
+              </a:cxn>
+              <a:cxn ang="0">
+                <a:pos x="connsiteX6" y="connsiteY6"/>
+              </a:cxn>
+              <a:cxn ang="0">
+                <a:pos x="connsiteX7" y="connsiteY7"/>
+              </a:cxn>
+            </a:cxnLst>
+            <a:rect l="l" t="t" r="r" b="b"/>
+            <a:pathLst>
+              <a:path w="9786594" h="5032376">
+                <a:moveTo>
+                  <a:pt x="0" y="0"/>
+                </a:moveTo>
+                <a:lnTo>
+                  <a:pt x="2130696" y="0"/>
+                </a:lnTo>
+                <a:lnTo>
+                  <a:pt x="4685057" y="0"/>
+                </a:lnTo>
+                <a:lnTo>
+                  <a:pt x="6291520" y="0"/>
+                </a:lnTo>
+                <a:lnTo>
+                  <a:pt x="7449885" y="0"/>
+                </a:lnTo>
+                <a:lnTo>
+                  <a:pt x="7455943" y="0"/>
+                </a:lnTo>
+                <a:lnTo>
+                  <a:pt x="9786594" y="5032376"/>
+                </a:lnTo>
+                <a:lnTo>
+                  <a:pt x="0" y="5032376"/>
+                </a:lnTo>
+                <a:close/>
+              </a:path>
+            </a:pathLst>
+          </a:custGeom>
+          <a:solidFill>
+            <a:schemeClr val="tx1">
+              <a:lumMod val="85000"/>
+              <a:lumOff val="15000"/>
+            </a:schemeClr>
+          </a:solidFill>
+          <a:ln>
+            <a:noFill/>
+          </a:ln>
+        </p:spPr>
+        <p:style>
+          <a:lnRef idx="2">
+            <a:schemeClr val="accent1">
+              <a:shade val="50000"/>
+            </a:schemeClr>
+          </a:lnRef>
+          <a:fillRef idx="1">
+            <a:schemeClr val="accent1"/>
+          </a:fillRef>
+          <a:effectRef idx="0">
+            <a:schemeClr val="accent1"/>
+          </a:effectRef>
+          <a:fontRef idx="minor">
+            <a:schemeClr val="lt1"/>
+          </a:fontRef>
+        </p:style>
+        <p:txBody>
+          <a:bodyPr wrap="square" rtlCol="0" anchor="ctr">
+            <a:noAutofit/>
+          </a:bodyPr>
+          <a:lstStyle/>
+          <a:p>
+            <a:pPr algn="ctr"/>
+            <a:endParaRPr lang="en-US"/>
+          </a:p>
+        </p:txBody>
+      </p:sp>
+      <p:sp>
+        <p:nvSpPr>
+          <p:cNvPr id="2" name="Title 1"/>
+          <p:cNvSpPr>
+            <a:spLocks noGrp="1"/>
+          </p:cNvSpPr>
+          <p:nvPr>
+            <p:ph type="title"/>
+          </p:nvPr>
+        </p:nvSpPr>
+        <p:spPr>
+          <a:xfrm>
+            <a:off x="838200" y="365125"/>
+            <a:ext cx="10515600" cy="1325563"/>
+          </a:xfrm>
+        </p:spPr>
+        <p:txBody>
+          <a:bodyPr>
+            <a:normAutofit/>
+          </a:bodyPr>
+          <a:lstStyle/>
+          <a:p>
+            <a:r>
+              <a:rPr lang="en-US" dirty="0"/>
+              <a:t>Lessons Learned</a:t>
+            </a:r>
+          </a:p>
+        </p:txBody>
+      </p:sp>
+      <p:sp>
+        <p:nvSpPr>
+          <p:cNvPr id="3" name="Content Placeholder 2"/>
+          <p:cNvSpPr>
+            <a:spLocks noGrp="1"/>
+          </p:cNvSpPr>
+          <p:nvPr>
+            <p:ph idx="1"/>
+          </p:nvPr>
+        </p:nvSpPr>
+        <p:spPr>
+          <a:xfrm>
+            <a:off x="328028" y="1919912"/>
+            <a:ext cx="7196015" cy="4572963"/>
+          </a:xfrm>
+        </p:spPr>
+        <p:txBody>
+          <a:bodyPr anchor="ctr">
+            <a:normAutofit/>
+          </a:bodyPr>
+          <a:lstStyle/>
+          <a:p>
+            <a:pPr marL="0" indent="0">
+              <a:lnSpc>
+                <a:spcPct val="70000"/>
+              </a:lnSpc>
+              <a:buNone/>
+            </a:pPr>
+            <a:endParaRPr lang="en-US" b="1" dirty="0">
+              <a:solidFill>
+                <a:schemeClr val="bg1"/>
+              </a:solidFill>
+            </a:endParaRPr>
+          </a:p>
+          <a:p>
+            <a:pPr>
+              <a:lnSpc>
+                <a:spcPct val="70000"/>
+              </a:lnSpc>
+            </a:pPr>
+            <a:r>
+              <a:rPr lang="en-US" b="1" dirty="0">
+                <a:solidFill>
+                  <a:schemeClr val="bg1"/>
+                </a:solidFill>
+              </a:rPr>
+              <a:t>Collaboration is hard</a:t>
+            </a:r>
+          </a:p>
+          <a:p>
+            <a:pPr lvl="1">
+              <a:lnSpc>
+                <a:spcPct val="70000"/>
+              </a:lnSpc>
+            </a:pPr>
+            <a:r>
+              <a:rPr lang="en-US" dirty="0">
+                <a:solidFill>
+                  <a:schemeClr val="bg1"/>
+                </a:solidFill>
+              </a:rPr>
+              <a:t>Group Dynamics.</a:t>
+            </a:r>
+            <a:br>
+              <a:rPr lang="en-US" dirty="0">
+                <a:solidFill>
+                  <a:schemeClr val="bg1"/>
+                </a:solidFill>
+              </a:rPr>
+            </a:br>
+            <a:endParaRPr lang="en-US" dirty="0">
+              <a:solidFill>
+                <a:schemeClr val="bg1"/>
+              </a:solidFill>
+            </a:endParaRPr>
+          </a:p>
+          <a:p>
+            <a:pPr lvl="1">
+              <a:lnSpc>
+                <a:spcPct val="70000"/>
+              </a:lnSpc>
+            </a:pPr>
+            <a:r>
+              <a:rPr lang="en-US" dirty="0">
+                <a:solidFill>
+                  <a:schemeClr val="bg1"/>
+                </a:solidFill>
+              </a:rPr>
+              <a:t>Appreciating the work of others when you might accomplish the same task differently.</a:t>
+            </a:r>
+            <a:br>
+              <a:rPr lang="en-US" dirty="0">
+                <a:solidFill>
+                  <a:schemeClr val="bg1"/>
+                </a:solidFill>
+              </a:rPr>
+            </a:br>
+            <a:endParaRPr lang="en-US" dirty="0">
+              <a:solidFill>
+                <a:schemeClr val="bg1"/>
+              </a:solidFill>
+            </a:endParaRPr>
+          </a:p>
+          <a:p>
+            <a:pPr lvl="1">
+              <a:lnSpc>
+                <a:spcPct val="70000"/>
+              </a:lnSpc>
+            </a:pPr>
+            <a:r>
+              <a:rPr lang="en-US" dirty="0">
+                <a:solidFill>
+                  <a:schemeClr val="bg1"/>
+                </a:solidFill>
+              </a:rPr>
+              <a:t>Merging files that have been modified independently.</a:t>
+            </a:r>
+            <a:br>
+              <a:rPr lang="en-US" b="1" dirty="0">
+                <a:solidFill>
+                  <a:schemeClr val="bg1"/>
+                </a:solidFill>
+              </a:rPr>
+            </a:br>
+            <a:endParaRPr lang="en-US" b="1" dirty="0">
+              <a:solidFill>
+                <a:schemeClr val="bg1"/>
+              </a:solidFill>
+            </a:endParaRPr>
+          </a:p>
+          <a:p>
+            <a:pPr>
+              <a:lnSpc>
+                <a:spcPct val="70000"/>
+              </a:lnSpc>
+            </a:pPr>
+            <a:r>
+              <a:rPr lang="en-US" b="1" dirty="0">
+                <a:solidFill>
+                  <a:schemeClr val="bg1"/>
+                </a:solidFill>
+              </a:rPr>
+              <a:t>New tools can be difficult to adopt.</a:t>
+            </a:r>
+          </a:p>
+          <a:p>
+            <a:pPr lvl="1">
+              <a:lnSpc>
+                <a:spcPct val="70000"/>
+              </a:lnSpc>
+            </a:pPr>
+            <a:r>
+              <a:rPr lang="en-US" dirty="0">
+                <a:solidFill>
+                  <a:schemeClr val="bg1"/>
+                </a:solidFill>
+              </a:rPr>
+              <a:t>Ex</a:t>
+            </a:r>
+            <a:r>
+              <a:rPr lang="en-US">
+                <a:solidFill>
+                  <a:schemeClr val="bg1"/>
+                </a:solidFill>
+              </a:rPr>
+              <a:t>: Git</a:t>
+            </a:r>
+            <a:endParaRPr lang="en-US" dirty="0">
+              <a:solidFill>
+                <a:schemeClr val="bg1"/>
+              </a:solidFill>
+            </a:endParaRPr>
+          </a:p>
+          <a:p>
+            <a:pPr marL="0" indent="0">
+              <a:lnSpc>
+                <a:spcPct val="70000"/>
+              </a:lnSpc>
+              <a:buNone/>
+            </a:pPr>
+            <a:endParaRPr lang="en-US" sz="1900" dirty="0">
+              <a:solidFill>
+                <a:schemeClr val="bg1"/>
+              </a:solidFill>
+            </a:endParaRPr>
+          </a:p>
+        </p:txBody>
+      </p:sp>
+    </p:spTree>
+    <p:extLst>
+      <p:ext uri="{BB962C8B-B14F-4D97-AF65-F5344CB8AC3E}">
+        <p14:creationId xmlns:p14="http://schemas.microsoft.com/office/powerpoint/2010/main" val="1484214950"/>
       </p:ext>
     </p:extLst>
   </p:cSld>

--- a/FinalReport/AWGADemo.pptx
+++ b/FinalReport/AWGADemo.pptx
@@ -5,7 +5,7 @@
     <p:sldMasterId id="2147483648" r:id="rId1"/>
   </p:sldMasterIdLst>
   <p:notesMasterIdLst>
-    <p:notesMasterId r:id="rId12"/>
+    <p:notesMasterId r:id="rId18"/>
   </p:notesMasterIdLst>
   <p:sldIdLst>
     <p:sldId id="256" r:id="rId2"/>
@@ -18,6 +18,12 @@
     <p:sldId id="266" r:id="rId9"/>
     <p:sldId id="263" r:id="rId10"/>
     <p:sldId id="265" r:id="rId11"/>
+    <p:sldId id="267" r:id="rId12"/>
+    <p:sldId id="268" r:id="rId13"/>
+    <p:sldId id="269" r:id="rId14"/>
+    <p:sldId id="270" r:id="rId15"/>
+    <p:sldId id="271" r:id="rId16"/>
+    <p:sldId id="272" r:id="rId17"/>
   </p:sldIdLst>
   <p:sldSz cx="12192000" cy="6858000"/>
   <p:notesSz cx="6858000" cy="9144000"/>
@@ -232,7 +238,7 @@
           <a:p>
             <a:fld id="{966C1C76-48F6-4369-8696-15EAB0F9D95D}" type="datetimeFigureOut">
               <a:rPr lang="en-US" smtClean="0"/>
-              <a:t>12/8/2017</a:t>
+              <a:t>12/10/2017</a:t>
             </a:fld>
             <a:endParaRPr lang="en-US"/>
           </a:p>
@@ -712,7 +718,7 @@
           <a:p>
             <a:fld id="{380B5943-9FF7-410E-85CC-7B3300C0AEEF}" type="datetimeFigureOut">
               <a:rPr lang="en-US" smtClean="0"/>
-              <a:t>12/8/2017</a:t>
+              <a:t>12/10/2017</a:t>
             </a:fld>
             <a:endParaRPr lang="en-US"/>
           </a:p>
@@ -880,7 +886,7 @@
           <a:p>
             <a:fld id="{380B5943-9FF7-410E-85CC-7B3300C0AEEF}" type="datetimeFigureOut">
               <a:rPr lang="en-US" smtClean="0"/>
-              <a:t>12/8/2017</a:t>
+              <a:t>12/10/2017</a:t>
             </a:fld>
             <a:endParaRPr lang="en-US"/>
           </a:p>
@@ -1058,7 +1064,7 @@
           <a:p>
             <a:fld id="{380B5943-9FF7-410E-85CC-7B3300C0AEEF}" type="datetimeFigureOut">
               <a:rPr lang="en-US" smtClean="0"/>
-              <a:t>12/8/2017</a:t>
+              <a:t>12/10/2017</a:t>
             </a:fld>
             <a:endParaRPr lang="en-US"/>
           </a:p>
@@ -1226,7 +1232,7 @@
           <a:p>
             <a:fld id="{380B5943-9FF7-410E-85CC-7B3300C0AEEF}" type="datetimeFigureOut">
               <a:rPr lang="en-US" smtClean="0"/>
-              <a:t>12/8/2017</a:t>
+              <a:t>12/10/2017</a:t>
             </a:fld>
             <a:endParaRPr lang="en-US"/>
           </a:p>
@@ -1471,7 +1477,7 @@
           <a:p>
             <a:fld id="{380B5943-9FF7-410E-85CC-7B3300C0AEEF}" type="datetimeFigureOut">
               <a:rPr lang="en-US" smtClean="0"/>
-              <a:t>12/8/2017</a:t>
+              <a:t>12/10/2017</a:t>
             </a:fld>
             <a:endParaRPr lang="en-US"/>
           </a:p>
@@ -1700,7 +1706,7 @@
           <a:p>
             <a:fld id="{380B5943-9FF7-410E-85CC-7B3300C0AEEF}" type="datetimeFigureOut">
               <a:rPr lang="en-US" smtClean="0"/>
-              <a:t>12/8/2017</a:t>
+              <a:t>12/10/2017</a:t>
             </a:fld>
             <a:endParaRPr lang="en-US"/>
           </a:p>
@@ -2064,7 +2070,7 @@
           <a:p>
             <a:fld id="{380B5943-9FF7-410E-85CC-7B3300C0AEEF}" type="datetimeFigureOut">
               <a:rPr lang="en-US" smtClean="0"/>
-              <a:t>12/8/2017</a:t>
+              <a:t>12/10/2017</a:t>
             </a:fld>
             <a:endParaRPr lang="en-US"/>
           </a:p>
@@ -2181,7 +2187,7 @@
           <a:p>
             <a:fld id="{380B5943-9FF7-410E-85CC-7B3300C0AEEF}" type="datetimeFigureOut">
               <a:rPr lang="en-US" smtClean="0"/>
-              <a:t>12/8/2017</a:t>
+              <a:t>12/10/2017</a:t>
             </a:fld>
             <a:endParaRPr lang="en-US"/>
           </a:p>
@@ -2276,7 +2282,7 @@
           <a:p>
             <a:fld id="{380B5943-9FF7-410E-85CC-7B3300C0AEEF}" type="datetimeFigureOut">
               <a:rPr lang="en-US" smtClean="0"/>
-              <a:t>12/8/2017</a:t>
+              <a:t>12/10/2017</a:t>
             </a:fld>
             <a:endParaRPr lang="en-US"/>
           </a:p>
@@ -2551,7 +2557,7 @@
           <a:p>
             <a:fld id="{380B5943-9FF7-410E-85CC-7B3300C0AEEF}" type="datetimeFigureOut">
               <a:rPr lang="en-US" smtClean="0"/>
-              <a:t>12/8/2017</a:t>
+              <a:t>12/10/2017</a:t>
             </a:fld>
             <a:endParaRPr lang="en-US"/>
           </a:p>
@@ -2803,7 +2809,7 @@
           <a:p>
             <a:fld id="{380B5943-9FF7-410E-85CC-7B3300C0AEEF}" type="datetimeFigureOut">
               <a:rPr lang="en-US" smtClean="0"/>
-              <a:t>12/8/2017</a:t>
+              <a:t>12/10/2017</a:t>
             </a:fld>
             <a:endParaRPr lang="en-US"/>
           </a:p>
@@ -3014,7 +3020,7 @@
           <a:p>
             <a:fld id="{380B5943-9FF7-410E-85CC-7B3300C0AEEF}" type="datetimeFigureOut">
               <a:rPr lang="en-US" smtClean="0"/>
-              <a:t>12/8/2017</a:t>
+              <a:t>12/10/2017</a:t>
             </a:fld>
             <a:endParaRPr lang="en-US"/>
           </a:p>
@@ -3963,6 +3969,14 @@
 <file path=ppt/slides/slide10.xml><?xml version="1.0" encoding="utf-8"?>
 <p:sld xmlns:a="http://schemas.openxmlformats.org/drawingml/2006/main" xmlns:r="http://schemas.openxmlformats.org/officeDocument/2006/relationships" xmlns:p="http://schemas.openxmlformats.org/presentationml/2006/main">
   <p:cSld>
+    <p:bg>
+      <p:bgPr>
+        <a:solidFill>
+          <a:schemeClr val="bg1"/>
+        </a:solidFill>
+        <a:effectLst/>
+      </p:bgPr>
+    </p:bg>
     <p:spTree>
       <p:nvGrpSpPr>
         <p:cNvPr id="1" name=""/>
@@ -3977,45 +3991,15 @@
           <a:chExt cx="0" cy="0"/>
         </a:xfrm>
       </p:grpSpPr>
-      <p:pic>
-        <p:nvPicPr>
-          <p:cNvPr id="6" name="Picture 5">
+      <p:sp>
+        <p:nvSpPr>
+          <p:cNvPr id="32" name="Freeform: Shape 31">
             <a:extLst>
               <a:ext uri="{FF2B5EF4-FFF2-40B4-BE49-F238E27FC236}">
-                <a16:creationId xmlns:a16="http://schemas.microsoft.com/office/drawing/2014/main" id="{7ECC7342-DBBC-48A7-84D0-E7DF4329AAC4}"/>
+                <a16:creationId xmlns:a16="http://schemas.microsoft.com/office/drawing/2014/main" id="{64965EAE-E41A-435F-B993-07E824B6C977}"/>
               </a:ext>
             </a:extLst>
           </p:cNvPr>
-          <p:cNvPicPr>
-            <a:picLocks noChangeAspect="1"/>
-          </p:cNvPicPr>
-          <p:nvPr/>
-        </p:nvPicPr>
-        <p:blipFill>
-          <a:blip r:embed="rId2">
-            <a:extLst>
-              <a:ext uri="{28A0092B-C50C-407E-A947-70E740481C1C}">
-                <a14:useLocalDpi xmlns:a14="http://schemas.microsoft.com/office/drawing/2010/main" val="0"/>
-              </a:ext>
-            </a:extLst>
-          </a:blip>
-          <a:stretch>
-            <a:fillRect/>
-          </a:stretch>
-        </p:blipFill>
-        <p:spPr>
-          <a:xfrm>
-            <a:off x="4441032" y="1690688"/>
-            <a:ext cx="7750968" cy="5167312"/>
-          </a:xfrm>
-          <a:prstGeom prst="rect">
-            <a:avLst/>
-          </a:prstGeom>
-        </p:spPr>
-      </p:pic>
-      <p:sp>
-        <p:nvSpPr>
-          <p:cNvPr id="18" name="Freeform 75"/>
           <p:cNvSpPr>
             <a:spLocks noGrp="1" noRot="1" noChangeAspect="1" noMove="1" noResize="1" noEditPoints="1" noAdjustHandles="1" noChangeArrowheads="1" noChangeShapeType="1" noTextEdit="1"/>
           </p:cNvSpPr>
@@ -4029,28 +4013,20 @@
         </p:nvSpPr>
         <p:spPr>
           <a:xfrm flipV="1">
-            <a:off x="0" y="1691640"/>
-            <a:ext cx="10052100" cy="5166360"/>
+            <a:off x="1" y="0"/>
+            <a:ext cx="7539895" cy="6858000"/>
           </a:xfrm>
           <a:custGeom>
             <a:avLst/>
             <a:gdLst>
-              <a:gd name="connsiteX0" fmla="*/ 0 w 9786594"/>
-              <a:gd name="connsiteY0" fmla="*/ 0 h 5032376"/>
-              <a:gd name="connsiteX1" fmla="*/ 2130696 w 9786594"/>
-              <a:gd name="connsiteY1" fmla="*/ 0 h 5032376"/>
-              <a:gd name="connsiteX2" fmla="*/ 4685057 w 9786594"/>
-              <a:gd name="connsiteY2" fmla="*/ 0 h 5032376"/>
-              <a:gd name="connsiteX3" fmla="*/ 6291520 w 9786594"/>
-              <a:gd name="connsiteY3" fmla="*/ 0 h 5032376"/>
-              <a:gd name="connsiteX4" fmla="*/ 7449885 w 9786594"/>
-              <a:gd name="connsiteY4" fmla="*/ 0 h 5032376"/>
-              <a:gd name="connsiteX5" fmla="*/ 7455943 w 9786594"/>
-              <a:gd name="connsiteY5" fmla="*/ 0 h 5032376"/>
-              <a:gd name="connsiteX6" fmla="*/ 9786594 w 9786594"/>
-              <a:gd name="connsiteY6" fmla="*/ 5032376 h 5032376"/>
-              <a:gd name="connsiteX7" fmla="*/ 0 w 9786594"/>
-              <a:gd name="connsiteY7" fmla="*/ 5032376 h 5032376"/>
+              <a:gd name="connsiteX0" fmla="*/ 7539895 w 7539895"/>
+              <a:gd name="connsiteY0" fmla="*/ 6858000 h 6858000"/>
+              <a:gd name="connsiteX1" fmla="*/ 0 w 7539895"/>
+              <a:gd name="connsiteY1" fmla="*/ 6858000 h 6858000"/>
+              <a:gd name="connsiteX2" fmla="*/ 0 w 7539895"/>
+              <a:gd name="connsiteY2" fmla="*/ 0 h 6858000"/>
+              <a:gd name="connsiteX3" fmla="*/ 4363741 w 7539895"/>
+              <a:gd name="connsiteY3" fmla="*/ 0 h 6858000"/>
             </a:gdLst>
             <a:ahLst/>
             <a:cxnLst>
@@ -4066,45 +4042,130 @@
               <a:cxn ang="0">
                 <a:pos x="connsiteX3" y="connsiteY3"/>
               </a:cxn>
-              <a:cxn ang="0">
-                <a:pos x="connsiteX4" y="connsiteY4"/>
-              </a:cxn>
-              <a:cxn ang="0">
-                <a:pos x="connsiteX5" y="connsiteY5"/>
-              </a:cxn>
-              <a:cxn ang="0">
-                <a:pos x="connsiteX6" y="connsiteY6"/>
-              </a:cxn>
-              <a:cxn ang="0">
-                <a:pos x="connsiteX7" y="connsiteY7"/>
-              </a:cxn>
             </a:cxnLst>
             <a:rect l="l" t="t" r="r" b="b"/>
             <a:pathLst>
-              <a:path w="9786594" h="5032376">
+              <a:path w="7539895" h="6858000">
                 <a:moveTo>
-                  <a:pt x="0" y="0"/>
+                  <a:pt x="7539895" y="6858000"/>
                 </a:moveTo>
                 <a:lnTo>
-                  <a:pt x="2130696" y="0"/>
+                  <a:pt x="0" y="6858000"/>
                 </a:lnTo>
                 <a:lnTo>
-                  <a:pt x="4685057" y="0"/>
+                  <a:pt x="0" y="0"/>
                 </a:lnTo>
                 <a:lnTo>
-                  <a:pt x="6291520" y="0"/>
+                  <a:pt x="4363741" y="0"/>
+                </a:lnTo>
+                <a:close/>
+              </a:path>
+            </a:pathLst>
+          </a:custGeom>
+          <a:solidFill>
+            <a:schemeClr val="tx1">
+              <a:lumMod val="85000"/>
+              <a:lumOff val="15000"/>
+              <a:alpha val="70000"/>
+            </a:schemeClr>
+          </a:solidFill>
+          <a:ln>
+            <a:noFill/>
+          </a:ln>
+        </p:spPr>
+        <p:style>
+          <a:lnRef idx="2">
+            <a:schemeClr val="accent1">
+              <a:shade val="50000"/>
+            </a:schemeClr>
+          </a:lnRef>
+          <a:fillRef idx="1">
+            <a:schemeClr val="accent1"/>
+          </a:fillRef>
+          <a:effectRef idx="0">
+            <a:schemeClr val="accent1"/>
+          </a:effectRef>
+          <a:fontRef idx="minor">
+            <a:schemeClr val="lt1"/>
+          </a:fontRef>
+        </p:style>
+        <p:txBody>
+          <a:bodyPr wrap="square" rtlCol="0" anchor="ctr">
+            <a:noAutofit/>
+          </a:bodyPr>
+          <a:lstStyle/>
+          <a:p>
+            <a:pPr algn="ctr"/>
+            <a:endParaRPr lang="en-US"/>
+          </a:p>
+        </p:txBody>
+      </p:sp>
+      <p:sp>
+        <p:nvSpPr>
+          <p:cNvPr id="34" name="Freeform: Shape 33">
+            <a:extLst>
+              <a:ext uri="{FF2B5EF4-FFF2-40B4-BE49-F238E27FC236}">
+                <a16:creationId xmlns:a16="http://schemas.microsoft.com/office/drawing/2014/main" id="{152F8994-E6D4-4311-9548-C3607BC43645}"/>
+              </a:ext>
+            </a:extLst>
+          </p:cNvPr>
+          <p:cNvSpPr>
+            <a:spLocks noGrp="1" noRot="1" noChangeAspect="1" noMove="1" noResize="1" noEditPoints="1" noAdjustHandles="1" noChangeArrowheads="1" noChangeShapeType="1" noTextEdit="1"/>
+          </p:cNvSpPr>
+          <p:nvPr>
+            <p:extLst>
+              <p:ext uri="{386F3935-93C4-4BCD-93E2-E3B085C9AB24}">
+                <p16:designElem xmlns:p16="http://schemas.microsoft.com/office/powerpoint/2015/main" val="1"/>
+              </p:ext>
+            </p:extLst>
+          </p:nvPr>
+        </p:nvSpPr>
+        <p:spPr>
+          <a:xfrm flipV="1">
+            <a:off x="0" y="0"/>
+            <a:ext cx="7092985" cy="6858000"/>
+          </a:xfrm>
+          <a:custGeom>
+            <a:avLst/>
+            <a:gdLst>
+              <a:gd name="connsiteX0" fmla="*/ 7092985 w 7092985"/>
+              <a:gd name="connsiteY0" fmla="*/ 6858000 h 6858000"/>
+              <a:gd name="connsiteX1" fmla="*/ 0 w 7092985"/>
+              <a:gd name="connsiteY1" fmla="*/ 6858000 h 6858000"/>
+              <a:gd name="connsiteX2" fmla="*/ 0 w 7092985"/>
+              <a:gd name="connsiteY2" fmla="*/ 0 h 6858000"/>
+              <a:gd name="connsiteX3" fmla="*/ 3916831 w 7092985"/>
+              <a:gd name="connsiteY3" fmla="*/ 0 h 6858000"/>
+            </a:gdLst>
+            <a:ahLst/>
+            <a:cxnLst>
+              <a:cxn ang="0">
+                <a:pos x="connsiteX0" y="connsiteY0"/>
+              </a:cxn>
+              <a:cxn ang="0">
+                <a:pos x="connsiteX1" y="connsiteY1"/>
+              </a:cxn>
+              <a:cxn ang="0">
+                <a:pos x="connsiteX2" y="connsiteY2"/>
+              </a:cxn>
+              <a:cxn ang="0">
+                <a:pos x="connsiteX3" y="connsiteY3"/>
+              </a:cxn>
+            </a:cxnLst>
+            <a:rect l="l" t="t" r="r" b="b"/>
+            <a:pathLst>
+              <a:path w="7092985" h="6858000">
+                <a:moveTo>
+                  <a:pt x="7092985" y="6858000"/>
+                </a:moveTo>
+                <a:lnTo>
+                  <a:pt x="0" y="6858000"/>
                 </a:lnTo>
                 <a:lnTo>
-                  <a:pt x="7449885" y="0"/>
+                  <a:pt x="0" y="0"/>
                 </a:lnTo>
                 <a:lnTo>
-                  <a:pt x="7455943" y="0"/>
-                </a:lnTo>
-                <a:lnTo>
-                  <a:pt x="9786594" y="5032376"/>
-                </a:lnTo>
-                <a:lnTo>
-                  <a:pt x="0" y="5032376"/>
+                  <a:pt x="3916831" y="0"/>
                 </a:lnTo>
                 <a:close/>
               </a:path>
@@ -4159,8 +4220,56 @@
         </p:nvSpPr>
         <p:spPr>
           <a:xfrm>
-            <a:off x="838200" y="365125"/>
-            <a:ext cx="10515600" cy="1325563"/>
+            <a:off x="395461" y="156196"/>
+            <a:ext cx="5295655" cy="774063"/>
+          </a:xfrm>
+        </p:spPr>
+        <p:txBody>
+          <a:bodyPr>
+            <a:normAutofit fontScale="90000"/>
+          </a:bodyPr>
+          <a:lstStyle/>
+          <a:p>
+            <a:r>
+              <a:rPr lang="en-US" sz="3700" dirty="0">
+                <a:solidFill>
+                  <a:schemeClr val="bg1"/>
+                </a:solidFill>
+              </a:rPr>
+              <a:t>Application Demonstration:</a:t>
+            </a:r>
+            <a:br>
+              <a:rPr lang="en-US" sz="3700" dirty="0">
+                <a:solidFill>
+                  <a:schemeClr val="bg1"/>
+                </a:solidFill>
+              </a:rPr>
+            </a:br>
+            <a:r>
+              <a:rPr lang="en-US" sz="3700" dirty="0">
+                <a:solidFill>
+                  <a:schemeClr val="bg1"/>
+                </a:solidFill>
+              </a:rPr>
+              <a:t>- Add Members -</a:t>
+            </a:r>
+          </a:p>
+        </p:txBody>
+      </p:sp>
+      <p:sp>
+        <p:nvSpPr>
+          <p:cNvPr id="3" name="Content Placeholder 2"/>
+          <p:cNvSpPr>
+            <a:spLocks noGrp="1"/>
+          </p:cNvSpPr>
+          <p:nvPr>
+            <p:ph idx="1"/>
+          </p:nvPr>
+        </p:nvSpPr>
+        <p:spPr>
+          <a:xfrm>
+            <a:off x="626660" y="1313834"/>
+            <a:ext cx="4345048" cy="4906276"/>
           </a:xfrm>
         </p:spPr>
         <p:txBody>
@@ -4169,92 +4278,2862 @@
           </a:bodyPr>
           <a:lstStyle/>
           <a:p>
-            <a:r>
-              <a:rPr lang="en-US" dirty="0"/>
-              <a:t>Application Demonstration</a:t>
-            </a:r>
-          </a:p>
-        </p:txBody>
-      </p:sp>
-      <p:sp>
-        <p:nvSpPr>
-          <p:cNvPr id="3" name="Content Placeholder 2"/>
-          <p:cNvSpPr>
-            <a:spLocks noGrp="1"/>
-          </p:cNvSpPr>
-          <p:nvPr>
-            <p:ph idx="1"/>
-          </p:nvPr>
-        </p:nvSpPr>
-        <p:spPr>
-          <a:xfrm>
-            <a:off x="328028" y="1919912"/>
-            <a:ext cx="7196015" cy="4572963"/>
-          </a:xfrm>
-        </p:spPr>
-        <p:txBody>
-          <a:bodyPr anchor="ctr">
-            <a:normAutofit/>
-          </a:bodyPr>
-          <a:lstStyle/>
-          <a:p>
-            <a:pPr>
-              <a:lnSpc>
-                <a:spcPct val="70000"/>
-              </a:lnSpc>
+            <a:pPr marL="0" indent="0">
+              <a:buNone/>
             </a:pPr>
-            <a:endParaRPr lang="en-US" sz="1900" dirty="0">
+            <a:r>
+              <a:rPr lang="en-US" sz="2000" dirty="0">
+                <a:solidFill>
+                  <a:schemeClr val="bg1"/>
+                </a:solidFill>
+              </a:rPr>
+              <a:t>Members must first be added to the Member pool. This is the collection of all members who can be assigned to an event. </a:t>
+            </a:r>
+            <a:br>
+              <a:rPr lang="en-US" sz="2000" dirty="0">
+                <a:solidFill>
+                  <a:schemeClr val="bg1"/>
+                </a:solidFill>
+              </a:rPr>
+            </a:br>
+            <a:br>
+              <a:rPr lang="en-US" sz="2000" dirty="0">
+                <a:solidFill>
+                  <a:schemeClr val="bg1"/>
+                </a:solidFill>
+              </a:rPr>
+            </a:br>
+            <a:r>
+              <a:rPr lang="en-US" sz="2000" dirty="0">
+                <a:solidFill>
+                  <a:schemeClr val="bg1"/>
+                </a:solidFill>
+              </a:rPr>
+              <a:t>To add members, navigate to </a:t>
+            </a:r>
+            <a:br>
+              <a:rPr lang="en-US" sz="2000" dirty="0">
+                <a:solidFill>
+                  <a:schemeClr val="bg1"/>
+                </a:solidFill>
+              </a:rPr>
+            </a:br>
+            <a:r>
+              <a:rPr lang="en-US" sz="2000" dirty="0">
+                <a:solidFill>
+                  <a:schemeClr val="bg1"/>
+                </a:solidFill>
+              </a:rPr>
+              <a:t>Manage-&gt;Members and use the resulting dialog box.</a:t>
+            </a:r>
+            <a:br>
+              <a:rPr lang="en-US" sz="2000" dirty="0">
+                <a:solidFill>
+                  <a:schemeClr val="bg1"/>
+                </a:solidFill>
+              </a:rPr>
+            </a:br>
+            <a:br>
+              <a:rPr lang="en-US" sz="2000" dirty="0">
+                <a:solidFill>
+                  <a:schemeClr val="bg1"/>
+                </a:solidFill>
+              </a:rPr>
+            </a:br>
+            <a:r>
+              <a:rPr lang="en-US" sz="2000" dirty="0">
+                <a:solidFill>
+                  <a:schemeClr val="bg1"/>
+                </a:solidFill>
+              </a:rPr>
+              <a:t>You may also select an existing member from the list to modify them, or remove them from the pool completely.</a:t>
+            </a:r>
+            <a:br>
+              <a:rPr lang="en-US" sz="2000" dirty="0">
+                <a:solidFill>
+                  <a:schemeClr val="bg1"/>
+                </a:solidFill>
+              </a:rPr>
+            </a:br>
+            <a:endParaRPr lang="en-US" sz="2000" dirty="0">
               <a:solidFill>
                 <a:schemeClr val="bg1"/>
               </a:solidFill>
             </a:endParaRPr>
           </a:p>
-          <a:p>
-            <a:pPr>
-              <a:lnSpc>
-                <a:spcPct val="70000"/>
-              </a:lnSpc>
+        </p:txBody>
+      </p:sp>
+      <p:pic>
+        <p:nvPicPr>
+          <p:cNvPr id="8" name="Picture 7">
+            <a:extLst>
+              <a:ext uri="{FF2B5EF4-FFF2-40B4-BE49-F238E27FC236}">
+                <a16:creationId xmlns:a16="http://schemas.microsoft.com/office/drawing/2014/main" id="{E7275129-5CBE-485A-9339-D66A44BD6E8C}"/>
+              </a:ext>
+            </a:extLst>
+          </p:cNvPr>
+          <p:cNvPicPr>
+            <a:picLocks noChangeAspect="1"/>
+          </p:cNvPicPr>
+          <p:nvPr/>
+        </p:nvPicPr>
+        <p:blipFill>
+          <a:blip r:embed="rId2"/>
+          <a:stretch>
+            <a:fillRect/>
+          </a:stretch>
+        </p:blipFill>
+        <p:spPr>
+          <a:xfrm>
+            <a:off x="5431384" y="461095"/>
+            <a:ext cx="6192995" cy="6281607"/>
+          </a:xfrm>
+          <a:prstGeom prst="rect">
+            <a:avLst/>
+          </a:prstGeom>
+        </p:spPr>
+      </p:pic>
+    </p:spTree>
+    <p:extLst>
+      <p:ext uri="{BB962C8B-B14F-4D97-AF65-F5344CB8AC3E}">
+        <p14:creationId xmlns:p14="http://schemas.microsoft.com/office/powerpoint/2010/main" val="2854582628"/>
+      </p:ext>
+    </p:extLst>
+  </p:cSld>
+  <p:clrMapOvr>
+    <a:masterClrMapping/>
+  </p:clrMapOvr>
+</p:sld>
+</file>
+
+<file path=ppt/slides/slide11.xml><?xml version="1.0" encoding="utf-8"?>
+<p:sld xmlns:a="http://schemas.openxmlformats.org/drawingml/2006/main" xmlns:r="http://schemas.openxmlformats.org/officeDocument/2006/relationships" xmlns:p="http://schemas.openxmlformats.org/presentationml/2006/main">
+  <p:cSld>
+    <p:bg>
+      <p:bgPr>
+        <a:solidFill>
+          <a:schemeClr val="bg1"/>
+        </a:solidFill>
+        <a:effectLst/>
+      </p:bgPr>
+    </p:bg>
+    <p:spTree>
+      <p:nvGrpSpPr>
+        <p:cNvPr id="1" name=""/>
+        <p:cNvGrpSpPr/>
+        <p:nvPr/>
+      </p:nvGrpSpPr>
+      <p:grpSpPr>
+        <a:xfrm>
+          <a:off x="0" y="0"/>
+          <a:ext cx="0" cy="0"/>
+          <a:chOff x="0" y="0"/>
+          <a:chExt cx="0" cy="0"/>
+        </a:xfrm>
+      </p:grpSpPr>
+      <p:sp>
+        <p:nvSpPr>
+          <p:cNvPr id="32" name="Freeform: Shape 31">
+            <a:extLst>
+              <a:ext uri="{FF2B5EF4-FFF2-40B4-BE49-F238E27FC236}">
+                <a16:creationId xmlns:a16="http://schemas.microsoft.com/office/drawing/2014/main" id="{64965EAE-E41A-435F-B993-07E824B6C977}"/>
+              </a:ext>
+            </a:extLst>
+          </p:cNvPr>
+          <p:cNvSpPr>
+            <a:spLocks noGrp="1" noRot="1" noChangeAspect="1" noMove="1" noResize="1" noEditPoints="1" noAdjustHandles="1" noChangeArrowheads="1" noChangeShapeType="1" noTextEdit="1"/>
+          </p:cNvSpPr>
+          <p:nvPr>
+            <p:extLst>
+              <p:ext uri="{386F3935-93C4-4BCD-93E2-E3B085C9AB24}">
+                <p16:designElem xmlns:p16="http://schemas.microsoft.com/office/powerpoint/2015/main" val="1"/>
+              </p:ext>
+            </p:extLst>
+          </p:nvPr>
+        </p:nvSpPr>
+        <p:spPr>
+          <a:xfrm flipV="1">
+            <a:off x="1" y="0"/>
+            <a:ext cx="7539895" cy="6858000"/>
+          </a:xfrm>
+          <a:custGeom>
+            <a:avLst/>
+            <a:gdLst>
+              <a:gd name="connsiteX0" fmla="*/ 7539895 w 7539895"/>
+              <a:gd name="connsiteY0" fmla="*/ 6858000 h 6858000"/>
+              <a:gd name="connsiteX1" fmla="*/ 0 w 7539895"/>
+              <a:gd name="connsiteY1" fmla="*/ 6858000 h 6858000"/>
+              <a:gd name="connsiteX2" fmla="*/ 0 w 7539895"/>
+              <a:gd name="connsiteY2" fmla="*/ 0 h 6858000"/>
+              <a:gd name="connsiteX3" fmla="*/ 4363741 w 7539895"/>
+              <a:gd name="connsiteY3" fmla="*/ 0 h 6858000"/>
+            </a:gdLst>
+            <a:ahLst/>
+            <a:cxnLst>
+              <a:cxn ang="0">
+                <a:pos x="connsiteX0" y="connsiteY0"/>
+              </a:cxn>
+              <a:cxn ang="0">
+                <a:pos x="connsiteX1" y="connsiteY1"/>
+              </a:cxn>
+              <a:cxn ang="0">
+                <a:pos x="connsiteX2" y="connsiteY2"/>
+              </a:cxn>
+              <a:cxn ang="0">
+                <a:pos x="connsiteX3" y="connsiteY3"/>
+              </a:cxn>
+            </a:cxnLst>
+            <a:rect l="l" t="t" r="r" b="b"/>
+            <a:pathLst>
+              <a:path w="7539895" h="6858000">
+                <a:moveTo>
+                  <a:pt x="7539895" y="6858000"/>
+                </a:moveTo>
+                <a:lnTo>
+                  <a:pt x="0" y="6858000"/>
+                </a:lnTo>
+                <a:lnTo>
+                  <a:pt x="0" y="0"/>
+                </a:lnTo>
+                <a:lnTo>
+                  <a:pt x="4363741" y="0"/>
+                </a:lnTo>
+                <a:close/>
+              </a:path>
+            </a:pathLst>
+          </a:custGeom>
+          <a:solidFill>
+            <a:schemeClr val="tx1">
+              <a:lumMod val="85000"/>
+              <a:lumOff val="15000"/>
+              <a:alpha val="70000"/>
+            </a:schemeClr>
+          </a:solidFill>
+          <a:ln>
+            <a:noFill/>
+          </a:ln>
+        </p:spPr>
+        <p:style>
+          <a:lnRef idx="2">
+            <a:schemeClr val="accent1">
+              <a:shade val="50000"/>
+            </a:schemeClr>
+          </a:lnRef>
+          <a:fillRef idx="1">
+            <a:schemeClr val="accent1"/>
+          </a:fillRef>
+          <a:effectRef idx="0">
+            <a:schemeClr val="accent1"/>
+          </a:effectRef>
+          <a:fontRef idx="minor">
+            <a:schemeClr val="lt1"/>
+          </a:fontRef>
+        </p:style>
+        <p:txBody>
+          <a:bodyPr wrap="square" rtlCol="0" anchor="ctr">
+            <a:noAutofit/>
+          </a:bodyPr>
+          <a:lstStyle/>
+          <a:p>
+            <a:pPr algn="ctr"/>
+            <a:endParaRPr lang="en-US"/>
+          </a:p>
+        </p:txBody>
+      </p:sp>
+      <p:sp>
+        <p:nvSpPr>
+          <p:cNvPr id="34" name="Freeform: Shape 33">
+            <a:extLst>
+              <a:ext uri="{FF2B5EF4-FFF2-40B4-BE49-F238E27FC236}">
+                <a16:creationId xmlns:a16="http://schemas.microsoft.com/office/drawing/2014/main" id="{152F8994-E6D4-4311-9548-C3607BC43645}"/>
+              </a:ext>
+            </a:extLst>
+          </p:cNvPr>
+          <p:cNvSpPr>
+            <a:spLocks noGrp="1" noRot="1" noChangeAspect="1" noMove="1" noResize="1" noEditPoints="1" noAdjustHandles="1" noChangeArrowheads="1" noChangeShapeType="1" noTextEdit="1"/>
+          </p:cNvSpPr>
+          <p:nvPr>
+            <p:extLst>
+              <p:ext uri="{386F3935-93C4-4BCD-93E2-E3B085C9AB24}">
+                <p16:designElem xmlns:p16="http://schemas.microsoft.com/office/powerpoint/2015/main" val="1"/>
+              </p:ext>
+            </p:extLst>
+          </p:nvPr>
+        </p:nvSpPr>
+        <p:spPr>
+          <a:xfrm flipV="1">
+            <a:off x="0" y="0"/>
+            <a:ext cx="7092985" cy="6858000"/>
+          </a:xfrm>
+          <a:custGeom>
+            <a:avLst/>
+            <a:gdLst>
+              <a:gd name="connsiteX0" fmla="*/ 7092985 w 7092985"/>
+              <a:gd name="connsiteY0" fmla="*/ 6858000 h 6858000"/>
+              <a:gd name="connsiteX1" fmla="*/ 0 w 7092985"/>
+              <a:gd name="connsiteY1" fmla="*/ 6858000 h 6858000"/>
+              <a:gd name="connsiteX2" fmla="*/ 0 w 7092985"/>
+              <a:gd name="connsiteY2" fmla="*/ 0 h 6858000"/>
+              <a:gd name="connsiteX3" fmla="*/ 3916831 w 7092985"/>
+              <a:gd name="connsiteY3" fmla="*/ 0 h 6858000"/>
+            </a:gdLst>
+            <a:ahLst/>
+            <a:cxnLst>
+              <a:cxn ang="0">
+                <a:pos x="connsiteX0" y="connsiteY0"/>
+              </a:cxn>
+              <a:cxn ang="0">
+                <a:pos x="connsiteX1" y="connsiteY1"/>
+              </a:cxn>
+              <a:cxn ang="0">
+                <a:pos x="connsiteX2" y="connsiteY2"/>
+              </a:cxn>
+              <a:cxn ang="0">
+                <a:pos x="connsiteX3" y="connsiteY3"/>
+              </a:cxn>
+            </a:cxnLst>
+            <a:rect l="l" t="t" r="r" b="b"/>
+            <a:pathLst>
+              <a:path w="7092985" h="6858000">
+                <a:moveTo>
+                  <a:pt x="7092985" y="6858000"/>
+                </a:moveTo>
+                <a:lnTo>
+                  <a:pt x="0" y="6858000"/>
+                </a:lnTo>
+                <a:lnTo>
+                  <a:pt x="0" y="0"/>
+                </a:lnTo>
+                <a:lnTo>
+                  <a:pt x="3916831" y="0"/>
+                </a:lnTo>
+                <a:close/>
+              </a:path>
+            </a:pathLst>
+          </a:custGeom>
+          <a:solidFill>
+            <a:schemeClr val="tx1">
+              <a:lumMod val="85000"/>
+              <a:lumOff val="15000"/>
+            </a:schemeClr>
+          </a:solidFill>
+          <a:ln>
+            <a:noFill/>
+          </a:ln>
+        </p:spPr>
+        <p:style>
+          <a:lnRef idx="2">
+            <a:schemeClr val="accent1">
+              <a:shade val="50000"/>
+            </a:schemeClr>
+          </a:lnRef>
+          <a:fillRef idx="1">
+            <a:schemeClr val="accent1"/>
+          </a:fillRef>
+          <a:effectRef idx="0">
+            <a:schemeClr val="accent1"/>
+          </a:effectRef>
+          <a:fontRef idx="minor">
+            <a:schemeClr val="lt1"/>
+          </a:fontRef>
+        </p:style>
+        <p:txBody>
+          <a:bodyPr wrap="square" rtlCol="0" anchor="ctr">
+            <a:noAutofit/>
+          </a:bodyPr>
+          <a:lstStyle/>
+          <a:p>
+            <a:pPr algn="ctr"/>
+            <a:endParaRPr lang="en-US"/>
+          </a:p>
+        </p:txBody>
+      </p:sp>
+      <p:sp>
+        <p:nvSpPr>
+          <p:cNvPr id="2" name="Title 1"/>
+          <p:cNvSpPr>
+            <a:spLocks noGrp="1"/>
+          </p:cNvSpPr>
+          <p:nvPr>
+            <p:ph type="title"/>
+          </p:nvPr>
+        </p:nvSpPr>
+        <p:spPr>
+          <a:xfrm>
+            <a:off x="395461" y="156196"/>
+            <a:ext cx="5295655" cy="774063"/>
+          </a:xfrm>
+        </p:spPr>
+        <p:txBody>
+          <a:bodyPr>
+            <a:normAutofit fontScale="90000"/>
+          </a:bodyPr>
+          <a:lstStyle/>
+          <a:p>
+            <a:r>
+              <a:rPr lang="en-US" sz="3700" dirty="0">
+                <a:solidFill>
+                  <a:schemeClr val="bg1"/>
+                </a:solidFill>
+              </a:rPr>
+              <a:t>Application Demonstration:</a:t>
+            </a:r>
+            <a:br>
+              <a:rPr lang="en-US" sz="3700" dirty="0">
+                <a:solidFill>
+                  <a:schemeClr val="bg1"/>
+                </a:solidFill>
+              </a:rPr>
+            </a:br>
+            <a:r>
+              <a:rPr lang="en-US" sz="3700" dirty="0">
+                <a:solidFill>
+                  <a:schemeClr val="bg1"/>
+                </a:solidFill>
+              </a:rPr>
+              <a:t>- Create an Event -</a:t>
+            </a:r>
+          </a:p>
+        </p:txBody>
+      </p:sp>
+      <p:sp>
+        <p:nvSpPr>
+          <p:cNvPr id="3" name="Content Placeholder 2"/>
+          <p:cNvSpPr>
+            <a:spLocks noGrp="1"/>
+          </p:cNvSpPr>
+          <p:nvPr>
+            <p:ph idx="1"/>
+          </p:nvPr>
+        </p:nvSpPr>
+        <p:spPr>
+          <a:xfrm>
+            <a:off x="626659" y="1313834"/>
+            <a:ext cx="4711904" cy="3399518"/>
+          </a:xfrm>
+        </p:spPr>
+        <p:txBody>
+          <a:bodyPr>
+            <a:normAutofit/>
+          </a:bodyPr>
+          <a:lstStyle/>
+          <a:p>
+            <a:pPr marL="0" indent="0">
+              <a:buNone/>
             </a:pPr>
             <a:r>
-              <a:rPr lang="en-US" dirty="0">
-                <a:solidFill>
-                  <a:schemeClr val="bg1"/>
-                </a:solidFill>
-              </a:rPr>
-              <a:t>Add “Members”</a:t>
+              <a:rPr lang="en-US" sz="2000" dirty="0">
+                <a:solidFill>
+                  <a:schemeClr val="bg1"/>
+                </a:solidFill>
+              </a:rPr>
+              <a:t>Events must be created before they can be managed.</a:t>
             </a:r>
             <a:br>
-              <a:rPr lang="en-US" dirty="0">
+              <a:rPr lang="en-US" sz="2000" dirty="0">
                 <a:solidFill>
                   <a:schemeClr val="bg1"/>
                 </a:solidFill>
               </a:rPr>
             </a:br>
-            <a:endParaRPr lang="en-US" dirty="0">
+            <a:br>
+              <a:rPr lang="en-US" sz="2000" dirty="0">
+                <a:solidFill>
+                  <a:schemeClr val="bg1"/>
+                </a:solidFill>
+              </a:rPr>
+            </a:br>
+            <a:r>
+              <a:rPr lang="en-US" sz="2000" dirty="0">
+                <a:solidFill>
+                  <a:schemeClr val="bg1"/>
+                </a:solidFill>
+              </a:rPr>
+              <a:t>To add an Event, navigate to </a:t>
+            </a:r>
+            <a:br>
+              <a:rPr lang="en-US" sz="2000" dirty="0">
+                <a:solidFill>
+                  <a:schemeClr val="bg1"/>
+                </a:solidFill>
+              </a:rPr>
+            </a:br>
+            <a:r>
+              <a:rPr lang="en-US" sz="2000" dirty="0">
+                <a:solidFill>
+                  <a:schemeClr val="bg1"/>
+                </a:solidFill>
+              </a:rPr>
+              <a:t>Manage-&gt;Events and click “Create New…”, fill out the event details, and Click “OK”.</a:t>
+            </a:r>
+            <a:br>
+              <a:rPr lang="en-US" sz="2000" dirty="0">
+                <a:solidFill>
+                  <a:schemeClr val="bg1"/>
+                </a:solidFill>
+              </a:rPr>
+            </a:br>
+            <a:br>
+              <a:rPr lang="en-US" sz="2000" dirty="0">
+                <a:solidFill>
+                  <a:schemeClr val="bg1"/>
+                </a:solidFill>
+              </a:rPr>
+            </a:br>
+            <a:r>
+              <a:rPr lang="en-US" sz="2000" dirty="0">
+                <a:solidFill>
+                  <a:schemeClr val="bg1"/>
+                </a:solidFill>
+              </a:rPr>
+              <a:t>The event may now be selected in the event selection dropdown box.</a:t>
+            </a:r>
+          </a:p>
+        </p:txBody>
+      </p:sp>
+      <p:pic>
+        <p:nvPicPr>
+          <p:cNvPr id="5" name="Picture 4">
+            <a:extLst>
+              <a:ext uri="{FF2B5EF4-FFF2-40B4-BE49-F238E27FC236}">
+                <a16:creationId xmlns:a16="http://schemas.microsoft.com/office/drawing/2014/main" id="{2C8E1675-B0C7-4315-940C-CDF40808D54B}"/>
+              </a:ext>
+            </a:extLst>
+          </p:cNvPr>
+          <p:cNvPicPr>
+            <a:picLocks noChangeAspect="1"/>
+          </p:cNvPicPr>
+          <p:nvPr/>
+        </p:nvPicPr>
+        <p:blipFill>
+          <a:blip r:embed="rId2"/>
+          <a:stretch>
+            <a:fillRect/>
+          </a:stretch>
+        </p:blipFill>
+        <p:spPr>
+          <a:xfrm>
+            <a:off x="6500886" y="930259"/>
+            <a:ext cx="5510139" cy="3469347"/>
+          </a:xfrm>
+          <a:prstGeom prst="rect">
+            <a:avLst/>
+          </a:prstGeom>
+        </p:spPr>
+      </p:pic>
+      <p:pic>
+        <p:nvPicPr>
+          <p:cNvPr id="22" name="Picture 21">
+            <a:extLst>
+              <a:ext uri="{FF2B5EF4-FFF2-40B4-BE49-F238E27FC236}">
+                <a16:creationId xmlns:a16="http://schemas.microsoft.com/office/drawing/2014/main" id="{0E227D03-7CB5-4B74-BA23-F5B60C8DF481}"/>
+              </a:ext>
+            </a:extLst>
+          </p:cNvPr>
+          <p:cNvPicPr>
+            <a:picLocks noChangeAspect="1"/>
+          </p:cNvPicPr>
+          <p:nvPr/>
+        </p:nvPicPr>
+        <p:blipFill>
+          <a:blip r:embed="rId3"/>
+          <a:stretch>
+            <a:fillRect/>
+          </a:stretch>
+        </p:blipFill>
+        <p:spPr>
+          <a:xfrm>
+            <a:off x="745355" y="4560009"/>
+            <a:ext cx="6928792" cy="2297991"/>
+          </a:xfrm>
+          <a:prstGeom prst="rect">
+            <a:avLst/>
+          </a:prstGeom>
+        </p:spPr>
+      </p:pic>
+      <p:pic>
+        <p:nvPicPr>
+          <p:cNvPr id="21" name="Graphic 20" descr="Line Arrow: Counterclockwise curve">
+            <a:extLst>
+              <a:ext uri="{FF2B5EF4-FFF2-40B4-BE49-F238E27FC236}">
+                <a16:creationId xmlns:a16="http://schemas.microsoft.com/office/drawing/2014/main" id="{0CF9B411-6759-4A76-9794-3C4AC6AF7442}"/>
+              </a:ext>
+            </a:extLst>
+          </p:cNvPr>
+          <p:cNvPicPr>
+            <a:picLocks noChangeAspect="1"/>
+          </p:cNvPicPr>
+          <p:nvPr/>
+        </p:nvPicPr>
+        <p:blipFill>
+          <a:blip r:embed="rId4">
+            <a:extLst>
+              <a:ext uri="{28A0092B-C50C-407E-A947-70E740481C1C}">
+                <a14:useLocalDpi xmlns:a14="http://schemas.microsoft.com/office/drawing/2010/main" val="0"/>
+              </a:ext>
+              <a:ext uri="{96DAC541-7B7A-43D3-8B79-37D633B846F1}">
+                <asvg:svgBlip xmlns:asvg="http://schemas.microsoft.com/office/drawing/2016/SVG/main" r:embed="rId5"/>
+              </a:ext>
+            </a:extLst>
+          </a:blip>
+          <a:stretch>
+            <a:fillRect/>
+          </a:stretch>
+        </p:blipFill>
+        <p:spPr>
+          <a:xfrm rot="4491415">
+            <a:off x="7475229" y="4401332"/>
+            <a:ext cx="1560159" cy="1560159"/>
+          </a:xfrm>
+          <a:prstGeom prst="rect">
+            <a:avLst/>
+          </a:prstGeom>
+        </p:spPr>
+      </p:pic>
+    </p:spTree>
+    <p:extLst>
+      <p:ext uri="{BB962C8B-B14F-4D97-AF65-F5344CB8AC3E}">
+        <p14:creationId xmlns:p14="http://schemas.microsoft.com/office/powerpoint/2010/main" val="982200095"/>
+      </p:ext>
+    </p:extLst>
+  </p:cSld>
+  <p:clrMapOvr>
+    <a:masterClrMapping/>
+  </p:clrMapOvr>
+</p:sld>
+</file>
+
+<file path=ppt/slides/slide12.xml><?xml version="1.0" encoding="utf-8"?>
+<p:sld xmlns:a="http://schemas.openxmlformats.org/drawingml/2006/main" xmlns:r="http://schemas.openxmlformats.org/officeDocument/2006/relationships" xmlns:p="http://schemas.openxmlformats.org/presentationml/2006/main">
+  <p:cSld>
+    <p:bg>
+      <p:bgPr>
+        <a:solidFill>
+          <a:schemeClr val="bg1"/>
+        </a:solidFill>
+        <a:effectLst/>
+      </p:bgPr>
+    </p:bg>
+    <p:spTree>
+      <p:nvGrpSpPr>
+        <p:cNvPr id="1" name=""/>
+        <p:cNvGrpSpPr/>
+        <p:nvPr/>
+      </p:nvGrpSpPr>
+      <p:grpSpPr>
+        <a:xfrm>
+          <a:off x="0" y="0"/>
+          <a:ext cx="0" cy="0"/>
+          <a:chOff x="0" y="0"/>
+          <a:chExt cx="0" cy="0"/>
+        </a:xfrm>
+      </p:grpSpPr>
+      <p:sp>
+        <p:nvSpPr>
+          <p:cNvPr id="32" name="Freeform: Shape 31">
+            <a:extLst>
+              <a:ext uri="{FF2B5EF4-FFF2-40B4-BE49-F238E27FC236}">
+                <a16:creationId xmlns:a16="http://schemas.microsoft.com/office/drawing/2014/main" id="{64965EAE-E41A-435F-B993-07E824B6C977}"/>
+              </a:ext>
+            </a:extLst>
+          </p:cNvPr>
+          <p:cNvSpPr>
+            <a:spLocks noGrp="1" noRot="1" noChangeAspect="1" noMove="1" noResize="1" noEditPoints="1" noAdjustHandles="1" noChangeArrowheads="1" noChangeShapeType="1" noTextEdit="1"/>
+          </p:cNvSpPr>
+          <p:nvPr>
+            <p:extLst>
+              <p:ext uri="{386F3935-93C4-4BCD-93E2-E3B085C9AB24}">
+                <p16:designElem xmlns:p16="http://schemas.microsoft.com/office/powerpoint/2015/main" val="1"/>
+              </p:ext>
+            </p:extLst>
+          </p:nvPr>
+        </p:nvSpPr>
+        <p:spPr>
+          <a:xfrm flipV="1">
+            <a:off x="1" y="0"/>
+            <a:ext cx="7539895" cy="6858000"/>
+          </a:xfrm>
+          <a:custGeom>
+            <a:avLst/>
+            <a:gdLst>
+              <a:gd name="connsiteX0" fmla="*/ 7539895 w 7539895"/>
+              <a:gd name="connsiteY0" fmla="*/ 6858000 h 6858000"/>
+              <a:gd name="connsiteX1" fmla="*/ 0 w 7539895"/>
+              <a:gd name="connsiteY1" fmla="*/ 6858000 h 6858000"/>
+              <a:gd name="connsiteX2" fmla="*/ 0 w 7539895"/>
+              <a:gd name="connsiteY2" fmla="*/ 0 h 6858000"/>
+              <a:gd name="connsiteX3" fmla="*/ 4363741 w 7539895"/>
+              <a:gd name="connsiteY3" fmla="*/ 0 h 6858000"/>
+            </a:gdLst>
+            <a:ahLst/>
+            <a:cxnLst>
+              <a:cxn ang="0">
+                <a:pos x="connsiteX0" y="connsiteY0"/>
+              </a:cxn>
+              <a:cxn ang="0">
+                <a:pos x="connsiteX1" y="connsiteY1"/>
+              </a:cxn>
+              <a:cxn ang="0">
+                <a:pos x="connsiteX2" y="connsiteY2"/>
+              </a:cxn>
+              <a:cxn ang="0">
+                <a:pos x="connsiteX3" y="connsiteY3"/>
+              </a:cxn>
+            </a:cxnLst>
+            <a:rect l="l" t="t" r="r" b="b"/>
+            <a:pathLst>
+              <a:path w="7539895" h="6858000">
+                <a:moveTo>
+                  <a:pt x="7539895" y="6858000"/>
+                </a:moveTo>
+                <a:lnTo>
+                  <a:pt x="0" y="6858000"/>
+                </a:lnTo>
+                <a:lnTo>
+                  <a:pt x="0" y="0"/>
+                </a:lnTo>
+                <a:lnTo>
+                  <a:pt x="4363741" y="0"/>
+                </a:lnTo>
+                <a:close/>
+              </a:path>
+            </a:pathLst>
+          </a:custGeom>
+          <a:solidFill>
+            <a:schemeClr val="tx1">
+              <a:lumMod val="85000"/>
+              <a:lumOff val="15000"/>
+              <a:alpha val="70000"/>
+            </a:schemeClr>
+          </a:solidFill>
+          <a:ln>
+            <a:noFill/>
+          </a:ln>
+        </p:spPr>
+        <p:style>
+          <a:lnRef idx="2">
+            <a:schemeClr val="accent1">
+              <a:shade val="50000"/>
+            </a:schemeClr>
+          </a:lnRef>
+          <a:fillRef idx="1">
+            <a:schemeClr val="accent1"/>
+          </a:fillRef>
+          <a:effectRef idx="0">
+            <a:schemeClr val="accent1"/>
+          </a:effectRef>
+          <a:fontRef idx="minor">
+            <a:schemeClr val="lt1"/>
+          </a:fontRef>
+        </p:style>
+        <p:txBody>
+          <a:bodyPr wrap="square" rtlCol="0" anchor="ctr">
+            <a:noAutofit/>
+          </a:bodyPr>
+          <a:lstStyle/>
+          <a:p>
+            <a:pPr algn="ctr"/>
+            <a:endParaRPr lang="en-US"/>
+          </a:p>
+        </p:txBody>
+      </p:sp>
+      <p:sp>
+        <p:nvSpPr>
+          <p:cNvPr id="34" name="Freeform: Shape 33">
+            <a:extLst>
+              <a:ext uri="{FF2B5EF4-FFF2-40B4-BE49-F238E27FC236}">
+                <a16:creationId xmlns:a16="http://schemas.microsoft.com/office/drawing/2014/main" id="{152F8994-E6D4-4311-9548-C3607BC43645}"/>
+              </a:ext>
+            </a:extLst>
+          </p:cNvPr>
+          <p:cNvSpPr>
+            <a:spLocks noGrp="1" noRot="1" noChangeAspect="1" noMove="1" noResize="1" noEditPoints="1" noAdjustHandles="1" noChangeArrowheads="1" noChangeShapeType="1" noTextEdit="1"/>
+          </p:cNvSpPr>
+          <p:nvPr>
+            <p:extLst>
+              <p:ext uri="{386F3935-93C4-4BCD-93E2-E3B085C9AB24}">
+                <p16:designElem xmlns:p16="http://schemas.microsoft.com/office/powerpoint/2015/main" val="1"/>
+              </p:ext>
+            </p:extLst>
+          </p:nvPr>
+        </p:nvSpPr>
+        <p:spPr>
+          <a:xfrm flipV="1">
+            <a:off x="0" y="0"/>
+            <a:ext cx="7092985" cy="6858000"/>
+          </a:xfrm>
+          <a:custGeom>
+            <a:avLst/>
+            <a:gdLst>
+              <a:gd name="connsiteX0" fmla="*/ 7092985 w 7092985"/>
+              <a:gd name="connsiteY0" fmla="*/ 6858000 h 6858000"/>
+              <a:gd name="connsiteX1" fmla="*/ 0 w 7092985"/>
+              <a:gd name="connsiteY1" fmla="*/ 6858000 h 6858000"/>
+              <a:gd name="connsiteX2" fmla="*/ 0 w 7092985"/>
+              <a:gd name="connsiteY2" fmla="*/ 0 h 6858000"/>
+              <a:gd name="connsiteX3" fmla="*/ 3916831 w 7092985"/>
+              <a:gd name="connsiteY3" fmla="*/ 0 h 6858000"/>
+            </a:gdLst>
+            <a:ahLst/>
+            <a:cxnLst>
+              <a:cxn ang="0">
+                <a:pos x="connsiteX0" y="connsiteY0"/>
+              </a:cxn>
+              <a:cxn ang="0">
+                <a:pos x="connsiteX1" y="connsiteY1"/>
+              </a:cxn>
+              <a:cxn ang="0">
+                <a:pos x="connsiteX2" y="connsiteY2"/>
+              </a:cxn>
+              <a:cxn ang="0">
+                <a:pos x="connsiteX3" y="connsiteY3"/>
+              </a:cxn>
+            </a:cxnLst>
+            <a:rect l="l" t="t" r="r" b="b"/>
+            <a:pathLst>
+              <a:path w="7092985" h="6858000">
+                <a:moveTo>
+                  <a:pt x="7092985" y="6858000"/>
+                </a:moveTo>
+                <a:lnTo>
+                  <a:pt x="0" y="6858000"/>
+                </a:lnTo>
+                <a:lnTo>
+                  <a:pt x="0" y="0"/>
+                </a:lnTo>
+                <a:lnTo>
+                  <a:pt x="3916831" y="0"/>
+                </a:lnTo>
+                <a:close/>
+              </a:path>
+            </a:pathLst>
+          </a:custGeom>
+          <a:solidFill>
+            <a:schemeClr val="tx1">
+              <a:lumMod val="85000"/>
+              <a:lumOff val="15000"/>
+            </a:schemeClr>
+          </a:solidFill>
+          <a:ln>
+            <a:noFill/>
+          </a:ln>
+        </p:spPr>
+        <p:style>
+          <a:lnRef idx="2">
+            <a:schemeClr val="accent1">
+              <a:shade val="50000"/>
+            </a:schemeClr>
+          </a:lnRef>
+          <a:fillRef idx="1">
+            <a:schemeClr val="accent1"/>
+          </a:fillRef>
+          <a:effectRef idx="0">
+            <a:schemeClr val="accent1"/>
+          </a:effectRef>
+          <a:fontRef idx="minor">
+            <a:schemeClr val="lt1"/>
+          </a:fontRef>
+        </p:style>
+        <p:txBody>
+          <a:bodyPr wrap="square" rtlCol="0" anchor="ctr">
+            <a:noAutofit/>
+          </a:bodyPr>
+          <a:lstStyle/>
+          <a:p>
+            <a:pPr algn="ctr"/>
+            <a:endParaRPr lang="en-US"/>
+          </a:p>
+        </p:txBody>
+      </p:sp>
+      <p:sp>
+        <p:nvSpPr>
+          <p:cNvPr id="2" name="Title 1"/>
+          <p:cNvSpPr>
+            <a:spLocks noGrp="1"/>
+          </p:cNvSpPr>
+          <p:nvPr>
+            <p:ph type="title"/>
+          </p:nvPr>
+        </p:nvSpPr>
+        <p:spPr>
+          <a:xfrm>
+            <a:off x="395461" y="156196"/>
+            <a:ext cx="5295655" cy="774063"/>
+          </a:xfrm>
+        </p:spPr>
+        <p:txBody>
+          <a:bodyPr>
+            <a:normAutofit fontScale="90000"/>
+          </a:bodyPr>
+          <a:lstStyle/>
+          <a:p>
+            <a:r>
+              <a:rPr lang="en-US" sz="3700" dirty="0">
+                <a:solidFill>
+                  <a:schemeClr val="bg1"/>
+                </a:solidFill>
+              </a:rPr>
+              <a:t>Application Demonstration:</a:t>
+            </a:r>
+            <a:br>
+              <a:rPr lang="en-US" sz="3700" dirty="0">
+                <a:solidFill>
+                  <a:schemeClr val="bg1"/>
+                </a:solidFill>
+              </a:rPr>
+            </a:br>
+            <a:r>
+              <a:rPr lang="en-US" sz="3700" dirty="0">
+                <a:solidFill>
+                  <a:schemeClr val="bg1"/>
+                </a:solidFill>
+              </a:rPr>
+              <a:t>- Manage an Event: Step 1 -</a:t>
+            </a:r>
+          </a:p>
+        </p:txBody>
+      </p:sp>
+      <p:sp>
+        <p:nvSpPr>
+          <p:cNvPr id="3" name="Content Placeholder 2"/>
+          <p:cNvSpPr>
+            <a:spLocks noGrp="1"/>
+          </p:cNvSpPr>
+          <p:nvPr>
+            <p:ph idx="1"/>
+          </p:nvPr>
+        </p:nvSpPr>
+        <p:spPr>
+          <a:xfrm>
+            <a:off x="626659" y="1313834"/>
+            <a:ext cx="4711904" cy="3399518"/>
+          </a:xfrm>
+        </p:spPr>
+        <p:txBody>
+          <a:bodyPr>
+            <a:normAutofit/>
+          </a:bodyPr>
+          <a:lstStyle/>
+          <a:p>
+            <a:pPr marL="0" indent="0">
+              <a:buNone/>
+            </a:pPr>
+            <a:r>
+              <a:rPr lang="en-US" sz="2000" dirty="0">
+                <a:solidFill>
+                  <a:schemeClr val="bg1"/>
+                </a:solidFill>
+              </a:rPr>
+              <a:t>Select an Event to manage from the event dropdown box. </a:t>
+            </a:r>
+            <a:br>
+              <a:rPr lang="en-US" sz="2000" dirty="0">
+                <a:solidFill>
+                  <a:schemeClr val="bg1"/>
+                </a:solidFill>
+              </a:rPr>
+            </a:br>
+            <a:br>
+              <a:rPr lang="en-US" sz="2000" dirty="0">
+                <a:solidFill>
+                  <a:schemeClr val="bg1"/>
+                </a:solidFill>
+              </a:rPr>
+            </a:br>
+            <a:r>
+              <a:rPr lang="en-US" sz="2000" dirty="0">
+                <a:solidFill>
+                  <a:schemeClr val="bg1"/>
+                </a:solidFill>
+              </a:rPr>
+              <a:t>The Event details will then be populated and Steps 2 – 4 become available.</a:t>
+            </a:r>
+            <a:br>
+              <a:rPr lang="en-US" sz="2000" dirty="0">
+                <a:solidFill>
+                  <a:schemeClr val="bg1"/>
+                </a:solidFill>
+              </a:rPr>
+            </a:br>
+            <a:br>
+              <a:rPr lang="en-US" sz="2000" dirty="0">
+                <a:solidFill>
+                  <a:schemeClr val="bg1"/>
+                </a:solidFill>
+              </a:rPr>
+            </a:br>
+            <a:r>
+              <a:rPr lang="en-US" sz="2000" dirty="0">
+                <a:solidFill>
+                  <a:schemeClr val="bg1"/>
+                </a:solidFill>
+              </a:rPr>
+              <a:t>The event may also be deleted from this screen at any time by checking “Delete Event?” and clicking “Delete”.</a:t>
+            </a:r>
+            <a:br>
+              <a:rPr lang="en-US" sz="2000" dirty="0">
+                <a:solidFill>
+                  <a:schemeClr val="bg1"/>
+                </a:solidFill>
+              </a:rPr>
+            </a:br>
+            <a:endParaRPr lang="en-US" sz="2000" dirty="0">
               <a:solidFill>
                 <a:schemeClr val="bg1"/>
               </a:solidFill>
             </a:endParaRPr>
           </a:p>
+        </p:txBody>
+      </p:sp>
+      <p:pic>
+        <p:nvPicPr>
+          <p:cNvPr id="7" name="Picture 6">
+            <a:extLst>
+              <a:ext uri="{FF2B5EF4-FFF2-40B4-BE49-F238E27FC236}">
+                <a16:creationId xmlns:a16="http://schemas.microsoft.com/office/drawing/2014/main" id="{CD692E94-E692-4A14-BE87-644C29080E61}"/>
+              </a:ext>
+            </a:extLst>
+          </p:cNvPr>
+          <p:cNvPicPr>
+            <a:picLocks noChangeAspect="1"/>
+          </p:cNvPicPr>
+          <p:nvPr/>
+        </p:nvPicPr>
+        <p:blipFill>
+          <a:blip r:embed="rId2"/>
+          <a:stretch>
+            <a:fillRect/>
+          </a:stretch>
+        </p:blipFill>
+        <p:spPr>
+          <a:xfrm>
+            <a:off x="6096000" y="307074"/>
+            <a:ext cx="5329706" cy="6407624"/>
+          </a:xfrm>
+          <a:prstGeom prst="rect">
+            <a:avLst/>
+          </a:prstGeom>
+        </p:spPr>
+      </p:pic>
+    </p:spTree>
+    <p:extLst>
+      <p:ext uri="{BB962C8B-B14F-4D97-AF65-F5344CB8AC3E}">
+        <p14:creationId xmlns:p14="http://schemas.microsoft.com/office/powerpoint/2010/main" val="93131329"/>
+      </p:ext>
+    </p:extLst>
+  </p:cSld>
+  <p:clrMapOvr>
+    <a:masterClrMapping/>
+  </p:clrMapOvr>
+</p:sld>
+</file>
+
+<file path=ppt/slides/slide13.xml><?xml version="1.0" encoding="utf-8"?>
+<p:sld xmlns:a="http://schemas.openxmlformats.org/drawingml/2006/main" xmlns:r="http://schemas.openxmlformats.org/officeDocument/2006/relationships" xmlns:p="http://schemas.openxmlformats.org/presentationml/2006/main">
+  <p:cSld>
+    <p:bg>
+      <p:bgPr>
+        <a:solidFill>
+          <a:schemeClr val="bg1"/>
+        </a:solidFill>
+        <a:effectLst/>
+      </p:bgPr>
+    </p:bg>
+    <p:spTree>
+      <p:nvGrpSpPr>
+        <p:cNvPr id="1" name=""/>
+        <p:cNvGrpSpPr/>
+        <p:nvPr/>
+      </p:nvGrpSpPr>
+      <p:grpSpPr>
+        <a:xfrm>
+          <a:off x="0" y="0"/>
+          <a:ext cx="0" cy="0"/>
+          <a:chOff x="0" y="0"/>
+          <a:chExt cx="0" cy="0"/>
+        </a:xfrm>
+      </p:grpSpPr>
+      <p:sp>
+        <p:nvSpPr>
+          <p:cNvPr id="32" name="Freeform: Shape 31">
+            <a:extLst>
+              <a:ext uri="{FF2B5EF4-FFF2-40B4-BE49-F238E27FC236}">
+                <a16:creationId xmlns:a16="http://schemas.microsoft.com/office/drawing/2014/main" id="{64965EAE-E41A-435F-B993-07E824B6C977}"/>
+              </a:ext>
+            </a:extLst>
+          </p:cNvPr>
+          <p:cNvSpPr>
+            <a:spLocks noGrp="1" noRot="1" noChangeAspect="1" noMove="1" noResize="1" noEditPoints="1" noAdjustHandles="1" noChangeArrowheads="1" noChangeShapeType="1" noTextEdit="1"/>
+          </p:cNvSpPr>
+          <p:nvPr>
+            <p:extLst>
+              <p:ext uri="{386F3935-93C4-4BCD-93E2-E3B085C9AB24}">
+                <p16:designElem xmlns:p16="http://schemas.microsoft.com/office/powerpoint/2015/main" val="1"/>
+              </p:ext>
+            </p:extLst>
+          </p:nvPr>
+        </p:nvSpPr>
+        <p:spPr>
+          <a:xfrm flipV="1">
+            <a:off x="1" y="0"/>
+            <a:ext cx="7539895" cy="6858000"/>
+          </a:xfrm>
+          <a:custGeom>
+            <a:avLst/>
+            <a:gdLst>
+              <a:gd name="connsiteX0" fmla="*/ 7539895 w 7539895"/>
+              <a:gd name="connsiteY0" fmla="*/ 6858000 h 6858000"/>
+              <a:gd name="connsiteX1" fmla="*/ 0 w 7539895"/>
+              <a:gd name="connsiteY1" fmla="*/ 6858000 h 6858000"/>
+              <a:gd name="connsiteX2" fmla="*/ 0 w 7539895"/>
+              <a:gd name="connsiteY2" fmla="*/ 0 h 6858000"/>
+              <a:gd name="connsiteX3" fmla="*/ 4363741 w 7539895"/>
+              <a:gd name="connsiteY3" fmla="*/ 0 h 6858000"/>
+            </a:gdLst>
+            <a:ahLst/>
+            <a:cxnLst>
+              <a:cxn ang="0">
+                <a:pos x="connsiteX0" y="connsiteY0"/>
+              </a:cxn>
+              <a:cxn ang="0">
+                <a:pos x="connsiteX1" y="connsiteY1"/>
+              </a:cxn>
+              <a:cxn ang="0">
+                <a:pos x="connsiteX2" y="connsiteY2"/>
+              </a:cxn>
+              <a:cxn ang="0">
+                <a:pos x="connsiteX3" y="connsiteY3"/>
+              </a:cxn>
+            </a:cxnLst>
+            <a:rect l="l" t="t" r="r" b="b"/>
+            <a:pathLst>
+              <a:path w="7539895" h="6858000">
+                <a:moveTo>
+                  <a:pt x="7539895" y="6858000"/>
+                </a:moveTo>
+                <a:lnTo>
+                  <a:pt x="0" y="6858000"/>
+                </a:lnTo>
+                <a:lnTo>
+                  <a:pt x="0" y="0"/>
+                </a:lnTo>
+                <a:lnTo>
+                  <a:pt x="4363741" y="0"/>
+                </a:lnTo>
+                <a:close/>
+              </a:path>
+            </a:pathLst>
+          </a:custGeom>
+          <a:solidFill>
+            <a:schemeClr val="tx1">
+              <a:lumMod val="85000"/>
+              <a:lumOff val="15000"/>
+              <a:alpha val="70000"/>
+            </a:schemeClr>
+          </a:solidFill>
+          <a:ln>
+            <a:noFill/>
+          </a:ln>
+        </p:spPr>
+        <p:style>
+          <a:lnRef idx="2">
+            <a:schemeClr val="accent1">
+              <a:shade val="50000"/>
+            </a:schemeClr>
+          </a:lnRef>
+          <a:fillRef idx="1">
+            <a:schemeClr val="accent1"/>
+          </a:fillRef>
+          <a:effectRef idx="0">
+            <a:schemeClr val="accent1"/>
+          </a:effectRef>
+          <a:fontRef idx="minor">
+            <a:schemeClr val="lt1"/>
+          </a:fontRef>
+        </p:style>
+        <p:txBody>
+          <a:bodyPr wrap="square" rtlCol="0" anchor="ctr">
+            <a:noAutofit/>
+          </a:bodyPr>
+          <a:lstStyle/>
+          <a:p>
+            <a:pPr algn="ctr"/>
+            <a:endParaRPr lang="en-US"/>
+          </a:p>
+        </p:txBody>
+      </p:sp>
+      <p:sp>
+        <p:nvSpPr>
+          <p:cNvPr id="34" name="Freeform: Shape 33">
+            <a:extLst>
+              <a:ext uri="{FF2B5EF4-FFF2-40B4-BE49-F238E27FC236}">
+                <a16:creationId xmlns:a16="http://schemas.microsoft.com/office/drawing/2014/main" id="{152F8994-E6D4-4311-9548-C3607BC43645}"/>
+              </a:ext>
+            </a:extLst>
+          </p:cNvPr>
+          <p:cNvSpPr>
+            <a:spLocks noGrp="1" noRot="1" noChangeAspect="1" noMove="1" noResize="1" noEditPoints="1" noAdjustHandles="1" noChangeArrowheads="1" noChangeShapeType="1" noTextEdit="1"/>
+          </p:cNvSpPr>
+          <p:nvPr>
+            <p:extLst>
+              <p:ext uri="{386F3935-93C4-4BCD-93E2-E3B085C9AB24}">
+                <p16:designElem xmlns:p16="http://schemas.microsoft.com/office/powerpoint/2015/main" val="1"/>
+              </p:ext>
+            </p:extLst>
+          </p:nvPr>
+        </p:nvSpPr>
+        <p:spPr>
+          <a:xfrm flipV="1">
+            <a:off x="0" y="0"/>
+            <a:ext cx="7092985" cy="6858000"/>
+          </a:xfrm>
+          <a:custGeom>
+            <a:avLst/>
+            <a:gdLst>
+              <a:gd name="connsiteX0" fmla="*/ 7092985 w 7092985"/>
+              <a:gd name="connsiteY0" fmla="*/ 6858000 h 6858000"/>
+              <a:gd name="connsiteX1" fmla="*/ 0 w 7092985"/>
+              <a:gd name="connsiteY1" fmla="*/ 6858000 h 6858000"/>
+              <a:gd name="connsiteX2" fmla="*/ 0 w 7092985"/>
+              <a:gd name="connsiteY2" fmla="*/ 0 h 6858000"/>
+              <a:gd name="connsiteX3" fmla="*/ 3916831 w 7092985"/>
+              <a:gd name="connsiteY3" fmla="*/ 0 h 6858000"/>
+            </a:gdLst>
+            <a:ahLst/>
+            <a:cxnLst>
+              <a:cxn ang="0">
+                <a:pos x="connsiteX0" y="connsiteY0"/>
+              </a:cxn>
+              <a:cxn ang="0">
+                <a:pos x="connsiteX1" y="connsiteY1"/>
+              </a:cxn>
+              <a:cxn ang="0">
+                <a:pos x="connsiteX2" y="connsiteY2"/>
+              </a:cxn>
+              <a:cxn ang="0">
+                <a:pos x="connsiteX3" y="connsiteY3"/>
+              </a:cxn>
+            </a:cxnLst>
+            <a:rect l="l" t="t" r="r" b="b"/>
+            <a:pathLst>
+              <a:path w="7092985" h="6858000">
+                <a:moveTo>
+                  <a:pt x="7092985" y="6858000"/>
+                </a:moveTo>
+                <a:lnTo>
+                  <a:pt x="0" y="6858000"/>
+                </a:lnTo>
+                <a:lnTo>
+                  <a:pt x="0" y="0"/>
+                </a:lnTo>
+                <a:lnTo>
+                  <a:pt x="3916831" y="0"/>
+                </a:lnTo>
+                <a:close/>
+              </a:path>
+            </a:pathLst>
+          </a:custGeom>
+          <a:solidFill>
+            <a:schemeClr val="tx1">
+              <a:lumMod val="85000"/>
+              <a:lumOff val="15000"/>
+            </a:schemeClr>
+          </a:solidFill>
+          <a:ln>
+            <a:noFill/>
+          </a:ln>
+        </p:spPr>
+        <p:style>
+          <a:lnRef idx="2">
+            <a:schemeClr val="accent1">
+              <a:shade val="50000"/>
+            </a:schemeClr>
+          </a:lnRef>
+          <a:fillRef idx="1">
+            <a:schemeClr val="accent1"/>
+          </a:fillRef>
+          <a:effectRef idx="0">
+            <a:schemeClr val="accent1"/>
+          </a:effectRef>
+          <a:fontRef idx="minor">
+            <a:schemeClr val="lt1"/>
+          </a:fontRef>
+        </p:style>
+        <p:txBody>
+          <a:bodyPr wrap="square" rtlCol="0" anchor="ctr">
+            <a:noAutofit/>
+          </a:bodyPr>
+          <a:lstStyle/>
+          <a:p>
+            <a:pPr algn="ctr"/>
+            <a:endParaRPr lang="en-US"/>
+          </a:p>
+        </p:txBody>
+      </p:sp>
+      <p:sp>
+        <p:nvSpPr>
+          <p:cNvPr id="2" name="Title 1"/>
+          <p:cNvSpPr>
+            <a:spLocks noGrp="1"/>
+          </p:cNvSpPr>
+          <p:nvPr>
+            <p:ph type="title"/>
+          </p:nvPr>
+        </p:nvSpPr>
+        <p:spPr>
+          <a:xfrm>
+            <a:off x="395461" y="156196"/>
+            <a:ext cx="5295655" cy="774063"/>
+          </a:xfrm>
+        </p:spPr>
+        <p:txBody>
+          <a:bodyPr>
+            <a:normAutofit fontScale="90000"/>
+          </a:bodyPr>
+          <a:lstStyle/>
+          <a:p>
+            <a:r>
+              <a:rPr lang="en-US" sz="3700" dirty="0">
+                <a:solidFill>
+                  <a:schemeClr val="bg1"/>
+                </a:solidFill>
+              </a:rPr>
+              <a:t>Application Demonstration:</a:t>
+            </a:r>
+            <a:br>
+              <a:rPr lang="en-US" sz="3700" dirty="0">
+                <a:solidFill>
+                  <a:schemeClr val="bg1"/>
+                </a:solidFill>
+              </a:rPr>
+            </a:br>
+            <a:r>
+              <a:rPr lang="en-US" sz="3700" dirty="0">
+                <a:solidFill>
+                  <a:schemeClr val="bg1"/>
+                </a:solidFill>
+              </a:rPr>
+              <a:t>- Manage an Event: Step 2 -</a:t>
+            </a:r>
+          </a:p>
+        </p:txBody>
+      </p:sp>
+      <p:sp>
+        <p:nvSpPr>
+          <p:cNvPr id="3" name="Content Placeholder 2"/>
+          <p:cNvSpPr>
+            <a:spLocks noGrp="1"/>
+          </p:cNvSpPr>
+          <p:nvPr>
+            <p:ph idx="1"/>
+          </p:nvPr>
+        </p:nvSpPr>
+        <p:spPr>
+          <a:xfrm>
+            <a:off x="626659" y="1313834"/>
+            <a:ext cx="4711904" cy="3399518"/>
+          </a:xfrm>
+        </p:spPr>
+        <p:txBody>
+          <a:bodyPr>
+            <a:normAutofit/>
+          </a:bodyPr>
+          <a:lstStyle/>
           <a:p>
             <a:pPr marL="0" indent="0">
-              <a:lnSpc>
-                <a:spcPct val="70000"/>
-              </a:lnSpc>
               <a:buNone/>
             </a:pPr>
-            <a:endParaRPr lang="en-US" sz="1900" dirty="0">
+            <a:r>
+              <a:rPr lang="en-US" sz="2000" dirty="0">
+                <a:solidFill>
+                  <a:schemeClr val="bg1"/>
+                </a:solidFill>
+              </a:rPr>
+              <a:t>To assign players to the event, click the tab labeled “Step 2: Assign Players”.</a:t>
+            </a:r>
+            <a:br>
+              <a:rPr lang="en-US" sz="2000" dirty="0">
+                <a:solidFill>
+                  <a:schemeClr val="bg1"/>
+                </a:solidFill>
+              </a:rPr>
+            </a:br>
+            <a:br>
+              <a:rPr lang="en-US" sz="2000" dirty="0">
+                <a:solidFill>
+                  <a:schemeClr val="bg1"/>
+                </a:solidFill>
+              </a:rPr>
+            </a:br>
+            <a:r>
+              <a:rPr lang="en-US" sz="2000" dirty="0">
+                <a:solidFill>
+                  <a:schemeClr val="bg1"/>
+                </a:solidFill>
+              </a:rPr>
+              <a:t>Use the arrow buttons to add or remove players to/from the event. The list on the left reflects the members pool.</a:t>
+            </a:r>
+            <a:br>
+              <a:rPr lang="en-US" sz="2000" dirty="0">
+                <a:solidFill>
+                  <a:schemeClr val="bg1"/>
+                </a:solidFill>
+              </a:rPr>
+            </a:br>
+            <a:br>
+              <a:rPr lang="en-US" sz="2000" dirty="0">
+                <a:solidFill>
+                  <a:schemeClr val="bg1"/>
+                </a:solidFill>
+              </a:rPr>
+            </a:br>
+            <a:r>
+              <a:rPr lang="en-US" sz="2000" dirty="0">
+                <a:solidFill>
+                  <a:schemeClr val="bg1"/>
+                </a:solidFill>
+              </a:rPr>
+              <a:t>If a member is not found in the list, you may click “Manage All Members” to open the Manage Members tool described previously, and add them.</a:t>
+            </a:r>
+          </a:p>
+        </p:txBody>
+      </p:sp>
+      <p:pic>
+        <p:nvPicPr>
+          <p:cNvPr id="5" name="Picture 4">
+            <a:extLst>
+              <a:ext uri="{FF2B5EF4-FFF2-40B4-BE49-F238E27FC236}">
+                <a16:creationId xmlns:a16="http://schemas.microsoft.com/office/drawing/2014/main" id="{40E70004-890C-47E1-B96A-904AA03841EA}"/>
+              </a:ext>
+            </a:extLst>
+          </p:cNvPr>
+          <p:cNvPicPr>
+            <a:picLocks noChangeAspect="1"/>
+          </p:cNvPicPr>
+          <p:nvPr/>
+        </p:nvPicPr>
+        <p:blipFill>
+          <a:blip r:embed="rId2"/>
+          <a:stretch>
+            <a:fillRect/>
+          </a:stretch>
+        </p:blipFill>
+        <p:spPr>
+          <a:xfrm>
+            <a:off x="6160752" y="313898"/>
+            <a:ext cx="5198326" cy="6230203"/>
+          </a:xfrm>
+          <a:prstGeom prst="rect">
+            <a:avLst/>
+          </a:prstGeom>
+        </p:spPr>
+      </p:pic>
+    </p:spTree>
+    <p:extLst>
+      <p:ext uri="{BB962C8B-B14F-4D97-AF65-F5344CB8AC3E}">
+        <p14:creationId xmlns:p14="http://schemas.microsoft.com/office/powerpoint/2010/main" val="1845464614"/>
+      </p:ext>
+    </p:extLst>
+  </p:cSld>
+  <p:clrMapOvr>
+    <a:masterClrMapping/>
+  </p:clrMapOvr>
+</p:sld>
+</file>
+
+<file path=ppt/slides/slide14.xml><?xml version="1.0" encoding="utf-8"?>
+<p:sld xmlns:a="http://schemas.openxmlformats.org/drawingml/2006/main" xmlns:r="http://schemas.openxmlformats.org/officeDocument/2006/relationships" xmlns:p="http://schemas.openxmlformats.org/presentationml/2006/main">
+  <p:cSld>
+    <p:bg>
+      <p:bgPr>
+        <a:solidFill>
+          <a:schemeClr val="bg1"/>
+        </a:solidFill>
+        <a:effectLst/>
+      </p:bgPr>
+    </p:bg>
+    <p:spTree>
+      <p:nvGrpSpPr>
+        <p:cNvPr id="1" name=""/>
+        <p:cNvGrpSpPr/>
+        <p:nvPr/>
+      </p:nvGrpSpPr>
+      <p:grpSpPr>
+        <a:xfrm>
+          <a:off x="0" y="0"/>
+          <a:ext cx="0" cy="0"/>
+          <a:chOff x="0" y="0"/>
+          <a:chExt cx="0" cy="0"/>
+        </a:xfrm>
+      </p:grpSpPr>
+      <p:sp>
+        <p:nvSpPr>
+          <p:cNvPr id="32" name="Freeform: Shape 31">
+            <a:extLst>
+              <a:ext uri="{FF2B5EF4-FFF2-40B4-BE49-F238E27FC236}">
+                <a16:creationId xmlns:a16="http://schemas.microsoft.com/office/drawing/2014/main" id="{64965EAE-E41A-435F-B993-07E824B6C977}"/>
+              </a:ext>
+            </a:extLst>
+          </p:cNvPr>
+          <p:cNvSpPr>
+            <a:spLocks noGrp="1" noRot="1" noChangeAspect="1" noMove="1" noResize="1" noEditPoints="1" noAdjustHandles="1" noChangeArrowheads="1" noChangeShapeType="1" noTextEdit="1"/>
+          </p:cNvSpPr>
+          <p:nvPr>
+            <p:extLst>
+              <p:ext uri="{386F3935-93C4-4BCD-93E2-E3B085C9AB24}">
+                <p16:designElem xmlns:p16="http://schemas.microsoft.com/office/powerpoint/2015/main" val="1"/>
+              </p:ext>
+            </p:extLst>
+          </p:nvPr>
+        </p:nvSpPr>
+        <p:spPr>
+          <a:xfrm flipV="1">
+            <a:off x="1" y="0"/>
+            <a:ext cx="7539895" cy="6858000"/>
+          </a:xfrm>
+          <a:custGeom>
+            <a:avLst/>
+            <a:gdLst>
+              <a:gd name="connsiteX0" fmla="*/ 7539895 w 7539895"/>
+              <a:gd name="connsiteY0" fmla="*/ 6858000 h 6858000"/>
+              <a:gd name="connsiteX1" fmla="*/ 0 w 7539895"/>
+              <a:gd name="connsiteY1" fmla="*/ 6858000 h 6858000"/>
+              <a:gd name="connsiteX2" fmla="*/ 0 w 7539895"/>
+              <a:gd name="connsiteY2" fmla="*/ 0 h 6858000"/>
+              <a:gd name="connsiteX3" fmla="*/ 4363741 w 7539895"/>
+              <a:gd name="connsiteY3" fmla="*/ 0 h 6858000"/>
+            </a:gdLst>
+            <a:ahLst/>
+            <a:cxnLst>
+              <a:cxn ang="0">
+                <a:pos x="connsiteX0" y="connsiteY0"/>
+              </a:cxn>
+              <a:cxn ang="0">
+                <a:pos x="connsiteX1" y="connsiteY1"/>
+              </a:cxn>
+              <a:cxn ang="0">
+                <a:pos x="connsiteX2" y="connsiteY2"/>
+              </a:cxn>
+              <a:cxn ang="0">
+                <a:pos x="connsiteX3" y="connsiteY3"/>
+              </a:cxn>
+            </a:cxnLst>
+            <a:rect l="l" t="t" r="r" b="b"/>
+            <a:pathLst>
+              <a:path w="7539895" h="6858000">
+                <a:moveTo>
+                  <a:pt x="7539895" y="6858000"/>
+                </a:moveTo>
+                <a:lnTo>
+                  <a:pt x="0" y="6858000"/>
+                </a:lnTo>
+                <a:lnTo>
+                  <a:pt x="0" y="0"/>
+                </a:lnTo>
+                <a:lnTo>
+                  <a:pt x="4363741" y="0"/>
+                </a:lnTo>
+                <a:close/>
+              </a:path>
+            </a:pathLst>
+          </a:custGeom>
+          <a:solidFill>
+            <a:schemeClr val="tx1">
+              <a:lumMod val="85000"/>
+              <a:lumOff val="15000"/>
+              <a:alpha val="70000"/>
+            </a:schemeClr>
+          </a:solidFill>
+          <a:ln>
+            <a:noFill/>
+          </a:ln>
+        </p:spPr>
+        <p:style>
+          <a:lnRef idx="2">
+            <a:schemeClr val="accent1">
+              <a:shade val="50000"/>
+            </a:schemeClr>
+          </a:lnRef>
+          <a:fillRef idx="1">
+            <a:schemeClr val="accent1"/>
+          </a:fillRef>
+          <a:effectRef idx="0">
+            <a:schemeClr val="accent1"/>
+          </a:effectRef>
+          <a:fontRef idx="minor">
+            <a:schemeClr val="lt1"/>
+          </a:fontRef>
+        </p:style>
+        <p:txBody>
+          <a:bodyPr wrap="square" rtlCol="0" anchor="ctr">
+            <a:noAutofit/>
+          </a:bodyPr>
+          <a:lstStyle/>
+          <a:p>
+            <a:pPr algn="ctr"/>
+            <a:endParaRPr lang="en-US"/>
+          </a:p>
+        </p:txBody>
+      </p:sp>
+      <p:sp>
+        <p:nvSpPr>
+          <p:cNvPr id="34" name="Freeform: Shape 33">
+            <a:extLst>
+              <a:ext uri="{FF2B5EF4-FFF2-40B4-BE49-F238E27FC236}">
+                <a16:creationId xmlns:a16="http://schemas.microsoft.com/office/drawing/2014/main" id="{152F8994-E6D4-4311-9548-C3607BC43645}"/>
+              </a:ext>
+            </a:extLst>
+          </p:cNvPr>
+          <p:cNvSpPr>
+            <a:spLocks noGrp="1" noRot="1" noChangeAspect="1" noMove="1" noResize="1" noEditPoints="1" noAdjustHandles="1" noChangeArrowheads="1" noChangeShapeType="1" noTextEdit="1"/>
+          </p:cNvSpPr>
+          <p:nvPr>
+            <p:extLst>
+              <p:ext uri="{386F3935-93C4-4BCD-93E2-E3B085C9AB24}">
+                <p16:designElem xmlns:p16="http://schemas.microsoft.com/office/powerpoint/2015/main" val="1"/>
+              </p:ext>
+            </p:extLst>
+          </p:nvPr>
+        </p:nvSpPr>
+        <p:spPr>
+          <a:xfrm flipV="1">
+            <a:off x="0" y="0"/>
+            <a:ext cx="7092985" cy="6858000"/>
+          </a:xfrm>
+          <a:custGeom>
+            <a:avLst/>
+            <a:gdLst>
+              <a:gd name="connsiteX0" fmla="*/ 7092985 w 7092985"/>
+              <a:gd name="connsiteY0" fmla="*/ 6858000 h 6858000"/>
+              <a:gd name="connsiteX1" fmla="*/ 0 w 7092985"/>
+              <a:gd name="connsiteY1" fmla="*/ 6858000 h 6858000"/>
+              <a:gd name="connsiteX2" fmla="*/ 0 w 7092985"/>
+              <a:gd name="connsiteY2" fmla="*/ 0 h 6858000"/>
+              <a:gd name="connsiteX3" fmla="*/ 3916831 w 7092985"/>
+              <a:gd name="connsiteY3" fmla="*/ 0 h 6858000"/>
+            </a:gdLst>
+            <a:ahLst/>
+            <a:cxnLst>
+              <a:cxn ang="0">
+                <a:pos x="connsiteX0" y="connsiteY0"/>
+              </a:cxn>
+              <a:cxn ang="0">
+                <a:pos x="connsiteX1" y="connsiteY1"/>
+              </a:cxn>
+              <a:cxn ang="0">
+                <a:pos x="connsiteX2" y="connsiteY2"/>
+              </a:cxn>
+              <a:cxn ang="0">
+                <a:pos x="connsiteX3" y="connsiteY3"/>
+              </a:cxn>
+            </a:cxnLst>
+            <a:rect l="l" t="t" r="r" b="b"/>
+            <a:pathLst>
+              <a:path w="7092985" h="6858000">
+                <a:moveTo>
+                  <a:pt x="7092985" y="6858000"/>
+                </a:moveTo>
+                <a:lnTo>
+                  <a:pt x="0" y="6858000"/>
+                </a:lnTo>
+                <a:lnTo>
+                  <a:pt x="0" y="0"/>
+                </a:lnTo>
+                <a:lnTo>
+                  <a:pt x="3916831" y="0"/>
+                </a:lnTo>
+                <a:close/>
+              </a:path>
+            </a:pathLst>
+          </a:custGeom>
+          <a:solidFill>
+            <a:schemeClr val="tx1">
+              <a:lumMod val="85000"/>
+              <a:lumOff val="15000"/>
+            </a:schemeClr>
+          </a:solidFill>
+          <a:ln>
+            <a:noFill/>
+          </a:ln>
+        </p:spPr>
+        <p:style>
+          <a:lnRef idx="2">
+            <a:schemeClr val="accent1">
+              <a:shade val="50000"/>
+            </a:schemeClr>
+          </a:lnRef>
+          <a:fillRef idx="1">
+            <a:schemeClr val="accent1"/>
+          </a:fillRef>
+          <a:effectRef idx="0">
+            <a:schemeClr val="accent1"/>
+          </a:effectRef>
+          <a:fontRef idx="minor">
+            <a:schemeClr val="lt1"/>
+          </a:fontRef>
+        </p:style>
+        <p:txBody>
+          <a:bodyPr wrap="square" rtlCol="0" anchor="ctr">
+            <a:noAutofit/>
+          </a:bodyPr>
+          <a:lstStyle/>
+          <a:p>
+            <a:pPr algn="ctr"/>
+            <a:endParaRPr lang="en-US"/>
+          </a:p>
+        </p:txBody>
+      </p:sp>
+      <p:sp>
+        <p:nvSpPr>
+          <p:cNvPr id="2" name="Title 1"/>
+          <p:cNvSpPr>
+            <a:spLocks noGrp="1"/>
+          </p:cNvSpPr>
+          <p:nvPr>
+            <p:ph type="title"/>
+          </p:nvPr>
+        </p:nvSpPr>
+        <p:spPr>
+          <a:xfrm>
+            <a:off x="395461" y="156196"/>
+            <a:ext cx="5295655" cy="774063"/>
+          </a:xfrm>
+        </p:spPr>
+        <p:txBody>
+          <a:bodyPr>
+            <a:normAutofit fontScale="90000"/>
+          </a:bodyPr>
+          <a:lstStyle/>
+          <a:p>
+            <a:r>
+              <a:rPr lang="en-US" sz="3700" dirty="0">
+                <a:solidFill>
+                  <a:schemeClr val="bg1"/>
+                </a:solidFill>
+              </a:rPr>
+              <a:t>Application Demonstration:</a:t>
+            </a:r>
+            <a:br>
+              <a:rPr lang="en-US" sz="3700" dirty="0">
+                <a:solidFill>
+                  <a:schemeClr val="bg1"/>
+                </a:solidFill>
+              </a:rPr>
+            </a:br>
+            <a:r>
+              <a:rPr lang="en-US" sz="3700" dirty="0">
+                <a:solidFill>
+                  <a:schemeClr val="bg1"/>
+                </a:solidFill>
+              </a:rPr>
+              <a:t>- Manage an Event: Step 3 -</a:t>
+            </a:r>
+          </a:p>
+        </p:txBody>
+      </p:sp>
+      <p:sp>
+        <p:nvSpPr>
+          <p:cNvPr id="3" name="Content Placeholder 2"/>
+          <p:cNvSpPr>
+            <a:spLocks noGrp="1"/>
+          </p:cNvSpPr>
+          <p:nvPr>
+            <p:ph idx="1"/>
+          </p:nvPr>
+        </p:nvSpPr>
+        <p:spPr>
+          <a:xfrm>
+            <a:off x="626658" y="1313834"/>
+            <a:ext cx="4958300" cy="4659882"/>
+          </a:xfrm>
+        </p:spPr>
+        <p:txBody>
+          <a:bodyPr>
+            <a:normAutofit lnSpcReduction="10000"/>
+          </a:bodyPr>
+          <a:lstStyle/>
+          <a:p>
+            <a:pPr marL="0" indent="0">
+              <a:buNone/>
+            </a:pPr>
+            <a:r>
+              <a:rPr lang="en-US" sz="2000" dirty="0">
+                <a:solidFill>
+                  <a:schemeClr val="bg1"/>
+                </a:solidFill>
+              </a:rPr>
+              <a:t>To create teams and rounds for the event, click the tab labeled “Step 3: Teams/Rounds”.</a:t>
+            </a:r>
+            <a:br>
+              <a:rPr lang="en-US" sz="2000" dirty="0">
+                <a:solidFill>
+                  <a:schemeClr val="bg1"/>
+                </a:solidFill>
+              </a:rPr>
+            </a:br>
+            <a:br>
+              <a:rPr lang="en-US" sz="2000" dirty="0">
+                <a:solidFill>
+                  <a:schemeClr val="bg1"/>
+                </a:solidFill>
+              </a:rPr>
+            </a:br>
+            <a:r>
+              <a:rPr lang="en-US" sz="2000" dirty="0">
+                <a:solidFill>
+                  <a:schemeClr val="bg1"/>
+                </a:solidFill>
+              </a:rPr>
+              <a:t>Click “Generate Teams” to create teams for the event. The “View Teams” button will then become available – click it to open a spreadsheet of the teams in your default spreadsheet application.</a:t>
+            </a:r>
+          </a:p>
+          <a:p>
+            <a:pPr marL="0" indent="0">
+              <a:buNone/>
+            </a:pPr>
+            <a:br>
+              <a:rPr lang="en-US" sz="2000" dirty="0">
+                <a:solidFill>
+                  <a:schemeClr val="bg1"/>
+                </a:solidFill>
+              </a:rPr>
+            </a:br>
+            <a:r>
+              <a:rPr lang="en-US" sz="2000" dirty="0">
+                <a:solidFill>
+                  <a:schemeClr val="bg1"/>
+                </a:solidFill>
+              </a:rPr>
+              <a:t>After teams have been created, create rounds/groups for the event by clicking “Generate Rounds”. After this process completes, you may view round/group assignments via “View Rounds”.</a:t>
+            </a:r>
+          </a:p>
+          <a:p>
+            <a:pPr marL="0" indent="0">
+              <a:buNone/>
+            </a:pPr>
+            <a:endParaRPr lang="en-US" sz="2000" dirty="0">
               <a:solidFill>
                 <a:schemeClr val="bg1"/>
               </a:solidFill>
             </a:endParaRPr>
           </a:p>
-        </p:txBody>
-      </p:sp>
+          <a:p>
+            <a:pPr marL="0" indent="0">
+              <a:buNone/>
+            </a:pPr>
+            <a:r>
+              <a:rPr lang="en-US" sz="2000" dirty="0">
+                <a:solidFill>
+                  <a:schemeClr val="bg1"/>
+                </a:solidFill>
+              </a:rPr>
+              <a:t>Note: Team/Round Generation is final</a:t>
+            </a:r>
+            <a:br>
+              <a:rPr lang="en-US" sz="2000" dirty="0">
+                <a:solidFill>
+                  <a:schemeClr val="bg1"/>
+                </a:solidFill>
+              </a:rPr>
+            </a:br>
+            <a:r>
+              <a:rPr lang="en-US" sz="2000" dirty="0">
+                <a:solidFill>
+                  <a:schemeClr val="bg1"/>
+                </a:solidFill>
+              </a:rPr>
+              <a:t>and the results cannot be modified.</a:t>
+            </a:r>
+          </a:p>
+        </p:txBody>
+      </p:sp>
+      <p:pic>
+        <p:nvPicPr>
+          <p:cNvPr id="4" name="Picture 3">
+            <a:extLst>
+              <a:ext uri="{FF2B5EF4-FFF2-40B4-BE49-F238E27FC236}">
+                <a16:creationId xmlns:a16="http://schemas.microsoft.com/office/drawing/2014/main" id="{394123E5-8611-4C4D-9C63-CD4FC99AC2AE}"/>
+              </a:ext>
+            </a:extLst>
+          </p:cNvPr>
+          <p:cNvPicPr>
+            <a:picLocks noChangeAspect="1"/>
+          </p:cNvPicPr>
+          <p:nvPr/>
+        </p:nvPicPr>
+        <p:blipFill>
+          <a:blip r:embed="rId2"/>
+          <a:stretch>
+            <a:fillRect/>
+          </a:stretch>
+        </p:blipFill>
+        <p:spPr>
+          <a:xfrm>
+            <a:off x="5965220" y="307075"/>
+            <a:ext cx="5295655" cy="6382800"/>
+          </a:xfrm>
+          <a:prstGeom prst="rect">
+            <a:avLst/>
+          </a:prstGeom>
+        </p:spPr>
+      </p:pic>
     </p:spTree>
     <p:extLst>
       <p:ext uri="{BB962C8B-B14F-4D97-AF65-F5344CB8AC3E}">
-        <p14:creationId xmlns:p14="http://schemas.microsoft.com/office/powerpoint/2010/main" val="2854582628"/>
+        <p14:creationId xmlns:p14="http://schemas.microsoft.com/office/powerpoint/2010/main" val="3919082430"/>
+      </p:ext>
+    </p:extLst>
+  </p:cSld>
+  <p:clrMapOvr>
+    <a:masterClrMapping/>
+  </p:clrMapOvr>
+</p:sld>
+</file>
+
+<file path=ppt/slides/slide15.xml><?xml version="1.0" encoding="utf-8"?>
+<p:sld xmlns:a="http://schemas.openxmlformats.org/drawingml/2006/main" xmlns:r="http://schemas.openxmlformats.org/officeDocument/2006/relationships" xmlns:p="http://schemas.openxmlformats.org/presentationml/2006/main">
+  <p:cSld>
+    <p:bg>
+      <p:bgPr>
+        <a:solidFill>
+          <a:schemeClr val="bg1"/>
+        </a:solidFill>
+        <a:effectLst/>
+      </p:bgPr>
+    </p:bg>
+    <p:spTree>
+      <p:nvGrpSpPr>
+        <p:cNvPr id="1" name=""/>
+        <p:cNvGrpSpPr/>
+        <p:nvPr/>
+      </p:nvGrpSpPr>
+      <p:grpSpPr>
+        <a:xfrm>
+          <a:off x="0" y="0"/>
+          <a:ext cx="0" cy="0"/>
+          <a:chOff x="0" y="0"/>
+          <a:chExt cx="0" cy="0"/>
+        </a:xfrm>
+      </p:grpSpPr>
+      <p:sp>
+        <p:nvSpPr>
+          <p:cNvPr id="32" name="Freeform: Shape 31">
+            <a:extLst>
+              <a:ext uri="{FF2B5EF4-FFF2-40B4-BE49-F238E27FC236}">
+                <a16:creationId xmlns:a16="http://schemas.microsoft.com/office/drawing/2014/main" id="{64965EAE-E41A-435F-B993-07E824B6C977}"/>
+              </a:ext>
+            </a:extLst>
+          </p:cNvPr>
+          <p:cNvSpPr>
+            <a:spLocks noGrp="1" noRot="1" noChangeAspect="1" noMove="1" noResize="1" noEditPoints="1" noAdjustHandles="1" noChangeArrowheads="1" noChangeShapeType="1" noTextEdit="1"/>
+          </p:cNvSpPr>
+          <p:nvPr>
+            <p:extLst>
+              <p:ext uri="{386F3935-93C4-4BCD-93E2-E3B085C9AB24}">
+                <p16:designElem xmlns:p16="http://schemas.microsoft.com/office/powerpoint/2015/main" val="1"/>
+              </p:ext>
+            </p:extLst>
+          </p:nvPr>
+        </p:nvSpPr>
+        <p:spPr>
+          <a:xfrm flipV="1">
+            <a:off x="1" y="0"/>
+            <a:ext cx="7539895" cy="6858000"/>
+          </a:xfrm>
+          <a:custGeom>
+            <a:avLst/>
+            <a:gdLst>
+              <a:gd name="connsiteX0" fmla="*/ 7539895 w 7539895"/>
+              <a:gd name="connsiteY0" fmla="*/ 6858000 h 6858000"/>
+              <a:gd name="connsiteX1" fmla="*/ 0 w 7539895"/>
+              <a:gd name="connsiteY1" fmla="*/ 6858000 h 6858000"/>
+              <a:gd name="connsiteX2" fmla="*/ 0 w 7539895"/>
+              <a:gd name="connsiteY2" fmla="*/ 0 h 6858000"/>
+              <a:gd name="connsiteX3" fmla="*/ 4363741 w 7539895"/>
+              <a:gd name="connsiteY3" fmla="*/ 0 h 6858000"/>
+            </a:gdLst>
+            <a:ahLst/>
+            <a:cxnLst>
+              <a:cxn ang="0">
+                <a:pos x="connsiteX0" y="connsiteY0"/>
+              </a:cxn>
+              <a:cxn ang="0">
+                <a:pos x="connsiteX1" y="connsiteY1"/>
+              </a:cxn>
+              <a:cxn ang="0">
+                <a:pos x="connsiteX2" y="connsiteY2"/>
+              </a:cxn>
+              <a:cxn ang="0">
+                <a:pos x="connsiteX3" y="connsiteY3"/>
+              </a:cxn>
+            </a:cxnLst>
+            <a:rect l="l" t="t" r="r" b="b"/>
+            <a:pathLst>
+              <a:path w="7539895" h="6858000">
+                <a:moveTo>
+                  <a:pt x="7539895" y="6858000"/>
+                </a:moveTo>
+                <a:lnTo>
+                  <a:pt x="0" y="6858000"/>
+                </a:lnTo>
+                <a:lnTo>
+                  <a:pt x="0" y="0"/>
+                </a:lnTo>
+                <a:lnTo>
+                  <a:pt x="4363741" y="0"/>
+                </a:lnTo>
+                <a:close/>
+              </a:path>
+            </a:pathLst>
+          </a:custGeom>
+          <a:solidFill>
+            <a:schemeClr val="tx1">
+              <a:lumMod val="85000"/>
+              <a:lumOff val="15000"/>
+              <a:alpha val="70000"/>
+            </a:schemeClr>
+          </a:solidFill>
+          <a:ln>
+            <a:noFill/>
+          </a:ln>
+        </p:spPr>
+        <p:style>
+          <a:lnRef idx="2">
+            <a:schemeClr val="accent1">
+              <a:shade val="50000"/>
+            </a:schemeClr>
+          </a:lnRef>
+          <a:fillRef idx="1">
+            <a:schemeClr val="accent1"/>
+          </a:fillRef>
+          <a:effectRef idx="0">
+            <a:schemeClr val="accent1"/>
+          </a:effectRef>
+          <a:fontRef idx="minor">
+            <a:schemeClr val="lt1"/>
+          </a:fontRef>
+        </p:style>
+        <p:txBody>
+          <a:bodyPr wrap="square" rtlCol="0" anchor="ctr">
+            <a:noAutofit/>
+          </a:bodyPr>
+          <a:lstStyle/>
+          <a:p>
+            <a:pPr algn="ctr"/>
+            <a:endParaRPr lang="en-US"/>
+          </a:p>
+        </p:txBody>
+      </p:sp>
+      <p:sp>
+        <p:nvSpPr>
+          <p:cNvPr id="34" name="Freeform: Shape 33">
+            <a:extLst>
+              <a:ext uri="{FF2B5EF4-FFF2-40B4-BE49-F238E27FC236}">
+                <a16:creationId xmlns:a16="http://schemas.microsoft.com/office/drawing/2014/main" id="{152F8994-E6D4-4311-9548-C3607BC43645}"/>
+              </a:ext>
+            </a:extLst>
+          </p:cNvPr>
+          <p:cNvSpPr>
+            <a:spLocks noGrp="1" noRot="1" noChangeAspect="1" noMove="1" noResize="1" noEditPoints="1" noAdjustHandles="1" noChangeArrowheads="1" noChangeShapeType="1" noTextEdit="1"/>
+          </p:cNvSpPr>
+          <p:nvPr>
+            <p:extLst>
+              <p:ext uri="{386F3935-93C4-4BCD-93E2-E3B085C9AB24}">
+                <p16:designElem xmlns:p16="http://schemas.microsoft.com/office/powerpoint/2015/main" val="1"/>
+              </p:ext>
+            </p:extLst>
+          </p:nvPr>
+        </p:nvSpPr>
+        <p:spPr>
+          <a:xfrm flipV="1">
+            <a:off x="0" y="0"/>
+            <a:ext cx="7092985" cy="6858000"/>
+          </a:xfrm>
+          <a:custGeom>
+            <a:avLst/>
+            <a:gdLst>
+              <a:gd name="connsiteX0" fmla="*/ 7092985 w 7092985"/>
+              <a:gd name="connsiteY0" fmla="*/ 6858000 h 6858000"/>
+              <a:gd name="connsiteX1" fmla="*/ 0 w 7092985"/>
+              <a:gd name="connsiteY1" fmla="*/ 6858000 h 6858000"/>
+              <a:gd name="connsiteX2" fmla="*/ 0 w 7092985"/>
+              <a:gd name="connsiteY2" fmla="*/ 0 h 6858000"/>
+              <a:gd name="connsiteX3" fmla="*/ 3916831 w 7092985"/>
+              <a:gd name="connsiteY3" fmla="*/ 0 h 6858000"/>
+            </a:gdLst>
+            <a:ahLst/>
+            <a:cxnLst>
+              <a:cxn ang="0">
+                <a:pos x="connsiteX0" y="connsiteY0"/>
+              </a:cxn>
+              <a:cxn ang="0">
+                <a:pos x="connsiteX1" y="connsiteY1"/>
+              </a:cxn>
+              <a:cxn ang="0">
+                <a:pos x="connsiteX2" y="connsiteY2"/>
+              </a:cxn>
+              <a:cxn ang="0">
+                <a:pos x="connsiteX3" y="connsiteY3"/>
+              </a:cxn>
+            </a:cxnLst>
+            <a:rect l="l" t="t" r="r" b="b"/>
+            <a:pathLst>
+              <a:path w="7092985" h="6858000">
+                <a:moveTo>
+                  <a:pt x="7092985" y="6858000"/>
+                </a:moveTo>
+                <a:lnTo>
+                  <a:pt x="0" y="6858000"/>
+                </a:lnTo>
+                <a:lnTo>
+                  <a:pt x="0" y="0"/>
+                </a:lnTo>
+                <a:lnTo>
+                  <a:pt x="3916831" y="0"/>
+                </a:lnTo>
+                <a:close/>
+              </a:path>
+            </a:pathLst>
+          </a:custGeom>
+          <a:solidFill>
+            <a:schemeClr val="tx1">
+              <a:lumMod val="85000"/>
+              <a:lumOff val="15000"/>
+            </a:schemeClr>
+          </a:solidFill>
+          <a:ln>
+            <a:noFill/>
+          </a:ln>
+        </p:spPr>
+        <p:style>
+          <a:lnRef idx="2">
+            <a:schemeClr val="accent1">
+              <a:shade val="50000"/>
+            </a:schemeClr>
+          </a:lnRef>
+          <a:fillRef idx="1">
+            <a:schemeClr val="accent1"/>
+          </a:fillRef>
+          <a:effectRef idx="0">
+            <a:schemeClr val="accent1"/>
+          </a:effectRef>
+          <a:fontRef idx="minor">
+            <a:schemeClr val="lt1"/>
+          </a:fontRef>
+        </p:style>
+        <p:txBody>
+          <a:bodyPr wrap="square" rtlCol="0" anchor="ctr">
+            <a:noAutofit/>
+          </a:bodyPr>
+          <a:lstStyle/>
+          <a:p>
+            <a:pPr algn="ctr"/>
+            <a:endParaRPr lang="en-US"/>
+          </a:p>
+        </p:txBody>
+      </p:sp>
+      <p:sp>
+        <p:nvSpPr>
+          <p:cNvPr id="2" name="Title 1"/>
+          <p:cNvSpPr>
+            <a:spLocks noGrp="1"/>
+          </p:cNvSpPr>
+          <p:nvPr>
+            <p:ph type="title"/>
+          </p:nvPr>
+        </p:nvSpPr>
+        <p:spPr>
+          <a:xfrm>
+            <a:off x="395461" y="156196"/>
+            <a:ext cx="5295655" cy="774063"/>
+          </a:xfrm>
+        </p:spPr>
+        <p:txBody>
+          <a:bodyPr>
+            <a:normAutofit fontScale="90000"/>
+          </a:bodyPr>
+          <a:lstStyle/>
+          <a:p>
+            <a:r>
+              <a:rPr lang="en-US" sz="3700" dirty="0">
+                <a:solidFill>
+                  <a:schemeClr val="bg1"/>
+                </a:solidFill>
+              </a:rPr>
+              <a:t>Application Demonstration:</a:t>
+            </a:r>
+            <a:br>
+              <a:rPr lang="en-US" sz="3700" dirty="0">
+                <a:solidFill>
+                  <a:schemeClr val="bg1"/>
+                </a:solidFill>
+              </a:rPr>
+            </a:br>
+            <a:r>
+              <a:rPr lang="en-US" sz="3700" dirty="0">
+                <a:solidFill>
+                  <a:schemeClr val="bg1"/>
+                </a:solidFill>
+              </a:rPr>
+              <a:t>- Manage an Event: Step 4 -</a:t>
+            </a:r>
+          </a:p>
+        </p:txBody>
+      </p:sp>
+      <p:sp>
+        <p:nvSpPr>
+          <p:cNvPr id="3" name="Content Placeholder 2"/>
+          <p:cNvSpPr>
+            <a:spLocks noGrp="1"/>
+          </p:cNvSpPr>
+          <p:nvPr>
+            <p:ph idx="1"/>
+          </p:nvPr>
+        </p:nvSpPr>
+        <p:spPr>
+          <a:xfrm>
+            <a:off x="626658" y="1313834"/>
+            <a:ext cx="4958300" cy="4659882"/>
+          </a:xfrm>
+        </p:spPr>
+        <p:txBody>
+          <a:bodyPr>
+            <a:normAutofit/>
+          </a:bodyPr>
+          <a:lstStyle/>
+          <a:p>
+            <a:pPr marL="0" indent="0">
+              <a:buNone/>
+            </a:pPr>
+            <a:r>
+              <a:rPr lang="en-US" sz="2000" dirty="0">
+                <a:solidFill>
+                  <a:schemeClr val="bg1"/>
+                </a:solidFill>
+              </a:rPr>
+              <a:t>To enter scores and view standings/results, click “Step 4: Results”.</a:t>
+            </a:r>
+            <a:br>
+              <a:rPr lang="en-US" sz="2000" dirty="0">
+                <a:solidFill>
+                  <a:schemeClr val="bg1"/>
+                </a:solidFill>
+              </a:rPr>
+            </a:br>
+            <a:br>
+              <a:rPr lang="en-US" sz="2000" dirty="0">
+                <a:solidFill>
+                  <a:schemeClr val="bg1"/>
+                </a:solidFill>
+              </a:rPr>
+            </a:br>
+            <a:r>
+              <a:rPr lang="en-US" sz="2000" dirty="0">
+                <a:solidFill>
+                  <a:schemeClr val="bg1"/>
+                </a:solidFill>
+              </a:rPr>
+              <a:t>Click “Enter Scores” to fill out scorecards for each round by group. </a:t>
+            </a:r>
+          </a:p>
+          <a:p>
+            <a:pPr marL="0" indent="0">
+              <a:buNone/>
+            </a:pPr>
+            <a:br>
+              <a:rPr lang="en-US" sz="2000" dirty="0">
+                <a:solidFill>
+                  <a:schemeClr val="bg1"/>
+                </a:solidFill>
+              </a:rPr>
+            </a:br>
+            <a:r>
+              <a:rPr lang="en-US" sz="2000" dirty="0">
+                <a:solidFill>
+                  <a:schemeClr val="bg1"/>
+                </a:solidFill>
+              </a:rPr>
+              <a:t>Substitutions may be denoted here as well. If a player had a substitution in any round, they are not eligible for Points or Putts awards. However, their points are still used in </a:t>
+            </a:r>
+            <a:br>
+              <a:rPr lang="en-US" sz="2000" dirty="0">
+                <a:solidFill>
+                  <a:schemeClr val="bg1"/>
+                </a:solidFill>
+              </a:rPr>
+            </a:br>
+            <a:r>
+              <a:rPr lang="en-US" sz="2000" dirty="0">
+                <a:solidFill>
+                  <a:schemeClr val="bg1"/>
+                </a:solidFill>
+              </a:rPr>
+              <a:t>calculating the Team award</a:t>
+            </a:r>
+          </a:p>
+        </p:txBody>
+      </p:sp>
+      <p:pic>
+        <p:nvPicPr>
+          <p:cNvPr id="6" name="Picture 5">
+            <a:extLst>
+              <a:ext uri="{FF2B5EF4-FFF2-40B4-BE49-F238E27FC236}">
+                <a16:creationId xmlns:a16="http://schemas.microsoft.com/office/drawing/2014/main" id="{326533F8-FFD9-40D4-9C23-A15949C33844}"/>
+              </a:ext>
+            </a:extLst>
+          </p:cNvPr>
+          <p:cNvPicPr>
+            <a:picLocks noChangeAspect="1"/>
+          </p:cNvPicPr>
+          <p:nvPr/>
+        </p:nvPicPr>
+        <p:blipFill>
+          <a:blip r:embed="rId2"/>
+          <a:stretch>
+            <a:fillRect/>
+          </a:stretch>
+        </p:blipFill>
+        <p:spPr>
+          <a:xfrm>
+            <a:off x="4647100" y="4126365"/>
+            <a:ext cx="5020605" cy="2709734"/>
+          </a:xfrm>
+          <a:prstGeom prst="rect">
+            <a:avLst/>
+          </a:prstGeom>
+        </p:spPr>
+      </p:pic>
+      <p:pic>
+        <p:nvPicPr>
+          <p:cNvPr id="7" name="Picture 6">
+            <a:extLst>
+              <a:ext uri="{FF2B5EF4-FFF2-40B4-BE49-F238E27FC236}">
+                <a16:creationId xmlns:a16="http://schemas.microsoft.com/office/drawing/2014/main" id="{0DA9AA7E-D1B9-4655-838F-4B9485F1EEC3}"/>
+              </a:ext>
+            </a:extLst>
+          </p:cNvPr>
+          <p:cNvPicPr>
+            <a:picLocks noChangeAspect="1"/>
+          </p:cNvPicPr>
+          <p:nvPr/>
+        </p:nvPicPr>
+        <p:blipFill>
+          <a:blip r:embed="rId3"/>
+          <a:stretch>
+            <a:fillRect/>
+          </a:stretch>
+        </p:blipFill>
+        <p:spPr>
+          <a:xfrm>
+            <a:off x="6443921" y="660310"/>
+            <a:ext cx="5351594" cy="3236126"/>
+          </a:xfrm>
+          <a:prstGeom prst="rect">
+            <a:avLst/>
+          </a:prstGeom>
+        </p:spPr>
+      </p:pic>
+      <p:pic>
+        <p:nvPicPr>
+          <p:cNvPr id="10" name="Graphic 9" descr="Line Arrow: Counterclockwise curve">
+            <a:extLst>
+              <a:ext uri="{FF2B5EF4-FFF2-40B4-BE49-F238E27FC236}">
+                <a16:creationId xmlns:a16="http://schemas.microsoft.com/office/drawing/2014/main" id="{724341D0-6129-40D1-8F4B-AE6F173C6F5E}"/>
+              </a:ext>
+            </a:extLst>
+          </p:cNvPr>
+          <p:cNvPicPr>
+            <a:picLocks noChangeAspect="1"/>
+          </p:cNvPicPr>
+          <p:nvPr/>
+        </p:nvPicPr>
+        <p:blipFill>
+          <a:blip r:embed="rId4">
+            <a:extLst>
+              <a:ext uri="{28A0092B-C50C-407E-A947-70E740481C1C}">
+                <a14:useLocalDpi xmlns:a14="http://schemas.microsoft.com/office/drawing/2010/main" val="0"/>
+              </a:ext>
+              <a:ext uri="{96DAC541-7B7A-43D3-8B79-37D633B846F1}">
+                <asvg:svgBlip xmlns:asvg="http://schemas.microsoft.com/office/drawing/2016/SVG/main" r:embed="rId5"/>
+              </a:ext>
+            </a:extLst>
+          </a:blip>
+          <a:stretch>
+            <a:fillRect/>
+          </a:stretch>
+        </p:blipFill>
+        <p:spPr>
+          <a:xfrm rot="4491415">
+            <a:off x="9451978" y="3776666"/>
+            <a:ext cx="1560159" cy="1560159"/>
+          </a:xfrm>
+          <a:prstGeom prst="rect">
+            <a:avLst/>
+          </a:prstGeom>
+        </p:spPr>
+      </p:pic>
+    </p:spTree>
+    <p:extLst>
+      <p:ext uri="{BB962C8B-B14F-4D97-AF65-F5344CB8AC3E}">
+        <p14:creationId xmlns:p14="http://schemas.microsoft.com/office/powerpoint/2010/main" val="706178604"/>
+      </p:ext>
+    </p:extLst>
+  </p:cSld>
+  <p:clrMapOvr>
+    <a:masterClrMapping/>
+  </p:clrMapOvr>
+</p:sld>
+</file>
+
+<file path=ppt/slides/slide16.xml><?xml version="1.0" encoding="utf-8"?>
+<p:sld xmlns:a="http://schemas.openxmlformats.org/drawingml/2006/main" xmlns:r="http://schemas.openxmlformats.org/officeDocument/2006/relationships" xmlns:p="http://schemas.openxmlformats.org/presentationml/2006/main">
+  <p:cSld>
+    <p:bg>
+      <p:bgPr>
+        <a:solidFill>
+          <a:schemeClr val="bg1"/>
+        </a:solidFill>
+        <a:effectLst/>
+      </p:bgPr>
+    </p:bg>
+    <p:spTree>
+      <p:nvGrpSpPr>
+        <p:cNvPr id="1" name=""/>
+        <p:cNvGrpSpPr/>
+        <p:nvPr/>
+      </p:nvGrpSpPr>
+      <p:grpSpPr>
+        <a:xfrm>
+          <a:off x="0" y="0"/>
+          <a:ext cx="0" cy="0"/>
+          <a:chOff x="0" y="0"/>
+          <a:chExt cx="0" cy="0"/>
+        </a:xfrm>
+      </p:grpSpPr>
+      <p:sp>
+        <p:nvSpPr>
+          <p:cNvPr id="32" name="Freeform: Shape 31">
+            <a:extLst>
+              <a:ext uri="{FF2B5EF4-FFF2-40B4-BE49-F238E27FC236}">
+                <a16:creationId xmlns:a16="http://schemas.microsoft.com/office/drawing/2014/main" id="{64965EAE-E41A-435F-B993-07E824B6C977}"/>
+              </a:ext>
+            </a:extLst>
+          </p:cNvPr>
+          <p:cNvSpPr>
+            <a:spLocks noGrp="1" noRot="1" noChangeAspect="1" noMove="1" noResize="1" noEditPoints="1" noAdjustHandles="1" noChangeArrowheads="1" noChangeShapeType="1" noTextEdit="1"/>
+          </p:cNvSpPr>
+          <p:nvPr>
+            <p:extLst>
+              <p:ext uri="{386F3935-93C4-4BCD-93E2-E3B085C9AB24}">
+                <p16:designElem xmlns:p16="http://schemas.microsoft.com/office/powerpoint/2015/main" val="1"/>
+              </p:ext>
+            </p:extLst>
+          </p:nvPr>
+        </p:nvSpPr>
+        <p:spPr>
+          <a:xfrm flipV="1">
+            <a:off x="1" y="0"/>
+            <a:ext cx="7539895" cy="6858000"/>
+          </a:xfrm>
+          <a:custGeom>
+            <a:avLst/>
+            <a:gdLst>
+              <a:gd name="connsiteX0" fmla="*/ 7539895 w 7539895"/>
+              <a:gd name="connsiteY0" fmla="*/ 6858000 h 6858000"/>
+              <a:gd name="connsiteX1" fmla="*/ 0 w 7539895"/>
+              <a:gd name="connsiteY1" fmla="*/ 6858000 h 6858000"/>
+              <a:gd name="connsiteX2" fmla="*/ 0 w 7539895"/>
+              <a:gd name="connsiteY2" fmla="*/ 0 h 6858000"/>
+              <a:gd name="connsiteX3" fmla="*/ 4363741 w 7539895"/>
+              <a:gd name="connsiteY3" fmla="*/ 0 h 6858000"/>
+            </a:gdLst>
+            <a:ahLst/>
+            <a:cxnLst>
+              <a:cxn ang="0">
+                <a:pos x="connsiteX0" y="connsiteY0"/>
+              </a:cxn>
+              <a:cxn ang="0">
+                <a:pos x="connsiteX1" y="connsiteY1"/>
+              </a:cxn>
+              <a:cxn ang="0">
+                <a:pos x="connsiteX2" y="connsiteY2"/>
+              </a:cxn>
+              <a:cxn ang="0">
+                <a:pos x="connsiteX3" y="connsiteY3"/>
+              </a:cxn>
+            </a:cxnLst>
+            <a:rect l="l" t="t" r="r" b="b"/>
+            <a:pathLst>
+              <a:path w="7539895" h="6858000">
+                <a:moveTo>
+                  <a:pt x="7539895" y="6858000"/>
+                </a:moveTo>
+                <a:lnTo>
+                  <a:pt x="0" y="6858000"/>
+                </a:lnTo>
+                <a:lnTo>
+                  <a:pt x="0" y="0"/>
+                </a:lnTo>
+                <a:lnTo>
+                  <a:pt x="4363741" y="0"/>
+                </a:lnTo>
+                <a:close/>
+              </a:path>
+            </a:pathLst>
+          </a:custGeom>
+          <a:solidFill>
+            <a:schemeClr val="tx1">
+              <a:lumMod val="85000"/>
+              <a:lumOff val="15000"/>
+              <a:alpha val="70000"/>
+            </a:schemeClr>
+          </a:solidFill>
+          <a:ln>
+            <a:noFill/>
+          </a:ln>
+        </p:spPr>
+        <p:style>
+          <a:lnRef idx="2">
+            <a:schemeClr val="accent1">
+              <a:shade val="50000"/>
+            </a:schemeClr>
+          </a:lnRef>
+          <a:fillRef idx="1">
+            <a:schemeClr val="accent1"/>
+          </a:fillRef>
+          <a:effectRef idx="0">
+            <a:schemeClr val="accent1"/>
+          </a:effectRef>
+          <a:fontRef idx="minor">
+            <a:schemeClr val="lt1"/>
+          </a:fontRef>
+        </p:style>
+        <p:txBody>
+          <a:bodyPr wrap="square" rtlCol="0" anchor="ctr">
+            <a:noAutofit/>
+          </a:bodyPr>
+          <a:lstStyle/>
+          <a:p>
+            <a:pPr algn="ctr"/>
+            <a:endParaRPr lang="en-US"/>
+          </a:p>
+        </p:txBody>
+      </p:sp>
+      <p:sp>
+        <p:nvSpPr>
+          <p:cNvPr id="34" name="Freeform: Shape 33">
+            <a:extLst>
+              <a:ext uri="{FF2B5EF4-FFF2-40B4-BE49-F238E27FC236}">
+                <a16:creationId xmlns:a16="http://schemas.microsoft.com/office/drawing/2014/main" id="{152F8994-E6D4-4311-9548-C3607BC43645}"/>
+              </a:ext>
+            </a:extLst>
+          </p:cNvPr>
+          <p:cNvSpPr>
+            <a:spLocks noGrp="1" noRot="1" noChangeAspect="1" noMove="1" noResize="1" noEditPoints="1" noAdjustHandles="1" noChangeArrowheads="1" noChangeShapeType="1" noTextEdit="1"/>
+          </p:cNvSpPr>
+          <p:nvPr>
+            <p:extLst>
+              <p:ext uri="{386F3935-93C4-4BCD-93E2-E3B085C9AB24}">
+                <p16:designElem xmlns:p16="http://schemas.microsoft.com/office/powerpoint/2015/main" val="1"/>
+              </p:ext>
+            </p:extLst>
+          </p:nvPr>
+        </p:nvSpPr>
+        <p:spPr>
+          <a:xfrm flipV="1">
+            <a:off x="0" y="0"/>
+            <a:ext cx="7092985" cy="6858000"/>
+          </a:xfrm>
+          <a:custGeom>
+            <a:avLst/>
+            <a:gdLst>
+              <a:gd name="connsiteX0" fmla="*/ 7092985 w 7092985"/>
+              <a:gd name="connsiteY0" fmla="*/ 6858000 h 6858000"/>
+              <a:gd name="connsiteX1" fmla="*/ 0 w 7092985"/>
+              <a:gd name="connsiteY1" fmla="*/ 6858000 h 6858000"/>
+              <a:gd name="connsiteX2" fmla="*/ 0 w 7092985"/>
+              <a:gd name="connsiteY2" fmla="*/ 0 h 6858000"/>
+              <a:gd name="connsiteX3" fmla="*/ 3916831 w 7092985"/>
+              <a:gd name="connsiteY3" fmla="*/ 0 h 6858000"/>
+            </a:gdLst>
+            <a:ahLst/>
+            <a:cxnLst>
+              <a:cxn ang="0">
+                <a:pos x="connsiteX0" y="connsiteY0"/>
+              </a:cxn>
+              <a:cxn ang="0">
+                <a:pos x="connsiteX1" y="connsiteY1"/>
+              </a:cxn>
+              <a:cxn ang="0">
+                <a:pos x="connsiteX2" y="connsiteY2"/>
+              </a:cxn>
+              <a:cxn ang="0">
+                <a:pos x="connsiteX3" y="connsiteY3"/>
+              </a:cxn>
+            </a:cxnLst>
+            <a:rect l="l" t="t" r="r" b="b"/>
+            <a:pathLst>
+              <a:path w="7092985" h="6858000">
+                <a:moveTo>
+                  <a:pt x="7092985" y="6858000"/>
+                </a:moveTo>
+                <a:lnTo>
+                  <a:pt x="0" y="6858000"/>
+                </a:lnTo>
+                <a:lnTo>
+                  <a:pt x="0" y="0"/>
+                </a:lnTo>
+                <a:lnTo>
+                  <a:pt x="3916831" y="0"/>
+                </a:lnTo>
+                <a:close/>
+              </a:path>
+            </a:pathLst>
+          </a:custGeom>
+          <a:solidFill>
+            <a:schemeClr val="tx1">
+              <a:lumMod val="85000"/>
+              <a:lumOff val="15000"/>
+            </a:schemeClr>
+          </a:solidFill>
+          <a:ln>
+            <a:noFill/>
+          </a:ln>
+        </p:spPr>
+        <p:style>
+          <a:lnRef idx="2">
+            <a:schemeClr val="accent1">
+              <a:shade val="50000"/>
+            </a:schemeClr>
+          </a:lnRef>
+          <a:fillRef idx="1">
+            <a:schemeClr val="accent1"/>
+          </a:fillRef>
+          <a:effectRef idx="0">
+            <a:schemeClr val="accent1"/>
+          </a:effectRef>
+          <a:fontRef idx="minor">
+            <a:schemeClr val="lt1"/>
+          </a:fontRef>
+        </p:style>
+        <p:txBody>
+          <a:bodyPr wrap="square" rtlCol="0" anchor="ctr">
+            <a:noAutofit/>
+          </a:bodyPr>
+          <a:lstStyle/>
+          <a:p>
+            <a:pPr algn="ctr"/>
+            <a:endParaRPr lang="en-US"/>
+          </a:p>
+        </p:txBody>
+      </p:sp>
+      <p:sp>
+        <p:nvSpPr>
+          <p:cNvPr id="2" name="Title 1"/>
+          <p:cNvSpPr>
+            <a:spLocks noGrp="1"/>
+          </p:cNvSpPr>
+          <p:nvPr>
+            <p:ph type="title"/>
+          </p:nvPr>
+        </p:nvSpPr>
+        <p:spPr>
+          <a:xfrm>
+            <a:off x="395461" y="156196"/>
+            <a:ext cx="5295655" cy="774063"/>
+          </a:xfrm>
+        </p:spPr>
+        <p:txBody>
+          <a:bodyPr>
+            <a:normAutofit fontScale="90000"/>
+          </a:bodyPr>
+          <a:lstStyle/>
+          <a:p>
+            <a:r>
+              <a:rPr lang="en-US" sz="3700" dirty="0">
+                <a:solidFill>
+                  <a:schemeClr val="bg1"/>
+                </a:solidFill>
+              </a:rPr>
+              <a:t>Application Demonstration:</a:t>
+            </a:r>
+            <a:br>
+              <a:rPr lang="en-US" sz="3700" dirty="0">
+                <a:solidFill>
+                  <a:schemeClr val="bg1"/>
+                </a:solidFill>
+              </a:rPr>
+            </a:br>
+            <a:r>
+              <a:rPr lang="en-US" sz="3700" dirty="0">
+                <a:solidFill>
+                  <a:schemeClr val="bg1"/>
+                </a:solidFill>
+              </a:rPr>
+              <a:t>- Manage an Event: Step 4 -</a:t>
+            </a:r>
+          </a:p>
+        </p:txBody>
+      </p:sp>
+      <p:sp>
+        <p:nvSpPr>
+          <p:cNvPr id="3" name="Content Placeholder 2"/>
+          <p:cNvSpPr>
+            <a:spLocks noGrp="1"/>
+          </p:cNvSpPr>
+          <p:nvPr>
+            <p:ph idx="1"/>
+          </p:nvPr>
+        </p:nvSpPr>
+        <p:spPr>
+          <a:xfrm>
+            <a:off x="626658" y="1313834"/>
+            <a:ext cx="4958300" cy="4659882"/>
+          </a:xfrm>
+        </p:spPr>
+        <p:txBody>
+          <a:bodyPr>
+            <a:normAutofit/>
+          </a:bodyPr>
+          <a:lstStyle/>
+          <a:p>
+            <a:pPr marL="0" indent="0">
+              <a:buNone/>
+            </a:pPr>
+            <a:r>
+              <a:rPr lang="en-US" sz="2000" dirty="0">
+                <a:solidFill>
+                  <a:schemeClr val="bg1"/>
+                </a:solidFill>
+              </a:rPr>
+              <a:t>Also available under the “Step 4: Results” tab, are the score and standings reports. These are opened in your default spreadsheet program upon clicking the appropriate button.</a:t>
+            </a:r>
+            <a:br>
+              <a:rPr lang="en-US" sz="2000" dirty="0">
+                <a:solidFill>
+                  <a:schemeClr val="bg1"/>
+                </a:solidFill>
+              </a:rPr>
+            </a:br>
+            <a:br>
+              <a:rPr lang="en-US" sz="2000" dirty="0">
+                <a:solidFill>
+                  <a:schemeClr val="bg1"/>
+                </a:solidFill>
+              </a:rPr>
+            </a:br>
+            <a:r>
+              <a:rPr lang="en-US" sz="2000" dirty="0">
+                <a:solidFill>
+                  <a:schemeClr val="bg1"/>
+                </a:solidFill>
+              </a:rPr>
+              <a:t>At any time, you may click to view scores by player or team, or to see standings for </a:t>
+            </a:r>
+            <a:br>
+              <a:rPr lang="en-US" sz="2000" dirty="0">
+                <a:solidFill>
+                  <a:schemeClr val="bg1"/>
+                </a:solidFill>
+              </a:rPr>
+            </a:br>
+            <a:r>
+              <a:rPr lang="en-US" sz="2000" dirty="0">
+                <a:solidFill>
+                  <a:schemeClr val="bg1"/>
+                </a:solidFill>
+              </a:rPr>
+              <a:t>each award category.</a:t>
+            </a:r>
+            <a:br>
+              <a:rPr lang="en-US" sz="2000" dirty="0">
+                <a:solidFill>
+                  <a:schemeClr val="bg1"/>
+                </a:solidFill>
+              </a:rPr>
+            </a:br>
+            <a:br>
+              <a:rPr lang="en-US" sz="2000" dirty="0">
+                <a:solidFill>
+                  <a:schemeClr val="bg1"/>
+                </a:solidFill>
+              </a:rPr>
+            </a:br>
+            <a:r>
+              <a:rPr lang="en-US" sz="2000" dirty="0">
+                <a:solidFill>
+                  <a:schemeClr val="bg1"/>
+                </a:solidFill>
+              </a:rPr>
+              <a:t>If all scores have been entered for the </a:t>
+            </a:r>
+            <a:br>
+              <a:rPr lang="en-US" sz="2000" dirty="0">
+                <a:solidFill>
+                  <a:schemeClr val="bg1"/>
+                </a:solidFill>
+              </a:rPr>
+            </a:br>
+            <a:r>
+              <a:rPr lang="en-US" sz="2000" dirty="0">
+                <a:solidFill>
+                  <a:schemeClr val="bg1"/>
+                </a:solidFill>
+              </a:rPr>
+              <a:t>event, standings reflect </a:t>
+            </a:r>
+            <a:br>
+              <a:rPr lang="en-US" sz="2000" dirty="0">
+                <a:solidFill>
+                  <a:schemeClr val="bg1"/>
+                </a:solidFill>
+              </a:rPr>
+            </a:br>
+            <a:r>
+              <a:rPr lang="en-US" sz="2000" dirty="0">
+                <a:solidFill>
+                  <a:schemeClr val="bg1"/>
+                </a:solidFill>
+              </a:rPr>
+              <a:t>the final tournament results.</a:t>
+            </a:r>
+          </a:p>
+        </p:txBody>
+      </p:sp>
+      <p:pic>
+        <p:nvPicPr>
+          <p:cNvPr id="5" name="Picture 4">
+            <a:extLst>
+              <a:ext uri="{FF2B5EF4-FFF2-40B4-BE49-F238E27FC236}">
+                <a16:creationId xmlns:a16="http://schemas.microsoft.com/office/drawing/2014/main" id="{68E1832D-1435-401E-9062-38C782B3C2AC}"/>
+              </a:ext>
+            </a:extLst>
+          </p:cNvPr>
+          <p:cNvPicPr>
+            <a:picLocks noChangeAspect="1"/>
+          </p:cNvPicPr>
+          <p:nvPr/>
+        </p:nvPicPr>
+        <p:blipFill>
+          <a:blip r:embed="rId2"/>
+          <a:stretch>
+            <a:fillRect/>
+          </a:stretch>
+        </p:blipFill>
+        <p:spPr>
+          <a:xfrm>
+            <a:off x="6339274" y="272955"/>
+            <a:ext cx="5226068" cy="6312090"/>
+          </a:xfrm>
+          <a:prstGeom prst="rect">
+            <a:avLst/>
+          </a:prstGeom>
+        </p:spPr>
+      </p:pic>
+    </p:spTree>
+    <p:extLst>
+      <p:ext uri="{BB962C8B-B14F-4D97-AF65-F5344CB8AC3E}">
+        <p14:creationId xmlns:p14="http://schemas.microsoft.com/office/powerpoint/2010/main" val="121270436"/>
       </p:ext>
     </p:extLst>
   </p:cSld>
@@ -6415,7 +9294,7 @@
                   <a:schemeClr val="bg1"/>
                 </a:solidFill>
               </a:rPr>
-              <a:t> - Ex: an integer is expected, but a larger number or alphabetic character was received.</a:t>
+              <a:t> - Ex: an integer is expected, but a larger number or an alphabetic character was received.</a:t>
             </a:r>
             <a:br>
               <a:rPr lang="en-US" dirty="0">

--- a/FinalReport/AWGADemo.pptx
+++ b/FinalReport/AWGADemo.pptx
@@ -8508,13 +8508,89 @@
                   <a:schemeClr val="bg1"/>
                 </a:solidFill>
               </a:rPr>
-              <a:t>Describe our development process</a:t>
-            </a:r>
+              <a:t>The Agile development process was used</a:t>
+            </a:r>
+            <a:br>
+              <a:rPr lang="en-US" b="1" dirty="0">
+                <a:solidFill>
+                  <a:schemeClr val="bg1"/>
+                </a:solidFill>
+              </a:rPr>
+            </a:br>
+            <a:endParaRPr lang="en-US" b="1" dirty="0">
+              <a:solidFill>
+                <a:schemeClr val="bg1"/>
+              </a:solidFill>
+            </a:endParaRPr>
+          </a:p>
+          <a:p>
+            <a:pPr lvl="1">
+              <a:lnSpc>
+                <a:spcPct val="70000"/>
+              </a:lnSpc>
+            </a:pPr>
+            <a:r>
+              <a:rPr lang="en-US" dirty="0">
+                <a:solidFill>
+                  <a:schemeClr val="bg1"/>
+                </a:solidFill>
+              </a:rPr>
+              <a:t>Two week sprints</a:t>
+            </a:r>
+            <a:br>
+              <a:rPr lang="en-US" dirty="0">
+                <a:solidFill>
+                  <a:schemeClr val="bg1"/>
+                </a:solidFill>
+              </a:rPr>
+            </a:br>
             <a:endParaRPr lang="en-US" dirty="0">
               <a:solidFill>
                 <a:schemeClr val="bg1"/>
               </a:solidFill>
             </a:endParaRPr>
+          </a:p>
+          <a:p>
+            <a:pPr lvl="1">
+              <a:lnSpc>
+                <a:spcPct val="70000"/>
+              </a:lnSpc>
+            </a:pPr>
+            <a:r>
+              <a:rPr lang="en-US" dirty="0">
+                <a:solidFill>
+                  <a:schemeClr val="bg1"/>
+                </a:solidFill>
+              </a:rPr>
+              <a:t>Bugs found in completed stories were generally fixed in the next iteration.</a:t>
+            </a:r>
+            <a:br>
+              <a:rPr lang="en-US" dirty="0">
+                <a:solidFill>
+                  <a:schemeClr val="bg1"/>
+                </a:solidFill>
+              </a:rPr>
+            </a:br>
+            <a:endParaRPr lang="en-US" dirty="0">
+              <a:solidFill>
+                <a:schemeClr val="bg1"/>
+              </a:solidFill>
+            </a:endParaRPr>
+          </a:p>
+          <a:p>
+            <a:pPr lvl="1">
+              <a:lnSpc>
+                <a:spcPct val="70000"/>
+              </a:lnSpc>
+            </a:pPr>
+            <a:r>
+              <a:rPr lang="en-US" dirty="0">
+                <a:solidFill>
+                  <a:schemeClr val="bg1"/>
+                </a:solidFill>
+              </a:rPr>
+              <a:t>Git, GitHub, and Pivotal Tracker were used for version tracking and collaboration.</a:t>
+            </a:r>
           </a:p>
           <a:p>
             <a:pPr marL="0" indent="0">
@@ -9209,7 +9285,7 @@
           <a:p>
             <a:r>
               <a:rPr lang="en-US" dirty="0"/>
-              <a:t>Testing Process and Results</a:t>
+              <a:t>Testing Process and Results – Negative Testing</a:t>
             </a:r>
           </a:p>
         </p:txBody>
@@ -9663,7 +9739,7 @@
           <a:p>
             <a:r>
               <a:rPr lang="en-US" dirty="0"/>
-              <a:t>Testing Process and Results</a:t>
+              <a:t>Testing Process and Results – Positive Testing</a:t>
             </a:r>
           </a:p>
         </p:txBody>
